--- a/slides/Pingo - PHP Basics - Database - MySQL.pptx
+++ b/slides/Pingo - PHP Basics - Database - MySQL.pptx
@@ -5,7 +5,7 @@
     <p:sldMasterId id="2147483660" r:id="rId1"/>
   </p:sldMasterIdLst>
   <p:notesMasterIdLst>
-    <p:notesMasterId r:id="rId56"/>
+    <p:notesMasterId r:id="rId52"/>
   </p:notesMasterIdLst>
   <p:sldIdLst>
     <p:sldId id="303" r:id="rId2"/>
@@ -42,26 +42,22 @@
     <p:sldId id="372" r:id="rId33"/>
     <p:sldId id="373" r:id="rId34"/>
     <p:sldId id="374" r:id="rId35"/>
-    <p:sldId id="375" r:id="rId36"/>
-    <p:sldId id="376" r:id="rId37"/>
-    <p:sldId id="377" r:id="rId38"/>
-    <p:sldId id="378" r:id="rId39"/>
-    <p:sldId id="379" r:id="rId40"/>
-    <p:sldId id="380" r:id="rId41"/>
-    <p:sldId id="381" r:id="rId42"/>
-    <p:sldId id="382" r:id="rId43"/>
-    <p:sldId id="383" r:id="rId44"/>
-    <p:sldId id="384" r:id="rId45"/>
-    <p:sldId id="385" r:id="rId46"/>
-    <p:sldId id="386" r:id="rId47"/>
-    <p:sldId id="387" r:id="rId48"/>
-    <p:sldId id="388" r:id="rId49"/>
-    <p:sldId id="389" r:id="rId50"/>
-    <p:sldId id="390" r:id="rId51"/>
-    <p:sldId id="391" r:id="rId52"/>
-    <p:sldId id="392" r:id="rId53"/>
-    <p:sldId id="393" r:id="rId54"/>
-    <p:sldId id="304" r:id="rId55"/>
+    <p:sldId id="376" r:id="rId36"/>
+    <p:sldId id="377" r:id="rId37"/>
+    <p:sldId id="378" r:id="rId38"/>
+    <p:sldId id="379" r:id="rId39"/>
+    <p:sldId id="380" r:id="rId40"/>
+    <p:sldId id="381" r:id="rId41"/>
+    <p:sldId id="382" r:id="rId42"/>
+    <p:sldId id="383" r:id="rId43"/>
+    <p:sldId id="385" r:id="rId44"/>
+    <p:sldId id="387" r:id="rId45"/>
+    <p:sldId id="388" r:id="rId46"/>
+    <p:sldId id="389" r:id="rId47"/>
+    <p:sldId id="391" r:id="rId48"/>
+    <p:sldId id="393" r:id="rId49"/>
+    <p:sldId id="392" r:id="rId50"/>
+    <p:sldId id="304" r:id="rId51"/>
   </p:sldIdLst>
   <p:sldSz cx="9144000" cy="6858000" type="screen4x3"/>
   <p:notesSz cx="6858000" cy="9144000"/>
@@ -14491,7 +14487,7 @@
     </p:spTree>
     <p:extLst>
       <p:ext uri="{BB962C8B-B14F-4D97-AF65-F5344CB8AC3E}">
-        <p14:creationId xmlns:p14="http://schemas.microsoft.com/office/powerpoint/2010/main" val="3452823364"/>
+        <p14:creationId xmlns:p14="http://schemas.microsoft.com/office/powerpoint/2010/main" val="40433307"/>
       </p:ext>
     </p:extLst>
   </p:cSld>
@@ -14540,114 +14536,6 @@
           <a:p>
             <a:r>
               <a:rPr lang="en-US" dirty="0" smtClean="0"/>
-              <a:t>MySQL connect</a:t>
-            </a:r>
-            <a:endParaRPr lang="en-US" dirty="0"/>
-          </a:p>
-        </p:txBody>
-      </p:sp>
-      <p:sp>
-        <p:nvSpPr>
-          <p:cNvPr id="3" name="Content Placeholder 2"/>
-          <p:cNvSpPr>
-            <a:spLocks noGrp="1"/>
-          </p:cNvSpPr>
-          <p:nvPr>
-            <p:ph idx="1"/>
-          </p:nvPr>
-        </p:nvSpPr>
-        <p:spPr/>
-        <p:txBody>
-          <a:bodyPr/>
-          <a:lstStyle/>
-          <a:p>
-            <a:pPr marL="457200" indent="-457200"/>
-            <a:r>
-              <a:rPr lang="en-US" sz="3000" dirty="0"/>
-              <a:t>Before you can do anything with MySQL in PHP you must first establish a connection to your web host's MySQL database. This is done with the MySQL connect function.</a:t>
-            </a:r>
-            <a:endParaRPr lang="en-US" sz="3000" dirty="0" smtClean="0"/>
-          </a:p>
-        </p:txBody>
-      </p:sp>
-      <p:sp>
-        <p:nvSpPr>
-          <p:cNvPr id="4" name="TextBox 3"/>
-          <p:cNvSpPr txBox="1"/>
-          <p:nvPr/>
-        </p:nvSpPr>
-        <p:spPr>
-          <a:xfrm>
-            <a:off x="5023556" y="1933222"/>
-            <a:ext cx="184666" cy="369332"/>
-          </a:xfrm>
-          <a:prstGeom prst="rect">
-            <a:avLst/>
-          </a:prstGeom>
-          <a:noFill/>
-        </p:spPr>
-        <p:txBody>
-          <a:bodyPr wrap="none" rtlCol="0">
-            <a:spAutoFit/>
-          </a:bodyPr>
-          <a:lstStyle/>
-          <a:p>
-            <a:endParaRPr lang="en-US" dirty="0"/>
-          </a:p>
-        </p:txBody>
-      </p:sp>
-    </p:spTree>
-    <p:extLst>
-      <p:ext uri="{BB962C8B-B14F-4D97-AF65-F5344CB8AC3E}">
-        <p14:creationId xmlns:p14="http://schemas.microsoft.com/office/powerpoint/2010/main" val="40433307"/>
-      </p:ext>
-    </p:extLst>
-  </p:cSld>
-  <p:clrMapOvr>
-    <a:masterClrMapping/>
-  </p:clrMapOvr>
-</p:sld>
-</file>
-
-<file path=ppt/slides/slide37.xml><?xml version="1.0" encoding="utf-8"?>
-<p:sld xmlns:a="http://schemas.openxmlformats.org/drawingml/2006/main" xmlns:r="http://schemas.openxmlformats.org/officeDocument/2006/relationships" xmlns:p="http://schemas.openxmlformats.org/presentationml/2006/main">
-  <p:cSld>
-    <p:spTree>
-      <p:nvGrpSpPr>
-        <p:cNvPr id="1" name=""/>
-        <p:cNvGrpSpPr/>
-        <p:nvPr/>
-      </p:nvGrpSpPr>
-      <p:grpSpPr>
-        <a:xfrm>
-          <a:off x="0" y="0"/>
-          <a:ext cx="0" cy="0"/>
-          <a:chOff x="0" y="0"/>
-          <a:chExt cx="0" cy="0"/>
-        </a:xfrm>
-      </p:grpSpPr>
-      <p:sp>
-        <p:nvSpPr>
-          <p:cNvPr id="2" name="Title 1"/>
-          <p:cNvSpPr>
-            <a:spLocks noGrp="1"/>
-          </p:cNvSpPr>
-          <p:nvPr>
-            <p:ph type="title"/>
-          </p:nvPr>
-        </p:nvSpPr>
-        <p:spPr>
-          <a:xfrm>
-            <a:off x="457200" y="62973"/>
-            <a:ext cx="8229600" cy="1143000"/>
-          </a:xfrm>
-        </p:spPr>
-        <p:txBody>
-          <a:bodyPr/>
-          <a:lstStyle/>
-          <a:p>
-            <a:r>
-              <a:rPr lang="en-US" dirty="0" smtClean="0"/>
               <a:t>Example</a:t>
             </a:r>
             <a:endParaRPr lang="en-US" dirty="0"/>
@@ -14707,8 +14595,13 @@
                   </a:innerShdw>
                 </a:effectLst>
               </a:rPr>
-              <a:t>&lt;?</a:t>
-            </a:r>
+              <a:t>&lt;?php</a:t>
+            </a:r>
+          </a:p>
+          <a:p>
+            <a:pPr marL="0" indent="0">
+              <a:buNone/>
+            </a:pPr>
             <a:r>
               <a:rPr lang="en-US" sz="2600" b="1" dirty="0" err="1">
                 <a:ln w="1905"/>
@@ -14744,49 +14637,10 @@
                   </a:innerShdw>
                 </a:effectLst>
               </a:rPr>
-              <a:t>php</a:t>
-            </a:r>
-            <a:endParaRPr lang="en-US" sz="2600" b="1" dirty="0">
-              <a:ln w="1905"/>
-              <a:gradFill>
-                <a:gsLst>
-                  <a:gs pos="0">
-                    <a:schemeClr val="accent6">
-                      <a:shade val="20000"/>
-                      <a:satMod val="200000"/>
-                    </a:schemeClr>
-                  </a:gs>
-                  <a:gs pos="78000">
-                    <a:schemeClr val="accent6">
-                      <a:tint val="90000"/>
-                      <a:shade val="89000"/>
-                      <a:satMod val="220000"/>
-                    </a:schemeClr>
-                  </a:gs>
-                  <a:gs pos="100000">
-                    <a:schemeClr val="accent6">
-                      <a:tint val="12000"/>
-                      <a:satMod val="255000"/>
-                    </a:schemeClr>
-                  </a:gs>
-                </a:gsLst>
-                <a:lin ang="5400000"/>
-              </a:gradFill>
-              <a:effectLst>
-                <a:innerShdw blurRad="69850" dist="43180" dir="5400000">
-                  <a:srgbClr val="000000">
-                    <a:alpha val="65000"/>
-                  </a:srgbClr>
-                </a:innerShdw>
-              </a:effectLst>
-            </a:endParaRPr>
-          </a:p>
-          <a:p>
-            <a:pPr marL="0" indent="0">
-              <a:buNone/>
-            </a:pPr>
-            <a:r>
-              <a:rPr lang="en-US" sz="2600" b="1" dirty="0" err="1">
+              <a:t>mysql_connect</a:t>
+            </a:r>
+            <a:r>
+              <a:rPr lang="en-US" sz="2600" b="1" dirty="0">
                 <a:ln w="1905"/>
                 <a:gradFill>
                   <a:gsLst>
@@ -14820,10 +14674,10 @@
                   </a:innerShdw>
                 </a:effectLst>
               </a:rPr>
-              <a:t>mysql_connect</a:t>
-            </a:r>
-            <a:r>
-              <a:rPr lang="en-US" sz="2600" b="1" dirty="0">
+              <a:t>('server', </a:t>
+            </a:r>
+            <a:r>
+              <a:rPr lang="en-US" sz="2600" b="1" dirty="0" smtClean="0">
                 <a:ln w="1905"/>
                 <a:gradFill>
                   <a:gsLst>
@@ -14857,10 +14711,10 @@
                   </a:innerShdw>
                 </a:effectLst>
               </a:rPr>
-              <a:t>(“server', “database', “password') or die(</a:t>
-            </a:r>
-            <a:r>
-              <a:rPr lang="en-US" sz="2600" b="1" dirty="0" err="1">
+              <a:t>’username'</a:t>
+            </a:r>
+            <a:r>
+              <a:rPr lang="en-US" sz="2600" b="1" dirty="0">
                 <a:ln w="1905"/>
                 <a:gradFill>
                   <a:gsLst>
@@ -14894,10 +14748,10 @@
                   </a:innerShdw>
                 </a:effectLst>
               </a:rPr>
-              <a:t>mysql_error</a:t>
-            </a:r>
-            <a:r>
-              <a:rPr lang="en-US" sz="2600" b="1" dirty="0">
+              <a:t>, 'password') or die(</a:t>
+            </a:r>
+            <a:r>
+              <a:rPr lang="en-US" sz="2600" b="1" dirty="0" err="1">
                 <a:ln w="1905"/>
                 <a:gradFill>
                   <a:gsLst>
@@ -14931,13 +14785,8 @@
                   </a:innerShdw>
                 </a:effectLst>
               </a:rPr>
-              <a:t>()); </a:t>
-            </a:r>
-          </a:p>
-          <a:p>
-            <a:pPr marL="0" indent="0">
-              <a:buNone/>
-            </a:pPr>
+              <a:t>mysql_error</a:t>
+            </a:r>
             <a:r>
               <a:rPr lang="en-US" sz="2600" b="1" dirty="0">
                 <a:ln w="1905"/>
@@ -14973,10 +14822,15 @@
                   </a:innerShdw>
                 </a:effectLst>
               </a:rPr>
-              <a:t>echo 'Connected to </a:t>
-            </a:r>
-            <a:r>
-              <a:rPr lang="en-US" sz="2600" b="1" dirty="0" err="1">
+              <a:t>());</a:t>
+            </a:r>
+          </a:p>
+          <a:p>
+            <a:pPr marL="0" indent="0">
+              <a:buNone/>
+            </a:pPr>
+            <a:r>
+              <a:rPr lang="en-US" sz="2600" b="1" dirty="0">
                 <a:ln w="1905"/>
                 <a:gradFill>
                   <a:gsLst>
@@ -15010,10 +14864,10 @@
                   </a:innerShdw>
                 </a:effectLst>
               </a:rPr>
-              <a:t>MySQL&amp;lt;br</a:t>
-            </a:r>
-            <a:r>
-              <a:rPr lang="en-US" sz="2600" b="1" dirty="0">
+              <a:t>echo 'Connected to MySQL &lt;</a:t>
+            </a:r>
+            <a:r>
+              <a:rPr lang="en-US" sz="2600" b="1" dirty="0" err="1">
                 <a:ln w="1905"/>
                 <a:gradFill>
                   <a:gsLst>
@@ -15047,10 +14901,10 @@
                   </a:innerShdw>
                 </a:effectLst>
               </a:rPr>
-              <a:t>/&amp;</a:t>
-            </a:r>
-            <a:r>
-              <a:rPr lang="en-US" sz="2600" b="1" dirty="0" err="1">
+              <a:t>br</a:t>
+            </a:r>
+            <a:r>
+              <a:rPr lang="en-US" sz="2600" b="1" dirty="0">
                 <a:ln w="1905"/>
                 <a:gradFill>
                   <a:gsLst>
@@ -15084,10 +14938,15 @@
                   </a:innerShdw>
                 </a:effectLst>
               </a:rPr>
-              <a:t>gt</a:t>
-            </a:r>
-            <a:r>
-              <a:rPr lang="en-US" sz="2600" b="1" dirty="0">
+              <a:t> /&gt;';</a:t>
+            </a:r>
+          </a:p>
+          <a:p>
+            <a:pPr marL="0" indent="0">
+              <a:buNone/>
+            </a:pPr>
+            <a:r>
+              <a:rPr lang="en-US" sz="2600" b="1" dirty="0" err="1">
                 <a:ln w="1905"/>
                 <a:gradFill>
                   <a:gsLst>
@@ -15121,15 +14980,10 @@
                   </a:innerShdw>
                 </a:effectLst>
               </a:rPr>
-              <a:t>;';</a:t>
-            </a:r>
-          </a:p>
-          <a:p>
-            <a:pPr marL="0" indent="0">
-              <a:buNone/>
-            </a:pPr>
-            <a:r>
-              <a:rPr lang="en-US" sz="2600" b="1" dirty="0" err="1">
+              <a:t>mysql_select_db</a:t>
+            </a:r>
+            <a:r>
+              <a:rPr lang="en-US" sz="2600" b="1" dirty="0">
                 <a:ln w="1905"/>
                 <a:gradFill>
                   <a:gsLst>
@@ -15163,10 +15017,10 @@
                   </a:innerShdw>
                 </a:effectLst>
               </a:rPr>
-              <a:t>mysql_select_db</a:t>
-            </a:r>
-            <a:r>
-              <a:rPr lang="en-US" sz="2600" b="1" dirty="0">
+              <a:t>('test') or die(</a:t>
+            </a:r>
+            <a:r>
+              <a:rPr lang="en-US" sz="2600" b="1" dirty="0" err="1">
                 <a:ln w="1905"/>
                 <a:gradFill>
                   <a:gsLst>
@@ -15200,10 +15054,10 @@
                   </a:innerShdw>
                 </a:effectLst>
               </a:rPr>
-              <a:t>('test') or die(</a:t>
-            </a:r>
-            <a:r>
-              <a:rPr lang="en-US" sz="2600" b="1" dirty="0" err="1">
+              <a:t>mysql_error</a:t>
+            </a:r>
+            <a:r>
+              <a:rPr lang="en-US" sz="2600" b="1" dirty="0">
                 <a:ln w="1905"/>
                 <a:gradFill>
                   <a:gsLst>
@@ -15237,8 +15091,13 @@
                   </a:innerShdw>
                 </a:effectLst>
               </a:rPr>
-              <a:t>mysql_error</a:t>
-            </a:r>
+              <a:t>());</a:t>
+            </a:r>
+          </a:p>
+          <a:p>
+            <a:pPr marL="0" indent="0">
+              <a:buNone/>
+            </a:pPr>
             <a:r>
               <a:rPr lang="en-US" sz="2600" b="1" dirty="0">
                 <a:ln w="1905"/>
@@ -15274,7 +15133,7 @@
                   </a:innerShdw>
                 </a:effectLst>
               </a:rPr>
-              <a:t>()); </a:t>
+              <a:t>echo 'Connected to Database';</a:t>
             </a:r>
           </a:p>
           <a:p>
@@ -15316,133 +15175,7 @@
                   </a:innerShdw>
                 </a:effectLst>
               </a:rPr>
-              <a:t>echo 'Connected to Database';</a:t>
-            </a:r>
-          </a:p>
-          <a:p>
-            <a:pPr marL="0" indent="0">
-              <a:buNone/>
-            </a:pPr>
-            <a:r>
-              <a:rPr lang="en-US" sz="2600" b="1" dirty="0">
-                <a:ln w="1905"/>
-                <a:gradFill>
-                  <a:gsLst>
-                    <a:gs pos="0">
-                      <a:schemeClr val="accent6">
-                        <a:shade val="20000"/>
-                        <a:satMod val="200000"/>
-                      </a:schemeClr>
-                    </a:gs>
-                    <a:gs pos="78000">
-                      <a:schemeClr val="accent6">
-                        <a:tint val="90000"/>
-                        <a:shade val="89000"/>
-                        <a:satMod val="220000"/>
-                      </a:schemeClr>
-                    </a:gs>
-                    <a:gs pos="100000">
-                      <a:schemeClr val="accent6">
-                        <a:tint val="12000"/>
-                        <a:satMod val="255000"/>
-                      </a:schemeClr>
-                    </a:gs>
-                  </a:gsLst>
-                  <a:lin ang="5400000"/>
-                </a:gradFill>
-                <a:effectLst>
-                  <a:innerShdw blurRad="69850" dist="43180" dir="5400000">
-                    <a:srgbClr val="000000">
-                      <a:alpha val="65000"/>
-                    </a:srgbClr>
-                  </a:innerShdw>
-                </a:effectLst>
-              </a:rPr>
               <a:t>?&gt;</a:t>
-            </a:r>
-          </a:p>
-          <a:p>
-            <a:pPr marL="0" indent="0">
-              <a:buNone/>
-            </a:pPr>
-            <a:r>
-              <a:rPr lang="en-US" sz="2600" b="1" dirty="0">
-                <a:ln w="1905"/>
-                <a:gradFill>
-                  <a:gsLst>
-                    <a:gs pos="0">
-                      <a:schemeClr val="accent6">
-                        <a:shade val="20000"/>
-                        <a:satMod val="200000"/>
-                      </a:schemeClr>
-                    </a:gs>
-                    <a:gs pos="78000">
-                      <a:schemeClr val="accent6">
-                        <a:tint val="90000"/>
-                        <a:shade val="89000"/>
-                        <a:satMod val="220000"/>
-                      </a:schemeClr>
-                    </a:gs>
-                    <a:gs pos="100000">
-                      <a:schemeClr val="accent6">
-                        <a:tint val="12000"/>
-                        <a:satMod val="255000"/>
-                      </a:schemeClr>
-                    </a:gs>
-                  </a:gsLst>
-                  <a:lin ang="5400000"/>
-                </a:gradFill>
-                <a:effectLst>
-                  <a:innerShdw blurRad="69850" dist="43180" dir="5400000">
-                    <a:srgbClr val="000000">
-                      <a:alpha val="65000"/>
-                    </a:srgbClr>
-                  </a:innerShdw>
-                </a:effectLst>
-              </a:rPr>
-              <a:t>//Connected to MySQL</a:t>
-            </a:r>
-          </a:p>
-          <a:p>
-            <a:pPr marL="0" indent="0">
-              <a:buNone/>
-            </a:pPr>
-            <a:r>
-              <a:rPr lang="en-US" sz="2600" b="1" dirty="0">
-                <a:ln w="1905"/>
-                <a:gradFill>
-                  <a:gsLst>
-                    <a:gs pos="0">
-                      <a:schemeClr val="accent6">
-                        <a:shade val="20000"/>
-                        <a:satMod val="200000"/>
-                      </a:schemeClr>
-                    </a:gs>
-                    <a:gs pos="78000">
-                      <a:schemeClr val="accent6">
-                        <a:tint val="90000"/>
-                        <a:shade val="89000"/>
-                        <a:satMod val="220000"/>
-                      </a:schemeClr>
-                    </a:gs>
-                    <a:gs pos="100000">
-                      <a:schemeClr val="accent6">
-                        <a:tint val="12000"/>
-                        <a:satMod val="255000"/>
-                      </a:schemeClr>
-                    </a:gs>
-                  </a:gsLst>
-                  <a:lin ang="5400000"/>
-                </a:gradFill>
-                <a:effectLst>
-                  <a:innerShdw blurRad="69850" dist="43180" dir="5400000">
-                    <a:srgbClr val="000000">
-                      <a:alpha val="65000"/>
-                    </a:srgbClr>
-                  </a:innerShdw>
-                </a:effectLst>
-              </a:rPr>
-              <a:t>// Connected to Database</a:t>
             </a:r>
             <a:endParaRPr lang="en-US" sz="2600" b="1" dirty="0" smtClean="0">
               <a:ln w="1905"/>
@@ -15520,7 +15253,7 @@
 </p:sld>
 </file>
 
-<file path=ppt/slides/slide38.xml><?xml version="1.0" encoding="utf-8"?>
+<file path=ppt/slides/slide37.xml><?xml version="1.0" encoding="utf-8"?>
 <p:sld xmlns:a="http://schemas.openxmlformats.org/drawingml/2006/main" xmlns:r="http://schemas.openxmlformats.org/officeDocument/2006/relationships" xmlns:p="http://schemas.openxmlformats.org/presentationml/2006/main">
   <p:cSld>
     <p:spTree>
@@ -15663,7 +15396,7 @@
 </p:sld>
 </file>
 
-<file path=ppt/slides/slide39.xml><?xml version="1.0" encoding="utf-8"?>
+<file path=ppt/slides/slide38.xml><?xml version="1.0" encoding="utf-8"?>
 <p:sld xmlns:a="http://schemas.openxmlformats.org/drawingml/2006/main" xmlns:r="http://schemas.openxmlformats.org/officeDocument/2006/relationships" xmlns:p="http://schemas.openxmlformats.org/presentationml/2006/main">
   <p:cSld>
     <p:spTree>
@@ -15797,6 +15530,1203 @@
     <p:extLst>
       <p:ext uri="{BB962C8B-B14F-4D97-AF65-F5344CB8AC3E}">
         <p14:creationId xmlns:p14="http://schemas.microsoft.com/office/powerpoint/2010/main" val="2847264726"/>
+      </p:ext>
+    </p:extLst>
+  </p:cSld>
+  <p:clrMapOvr>
+    <a:masterClrMapping/>
+  </p:clrMapOvr>
+</p:sld>
+</file>
+
+<file path=ppt/slides/slide39.xml><?xml version="1.0" encoding="utf-8"?>
+<p:sld xmlns:a="http://schemas.openxmlformats.org/drawingml/2006/main" xmlns:r="http://schemas.openxmlformats.org/officeDocument/2006/relationships" xmlns:p="http://schemas.openxmlformats.org/presentationml/2006/main">
+  <p:cSld>
+    <p:spTree>
+      <p:nvGrpSpPr>
+        <p:cNvPr id="1" name=""/>
+        <p:cNvGrpSpPr/>
+        <p:nvPr/>
+      </p:nvGrpSpPr>
+      <p:grpSpPr>
+        <a:xfrm>
+          <a:off x="0" y="0"/>
+          <a:ext cx="0" cy="0"/>
+          <a:chOff x="0" y="0"/>
+          <a:chExt cx="0" cy="0"/>
+        </a:xfrm>
+      </p:grpSpPr>
+      <p:sp>
+        <p:nvSpPr>
+          <p:cNvPr id="2" name="Title 1"/>
+          <p:cNvSpPr>
+            <a:spLocks noGrp="1"/>
+          </p:cNvSpPr>
+          <p:nvPr>
+            <p:ph type="title"/>
+          </p:nvPr>
+        </p:nvSpPr>
+        <p:spPr>
+          <a:xfrm>
+            <a:off x="457200" y="62973"/>
+            <a:ext cx="8229600" cy="1143000"/>
+          </a:xfrm>
+        </p:spPr>
+        <p:txBody>
+          <a:bodyPr/>
+          <a:lstStyle/>
+          <a:p>
+            <a:r>
+              <a:rPr lang="en-US" dirty="0" smtClean="0"/>
+              <a:t>Example</a:t>
+            </a:r>
+            <a:endParaRPr lang="en-US" dirty="0"/>
+          </a:p>
+        </p:txBody>
+      </p:sp>
+      <p:sp>
+        <p:nvSpPr>
+          <p:cNvPr id="3" name="Content Placeholder 2"/>
+          <p:cNvSpPr>
+            <a:spLocks noGrp="1"/>
+          </p:cNvSpPr>
+          <p:nvPr>
+            <p:ph idx="1"/>
+          </p:nvPr>
+        </p:nvSpPr>
+        <p:spPr/>
+        <p:txBody>
+          <a:bodyPr/>
+          <a:lstStyle/>
+          <a:p>
+            <a:pPr marL="0" indent="0">
+              <a:lnSpc>
+                <a:spcPct val="90000"/>
+              </a:lnSpc>
+              <a:buNone/>
+            </a:pPr>
+            <a:r>
+              <a:rPr lang="en-US" sz="2000" b="1" dirty="0">
+                <a:ln w="1905"/>
+                <a:gradFill>
+                  <a:gsLst>
+                    <a:gs pos="0">
+                      <a:schemeClr val="accent6">
+                        <a:shade val="20000"/>
+                        <a:satMod val="200000"/>
+                      </a:schemeClr>
+                    </a:gs>
+                    <a:gs pos="78000">
+                      <a:schemeClr val="accent6">
+                        <a:tint val="90000"/>
+                        <a:shade val="89000"/>
+                        <a:satMod val="220000"/>
+                      </a:schemeClr>
+                    </a:gs>
+                    <a:gs pos="100000">
+                      <a:schemeClr val="accent6">
+                        <a:tint val="12000"/>
+                        <a:satMod val="255000"/>
+                      </a:schemeClr>
+                    </a:gs>
+                  </a:gsLst>
+                  <a:lin ang="5400000"/>
+                </a:gradFill>
+                <a:effectLst>
+                  <a:innerShdw blurRad="69850" dist="43180" dir="5400000">
+                    <a:srgbClr val="000000">
+                      <a:alpha val="65000"/>
+                    </a:srgbClr>
+                  </a:innerShdw>
+                </a:effectLst>
+              </a:rPr>
+              <a:t>&lt;?</a:t>
+            </a:r>
+            <a:r>
+              <a:rPr lang="en-US" sz="2000" b="1" dirty="0" err="1">
+                <a:ln w="1905"/>
+                <a:gradFill>
+                  <a:gsLst>
+                    <a:gs pos="0">
+                      <a:schemeClr val="accent6">
+                        <a:shade val="20000"/>
+                        <a:satMod val="200000"/>
+                      </a:schemeClr>
+                    </a:gs>
+                    <a:gs pos="78000">
+                      <a:schemeClr val="accent6">
+                        <a:tint val="90000"/>
+                        <a:shade val="89000"/>
+                        <a:satMod val="220000"/>
+                      </a:schemeClr>
+                    </a:gs>
+                    <a:gs pos="100000">
+                      <a:schemeClr val="accent6">
+                        <a:tint val="12000"/>
+                        <a:satMod val="255000"/>
+                      </a:schemeClr>
+                    </a:gs>
+                  </a:gsLst>
+                  <a:lin ang="5400000"/>
+                </a:gradFill>
+                <a:effectLst>
+                  <a:innerShdw blurRad="69850" dist="43180" dir="5400000">
+                    <a:srgbClr val="000000">
+                      <a:alpha val="65000"/>
+                    </a:srgbClr>
+                  </a:innerShdw>
+                </a:effectLst>
+              </a:rPr>
+              <a:t>php</a:t>
+            </a:r>
+            <a:endParaRPr lang="en-US" sz="2000" b="1" dirty="0">
+              <a:ln w="1905"/>
+              <a:gradFill>
+                <a:gsLst>
+                  <a:gs pos="0">
+                    <a:schemeClr val="accent6">
+                      <a:shade val="20000"/>
+                      <a:satMod val="200000"/>
+                    </a:schemeClr>
+                  </a:gs>
+                  <a:gs pos="78000">
+                    <a:schemeClr val="accent6">
+                      <a:tint val="90000"/>
+                      <a:shade val="89000"/>
+                      <a:satMod val="220000"/>
+                    </a:schemeClr>
+                  </a:gs>
+                  <a:gs pos="100000">
+                    <a:schemeClr val="accent6">
+                      <a:tint val="12000"/>
+                      <a:satMod val="255000"/>
+                    </a:schemeClr>
+                  </a:gs>
+                </a:gsLst>
+                <a:lin ang="5400000"/>
+              </a:gradFill>
+              <a:effectLst>
+                <a:innerShdw blurRad="69850" dist="43180" dir="5400000">
+                  <a:srgbClr val="000000">
+                    <a:alpha val="65000"/>
+                  </a:srgbClr>
+                </a:innerShdw>
+              </a:effectLst>
+            </a:endParaRPr>
+          </a:p>
+          <a:p>
+            <a:pPr marL="0" indent="0">
+              <a:lnSpc>
+                <a:spcPct val="90000"/>
+              </a:lnSpc>
+              <a:buNone/>
+            </a:pPr>
+            <a:r>
+              <a:rPr lang="en-US" sz="2000" b="1" dirty="0">
+                <a:ln w="1905"/>
+                <a:gradFill>
+                  <a:gsLst>
+                    <a:gs pos="0">
+                      <a:schemeClr val="accent6">
+                        <a:shade val="20000"/>
+                        <a:satMod val="200000"/>
+                      </a:schemeClr>
+                    </a:gs>
+                    <a:gs pos="78000">
+                      <a:schemeClr val="accent6">
+                        <a:tint val="90000"/>
+                        <a:shade val="89000"/>
+                        <a:satMod val="220000"/>
+                      </a:schemeClr>
+                    </a:gs>
+                    <a:gs pos="100000">
+                      <a:schemeClr val="accent6">
+                        <a:tint val="12000"/>
+                        <a:satMod val="255000"/>
+                      </a:schemeClr>
+                    </a:gs>
+                  </a:gsLst>
+                  <a:lin ang="5400000"/>
+                </a:gradFill>
+                <a:effectLst>
+                  <a:innerShdw blurRad="69850" dist="43180" dir="5400000">
+                    <a:srgbClr val="000000">
+                      <a:alpha val="65000"/>
+                    </a:srgbClr>
+                  </a:innerShdw>
+                </a:effectLst>
+              </a:rPr>
+              <a:t>// Make a MySQL Connection</a:t>
+            </a:r>
+          </a:p>
+          <a:p>
+            <a:pPr marL="0" indent="0">
+              <a:lnSpc>
+                <a:spcPct val="90000"/>
+              </a:lnSpc>
+              <a:buNone/>
+            </a:pPr>
+            <a:r>
+              <a:rPr lang="en-US" sz="2000" b="1" dirty="0" err="1">
+                <a:ln w="1905"/>
+                <a:gradFill>
+                  <a:gsLst>
+                    <a:gs pos="0">
+                      <a:schemeClr val="accent6">
+                        <a:shade val="20000"/>
+                        <a:satMod val="200000"/>
+                      </a:schemeClr>
+                    </a:gs>
+                    <a:gs pos="78000">
+                      <a:schemeClr val="accent6">
+                        <a:tint val="90000"/>
+                        <a:shade val="89000"/>
+                        <a:satMod val="220000"/>
+                      </a:schemeClr>
+                    </a:gs>
+                    <a:gs pos="100000">
+                      <a:schemeClr val="accent6">
+                        <a:tint val="12000"/>
+                        <a:satMod val="255000"/>
+                      </a:schemeClr>
+                    </a:gs>
+                  </a:gsLst>
+                  <a:lin ang="5400000"/>
+                </a:gradFill>
+                <a:effectLst>
+                  <a:innerShdw blurRad="69850" dist="43180" dir="5400000">
+                    <a:srgbClr val="000000">
+                      <a:alpha val="65000"/>
+                    </a:srgbClr>
+                  </a:innerShdw>
+                </a:effectLst>
+              </a:rPr>
+              <a:t>mysql_connect</a:t>
+            </a:r>
+            <a:r>
+              <a:rPr lang="en-US" sz="2000" b="1" dirty="0">
+                <a:ln w="1905"/>
+                <a:gradFill>
+                  <a:gsLst>
+                    <a:gs pos="0">
+                      <a:schemeClr val="accent6">
+                        <a:shade val="20000"/>
+                        <a:satMod val="200000"/>
+                      </a:schemeClr>
+                    </a:gs>
+                    <a:gs pos="78000">
+                      <a:schemeClr val="accent6">
+                        <a:tint val="90000"/>
+                        <a:shade val="89000"/>
+                        <a:satMod val="220000"/>
+                      </a:schemeClr>
+                    </a:gs>
+                    <a:gs pos="100000">
+                      <a:schemeClr val="accent6">
+                        <a:tint val="12000"/>
+                        <a:satMod val="255000"/>
+                      </a:schemeClr>
+                    </a:gs>
+                  </a:gsLst>
+                  <a:lin ang="5400000"/>
+                </a:gradFill>
+                <a:effectLst>
+                  <a:innerShdw blurRad="69850" dist="43180" dir="5400000">
+                    <a:srgbClr val="000000">
+                      <a:alpha val="65000"/>
+                    </a:srgbClr>
+                  </a:innerShdw>
+                </a:effectLst>
+              </a:rPr>
+              <a:t>('server', </a:t>
+            </a:r>
+            <a:r>
+              <a:rPr lang="en-US" sz="2000" b="1" dirty="0" smtClean="0">
+                <a:ln w="1905"/>
+                <a:gradFill>
+                  <a:gsLst>
+                    <a:gs pos="0">
+                      <a:schemeClr val="accent6">
+                        <a:shade val="20000"/>
+                        <a:satMod val="200000"/>
+                      </a:schemeClr>
+                    </a:gs>
+                    <a:gs pos="78000">
+                      <a:schemeClr val="accent6">
+                        <a:tint val="90000"/>
+                        <a:shade val="89000"/>
+                        <a:satMod val="220000"/>
+                      </a:schemeClr>
+                    </a:gs>
+                    <a:gs pos="100000">
+                      <a:schemeClr val="accent6">
+                        <a:tint val="12000"/>
+                        <a:satMod val="255000"/>
+                      </a:schemeClr>
+                    </a:gs>
+                  </a:gsLst>
+                  <a:lin ang="5400000"/>
+                </a:gradFill>
+                <a:effectLst>
+                  <a:innerShdw blurRad="69850" dist="43180" dir="5400000">
+                    <a:srgbClr val="000000">
+                      <a:alpha val="65000"/>
+                    </a:srgbClr>
+                  </a:innerShdw>
+                </a:effectLst>
+              </a:rPr>
+              <a:t>'username'</a:t>
+            </a:r>
+            <a:r>
+              <a:rPr lang="en-US" sz="2000" b="1" dirty="0">
+                <a:ln w="1905"/>
+                <a:gradFill>
+                  <a:gsLst>
+                    <a:gs pos="0">
+                      <a:schemeClr val="accent6">
+                        <a:shade val="20000"/>
+                        <a:satMod val="200000"/>
+                      </a:schemeClr>
+                    </a:gs>
+                    <a:gs pos="78000">
+                      <a:schemeClr val="accent6">
+                        <a:tint val="90000"/>
+                        <a:shade val="89000"/>
+                        <a:satMod val="220000"/>
+                      </a:schemeClr>
+                    </a:gs>
+                    <a:gs pos="100000">
+                      <a:schemeClr val="accent6">
+                        <a:tint val="12000"/>
+                        <a:satMod val="255000"/>
+                      </a:schemeClr>
+                    </a:gs>
+                  </a:gsLst>
+                  <a:lin ang="5400000"/>
+                </a:gradFill>
+                <a:effectLst>
+                  <a:innerShdw blurRad="69850" dist="43180" dir="5400000">
+                    <a:srgbClr val="000000">
+                      <a:alpha val="65000"/>
+                    </a:srgbClr>
+                  </a:innerShdw>
+                </a:effectLst>
+              </a:rPr>
+              <a:t>, 'password') or die(</a:t>
+            </a:r>
+            <a:r>
+              <a:rPr lang="en-US" sz="2000" b="1" dirty="0" err="1">
+                <a:ln w="1905"/>
+                <a:gradFill>
+                  <a:gsLst>
+                    <a:gs pos="0">
+                      <a:schemeClr val="accent6">
+                        <a:shade val="20000"/>
+                        <a:satMod val="200000"/>
+                      </a:schemeClr>
+                    </a:gs>
+                    <a:gs pos="78000">
+                      <a:schemeClr val="accent6">
+                        <a:tint val="90000"/>
+                        <a:shade val="89000"/>
+                        <a:satMod val="220000"/>
+                      </a:schemeClr>
+                    </a:gs>
+                    <a:gs pos="100000">
+                      <a:schemeClr val="accent6">
+                        <a:tint val="12000"/>
+                        <a:satMod val="255000"/>
+                      </a:schemeClr>
+                    </a:gs>
+                  </a:gsLst>
+                  <a:lin ang="5400000"/>
+                </a:gradFill>
+                <a:effectLst>
+                  <a:innerShdw blurRad="69850" dist="43180" dir="5400000">
+                    <a:srgbClr val="000000">
+                      <a:alpha val="65000"/>
+                    </a:srgbClr>
+                  </a:innerShdw>
+                </a:effectLst>
+              </a:rPr>
+              <a:t>mysql_error</a:t>
+            </a:r>
+            <a:r>
+              <a:rPr lang="en-US" sz="2000" b="1" dirty="0">
+                <a:ln w="1905"/>
+                <a:gradFill>
+                  <a:gsLst>
+                    <a:gs pos="0">
+                      <a:schemeClr val="accent6">
+                        <a:shade val="20000"/>
+                        <a:satMod val="200000"/>
+                      </a:schemeClr>
+                    </a:gs>
+                    <a:gs pos="78000">
+                      <a:schemeClr val="accent6">
+                        <a:tint val="90000"/>
+                        <a:shade val="89000"/>
+                        <a:satMod val="220000"/>
+                      </a:schemeClr>
+                    </a:gs>
+                    <a:gs pos="100000">
+                      <a:schemeClr val="accent6">
+                        <a:tint val="12000"/>
+                        <a:satMod val="255000"/>
+                      </a:schemeClr>
+                    </a:gs>
+                  </a:gsLst>
+                  <a:lin ang="5400000"/>
+                </a:gradFill>
+                <a:effectLst>
+                  <a:innerShdw blurRad="69850" dist="43180" dir="5400000">
+                    <a:srgbClr val="000000">
+                      <a:alpha val="65000"/>
+                    </a:srgbClr>
+                  </a:innerShdw>
+                </a:effectLst>
+              </a:rPr>
+              <a:t>());</a:t>
+            </a:r>
+          </a:p>
+          <a:p>
+            <a:pPr marL="0" indent="0">
+              <a:lnSpc>
+                <a:spcPct val="90000"/>
+              </a:lnSpc>
+              <a:buNone/>
+            </a:pPr>
+            <a:r>
+              <a:rPr lang="en-US" sz="2000" b="1" dirty="0" err="1">
+                <a:ln w="1905"/>
+                <a:gradFill>
+                  <a:gsLst>
+                    <a:gs pos="0">
+                      <a:schemeClr val="accent6">
+                        <a:shade val="20000"/>
+                        <a:satMod val="200000"/>
+                      </a:schemeClr>
+                    </a:gs>
+                    <a:gs pos="78000">
+                      <a:schemeClr val="accent6">
+                        <a:tint val="90000"/>
+                        <a:shade val="89000"/>
+                        <a:satMod val="220000"/>
+                      </a:schemeClr>
+                    </a:gs>
+                    <a:gs pos="100000">
+                      <a:schemeClr val="accent6">
+                        <a:tint val="12000"/>
+                        <a:satMod val="255000"/>
+                      </a:schemeClr>
+                    </a:gs>
+                  </a:gsLst>
+                  <a:lin ang="5400000"/>
+                </a:gradFill>
+                <a:effectLst>
+                  <a:innerShdw blurRad="69850" dist="43180" dir="5400000">
+                    <a:srgbClr val="000000">
+                      <a:alpha val="65000"/>
+                    </a:srgbClr>
+                  </a:innerShdw>
+                </a:effectLst>
+              </a:rPr>
+              <a:t>mysql_select_db</a:t>
+            </a:r>
+            <a:r>
+              <a:rPr lang="en-US" sz="2000" b="1" dirty="0">
+                <a:ln w="1905"/>
+                <a:gradFill>
+                  <a:gsLst>
+                    <a:gs pos="0">
+                      <a:schemeClr val="accent6">
+                        <a:shade val="20000"/>
+                        <a:satMod val="200000"/>
+                      </a:schemeClr>
+                    </a:gs>
+                    <a:gs pos="78000">
+                      <a:schemeClr val="accent6">
+                        <a:tint val="90000"/>
+                        <a:shade val="89000"/>
+                        <a:satMod val="220000"/>
+                      </a:schemeClr>
+                    </a:gs>
+                    <a:gs pos="100000">
+                      <a:schemeClr val="accent6">
+                        <a:tint val="12000"/>
+                        <a:satMod val="255000"/>
+                      </a:schemeClr>
+                    </a:gs>
+                  </a:gsLst>
+                  <a:lin ang="5400000"/>
+                </a:gradFill>
+                <a:effectLst>
+                  <a:innerShdw blurRad="69850" dist="43180" dir="5400000">
+                    <a:srgbClr val="000000">
+                      <a:alpha val="65000"/>
+                    </a:srgbClr>
+                  </a:innerShdw>
+                </a:effectLst>
+              </a:rPr>
+              <a:t>('test') or die(</a:t>
+            </a:r>
+            <a:r>
+              <a:rPr lang="en-US" sz="2000" b="1" dirty="0" err="1">
+                <a:ln w="1905"/>
+                <a:gradFill>
+                  <a:gsLst>
+                    <a:gs pos="0">
+                      <a:schemeClr val="accent6">
+                        <a:shade val="20000"/>
+                        <a:satMod val="200000"/>
+                      </a:schemeClr>
+                    </a:gs>
+                    <a:gs pos="78000">
+                      <a:schemeClr val="accent6">
+                        <a:tint val="90000"/>
+                        <a:shade val="89000"/>
+                        <a:satMod val="220000"/>
+                      </a:schemeClr>
+                    </a:gs>
+                    <a:gs pos="100000">
+                      <a:schemeClr val="accent6">
+                        <a:tint val="12000"/>
+                        <a:satMod val="255000"/>
+                      </a:schemeClr>
+                    </a:gs>
+                  </a:gsLst>
+                  <a:lin ang="5400000"/>
+                </a:gradFill>
+                <a:effectLst>
+                  <a:innerShdw blurRad="69850" dist="43180" dir="5400000">
+                    <a:srgbClr val="000000">
+                      <a:alpha val="65000"/>
+                    </a:srgbClr>
+                  </a:innerShdw>
+                </a:effectLst>
+              </a:rPr>
+              <a:t>mysql_error</a:t>
+            </a:r>
+            <a:r>
+              <a:rPr lang="en-US" sz="2000" b="1" dirty="0">
+                <a:ln w="1905"/>
+                <a:gradFill>
+                  <a:gsLst>
+                    <a:gs pos="0">
+                      <a:schemeClr val="accent6">
+                        <a:shade val="20000"/>
+                        <a:satMod val="200000"/>
+                      </a:schemeClr>
+                    </a:gs>
+                    <a:gs pos="78000">
+                      <a:schemeClr val="accent6">
+                        <a:tint val="90000"/>
+                        <a:shade val="89000"/>
+                        <a:satMod val="220000"/>
+                      </a:schemeClr>
+                    </a:gs>
+                    <a:gs pos="100000">
+                      <a:schemeClr val="accent6">
+                        <a:tint val="12000"/>
+                        <a:satMod val="255000"/>
+                      </a:schemeClr>
+                    </a:gs>
+                  </a:gsLst>
+                  <a:lin ang="5400000"/>
+                </a:gradFill>
+                <a:effectLst>
+                  <a:innerShdw blurRad="69850" dist="43180" dir="5400000">
+                    <a:srgbClr val="000000">
+                      <a:alpha val="65000"/>
+                    </a:srgbClr>
+                  </a:innerShdw>
+                </a:effectLst>
+              </a:rPr>
+              <a:t>());</a:t>
+            </a:r>
+          </a:p>
+          <a:p>
+            <a:pPr marL="0" indent="0">
+              <a:lnSpc>
+                <a:spcPct val="90000"/>
+              </a:lnSpc>
+              <a:buNone/>
+            </a:pPr>
+            <a:r>
+              <a:rPr lang="en-US" sz="2000" b="1" dirty="0">
+                <a:ln w="1905"/>
+                <a:gradFill>
+                  <a:gsLst>
+                    <a:gs pos="0">
+                      <a:schemeClr val="accent6">
+                        <a:shade val="20000"/>
+                        <a:satMod val="200000"/>
+                      </a:schemeClr>
+                    </a:gs>
+                    <a:gs pos="78000">
+                      <a:schemeClr val="accent6">
+                        <a:tint val="90000"/>
+                        <a:shade val="89000"/>
+                        <a:satMod val="220000"/>
+                      </a:schemeClr>
+                    </a:gs>
+                    <a:gs pos="100000">
+                      <a:schemeClr val="accent6">
+                        <a:tint val="12000"/>
+                        <a:satMod val="255000"/>
+                      </a:schemeClr>
+                    </a:gs>
+                  </a:gsLst>
+                  <a:lin ang="5400000"/>
+                </a:gradFill>
+                <a:effectLst>
+                  <a:innerShdw blurRad="69850" dist="43180" dir="5400000">
+                    <a:srgbClr val="000000">
+                      <a:alpha val="65000"/>
+                    </a:srgbClr>
+                  </a:innerShdw>
+                </a:effectLst>
+              </a:rPr>
+              <a:t>// Create a MySQL table in the selected database</a:t>
+            </a:r>
+          </a:p>
+          <a:p>
+            <a:pPr marL="0" indent="0">
+              <a:lnSpc>
+                <a:spcPct val="90000"/>
+              </a:lnSpc>
+              <a:buNone/>
+            </a:pPr>
+            <a:r>
+              <a:rPr lang="en-US" sz="2000" b="1" dirty="0" err="1">
+                <a:ln w="1905"/>
+                <a:gradFill>
+                  <a:gsLst>
+                    <a:gs pos="0">
+                      <a:schemeClr val="accent6">
+                        <a:shade val="20000"/>
+                        <a:satMod val="200000"/>
+                      </a:schemeClr>
+                    </a:gs>
+                    <a:gs pos="78000">
+                      <a:schemeClr val="accent6">
+                        <a:tint val="90000"/>
+                        <a:shade val="89000"/>
+                        <a:satMod val="220000"/>
+                      </a:schemeClr>
+                    </a:gs>
+                    <a:gs pos="100000">
+                      <a:schemeClr val="accent6">
+                        <a:tint val="12000"/>
+                        <a:satMod val="255000"/>
+                      </a:schemeClr>
+                    </a:gs>
+                  </a:gsLst>
+                  <a:lin ang="5400000"/>
+                </a:gradFill>
+                <a:effectLst>
+                  <a:innerShdw blurRad="69850" dist="43180" dir="5400000">
+                    <a:srgbClr val="000000">
+                      <a:alpha val="65000"/>
+                    </a:srgbClr>
+                  </a:innerShdw>
+                </a:effectLst>
+              </a:rPr>
+              <a:t>mysql_query</a:t>
+            </a:r>
+            <a:r>
+              <a:rPr lang="en-US" sz="2000" b="1" dirty="0">
+                <a:ln w="1905"/>
+                <a:gradFill>
+                  <a:gsLst>
+                    <a:gs pos="0">
+                      <a:schemeClr val="accent6">
+                        <a:shade val="20000"/>
+                        <a:satMod val="200000"/>
+                      </a:schemeClr>
+                    </a:gs>
+                    <a:gs pos="78000">
+                      <a:schemeClr val="accent6">
+                        <a:tint val="90000"/>
+                        <a:shade val="89000"/>
+                        <a:satMod val="220000"/>
+                      </a:schemeClr>
+                    </a:gs>
+                    <a:gs pos="100000">
+                      <a:schemeClr val="accent6">
+                        <a:tint val="12000"/>
+                        <a:satMod val="255000"/>
+                      </a:schemeClr>
+                    </a:gs>
+                  </a:gsLst>
+                  <a:lin ang="5400000"/>
+                </a:gradFill>
+                <a:effectLst>
+                  <a:innerShdw blurRad="69850" dist="43180" dir="5400000">
+                    <a:srgbClr val="000000">
+                      <a:alpha val="65000"/>
+                    </a:srgbClr>
+                  </a:innerShdw>
+                </a:effectLst>
+              </a:rPr>
+              <a:t>('CREATE TABLE example(</a:t>
+            </a:r>
+          </a:p>
+          <a:p>
+            <a:pPr marL="0" indent="0">
+              <a:lnSpc>
+                <a:spcPct val="90000"/>
+              </a:lnSpc>
+              <a:buNone/>
+            </a:pPr>
+            <a:r>
+              <a:rPr lang="en-US" sz="2000" b="1" dirty="0">
+                <a:ln w="1905"/>
+                <a:gradFill>
+                  <a:gsLst>
+                    <a:gs pos="0">
+                      <a:schemeClr val="accent6">
+                        <a:shade val="20000"/>
+                        <a:satMod val="200000"/>
+                      </a:schemeClr>
+                    </a:gs>
+                    <a:gs pos="78000">
+                      <a:schemeClr val="accent6">
+                        <a:tint val="90000"/>
+                        <a:shade val="89000"/>
+                        <a:satMod val="220000"/>
+                      </a:schemeClr>
+                    </a:gs>
+                    <a:gs pos="100000">
+                      <a:schemeClr val="accent6">
+                        <a:tint val="12000"/>
+                        <a:satMod val="255000"/>
+                      </a:schemeClr>
+                    </a:gs>
+                  </a:gsLst>
+                  <a:lin ang="5400000"/>
+                </a:gradFill>
+                <a:effectLst>
+                  <a:innerShdw blurRad="69850" dist="43180" dir="5400000">
+                    <a:srgbClr val="000000">
+                      <a:alpha val="65000"/>
+                    </a:srgbClr>
+                  </a:innerShdw>
+                </a:effectLst>
+              </a:rPr>
+              <a:t>	id INT NOT NULL AUTO_INCREMENT, </a:t>
+            </a:r>
+          </a:p>
+          <a:p>
+            <a:pPr marL="0" indent="0">
+              <a:lnSpc>
+                <a:spcPct val="90000"/>
+              </a:lnSpc>
+              <a:buNone/>
+            </a:pPr>
+            <a:r>
+              <a:rPr lang="en-US" sz="2000" b="1" dirty="0">
+                <a:ln w="1905"/>
+                <a:gradFill>
+                  <a:gsLst>
+                    <a:gs pos="0">
+                      <a:schemeClr val="accent6">
+                        <a:shade val="20000"/>
+                        <a:satMod val="200000"/>
+                      </a:schemeClr>
+                    </a:gs>
+                    <a:gs pos="78000">
+                      <a:schemeClr val="accent6">
+                        <a:tint val="90000"/>
+                        <a:shade val="89000"/>
+                        <a:satMod val="220000"/>
+                      </a:schemeClr>
+                    </a:gs>
+                    <a:gs pos="100000">
+                      <a:schemeClr val="accent6">
+                        <a:tint val="12000"/>
+                        <a:satMod val="255000"/>
+                      </a:schemeClr>
+                    </a:gs>
+                  </a:gsLst>
+                  <a:lin ang="5400000"/>
+                </a:gradFill>
+                <a:effectLst>
+                  <a:innerShdw blurRad="69850" dist="43180" dir="5400000">
+                    <a:srgbClr val="000000">
+                      <a:alpha val="65000"/>
+                    </a:srgbClr>
+                  </a:innerShdw>
+                </a:effectLst>
+              </a:rPr>
+              <a:t>	PRIMARY KEY(id),</a:t>
+            </a:r>
+          </a:p>
+          <a:p>
+            <a:pPr marL="0" indent="0">
+              <a:lnSpc>
+                <a:spcPct val="90000"/>
+              </a:lnSpc>
+              <a:buNone/>
+            </a:pPr>
+            <a:r>
+              <a:rPr lang="en-US" sz="2000" b="1" dirty="0">
+                <a:ln w="1905"/>
+                <a:gradFill>
+                  <a:gsLst>
+                    <a:gs pos="0">
+                      <a:schemeClr val="accent6">
+                        <a:shade val="20000"/>
+                        <a:satMod val="200000"/>
+                      </a:schemeClr>
+                    </a:gs>
+                    <a:gs pos="78000">
+                      <a:schemeClr val="accent6">
+                        <a:tint val="90000"/>
+                        <a:shade val="89000"/>
+                        <a:satMod val="220000"/>
+                      </a:schemeClr>
+                    </a:gs>
+                    <a:gs pos="100000">
+                      <a:schemeClr val="accent6">
+                        <a:tint val="12000"/>
+                        <a:satMod val="255000"/>
+                      </a:schemeClr>
+                    </a:gs>
+                  </a:gsLst>
+                  <a:lin ang="5400000"/>
+                </a:gradFill>
+                <a:effectLst>
+                  <a:innerShdw blurRad="69850" dist="43180" dir="5400000">
+                    <a:srgbClr val="000000">
+                      <a:alpha val="65000"/>
+                    </a:srgbClr>
+                  </a:innerShdw>
+                </a:effectLst>
+              </a:rPr>
+              <a:t>	name VARCHAR(30), </a:t>
+            </a:r>
+          </a:p>
+          <a:p>
+            <a:pPr marL="0" indent="0">
+              <a:lnSpc>
+                <a:spcPct val="90000"/>
+              </a:lnSpc>
+              <a:buNone/>
+            </a:pPr>
+            <a:r>
+              <a:rPr lang="en-US" sz="2000" b="1" dirty="0">
+                <a:ln w="1905"/>
+                <a:gradFill>
+                  <a:gsLst>
+                    <a:gs pos="0">
+                      <a:schemeClr val="accent6">
+                        <a:shade val="20000"/>
+                        <a:satMod val="200000"/>
+                      </a:schemeClr>
+                    </a:gs>
+                    <a:gs pos="78000">
+                      <a:schemeClr val="accent6">
+                        <a:tint val="90000"/>
+                        <a:shade val="89000"/>
+                        <a:satMod val="220000"/>
+                      </a:schemeClr>
+                    </a:gs>
+                    <a:gs pos="100000">
+                      <a:schemeClr val="accent6">
+                        <a:tint val="12000"/>
+                        <a:satMod val="255000"/>
+                      </a:schemeClr>
+                    </a:gs>
+                  </a:gsLst>
+                  <a:lin ang="5400000"/>
+                </a:gradFill>
+                <a:effectLst>
+                  <a:innerShdw blurRad="69850" dist="43180" dir="5400000">
+                    <a:srgbClr val="000000">
+                      <a:alpha val="65000"/>
+                    </a:srgbClr>
+                  </a:innerShdw>
+                </a:effectLst>
+              </a:rPr>
+              <a:t>	age INT)'</a:t>
+            </a:r>
+          </a:p>
+          <a:p>
+            <a:pPr marL="0" indent="0">
+              <a:lnSpc>
+                <a:spcPct val="90000"/>
+              </a:lnSpc>
+              <a:buNone/>
+            </a:pPr>
+            <a:r>
+              <a:rPr lang="en-US" sz="2000" b="1" dirty="0">
+                <a:ln w="1905"/>
+                <a:gradFill>
+                  <a:gsLst>
+                    <a:gs pos="0">
+                      <a:schemeClr val="accent6">
+                        <a:shade val="20000"/>
+                        <a:satMod val="200000"/>
+                      </a:schemeClr>
+                    </a:gs>
+                    <a:gs pos="78000">
+                      <a:schemeClr val="accent6">
+                        <a:tint val="90000"/>
+                        <a:shade val="89000"/>
+                        <a:satMod val="220000"/>
+                      </a:schemeClr>
+                    </a:gs>
+                    <a:gs pos="100000">
+                      <a:schemeClr val="accent6">
+                        <a:tint val="12000"/>
+                        <a:satMod val="255000"/>
+                      </a:schemeClr>
+                    </a:gs>
+                  </a:gsLst>
+                  <a:lin ang="5400000"/>
+                </a:gradFill>
+                <a:effectLst>
+                  <a:innerShdw blurRad="69850" dist="43180" dir="5400000">
+                    <a:srgbClr val="000000">
+                      <a:alpha val="65000"/>
+                    </a:srgbClr>
+                  </a:innerShdw>
+                </a:effectLst>
+              </a:rPr>
+              <a:t>) or die(</a:t>
+            </a:r>
+            <a:r>
+              <a:rPr lang="en-US" sz="2000" b="1" dirty="0" err="1">
+                <a:ln w="1905"/>
+                <a:gradFill>
+                  <a:gsLst>
+                    <a:gs pos="0">
+                      <a:schemeClr val="accent6">
+                        <a:shade val="20000"/>
+                        <a:satMod val="200000"/>
+                      </a:schemeClr>
+                    </a:gs>
+                    <a:gs pos="78000">
+                      <a:schemeClr val="accent6">
+                        <a:tint val="90000"/>
+                        <a:shade val="89000"/>
+                        <a:satMod val="220000"/>
+                      </a:schemeClr>
+                    </a:gs>
+                    <a:gs pos="100000">
+                      <a:schemeClr val="accent6">
+                        <a:tint val="12000"/>
+                        <a:satMod val="255000"/>
+                      </a:schemeClr>
+                    </a:gs>
+                  </a:gsLst>
+                  <a:lin ang="5400000"/>
+                </a:gradFill>
+                <a:effectLst>
+                  <a:innerShdw blurRad="69850" dist="43180" dir="5400000">
+                    <a:srgbClr val="000000">
+                      <a:alpha val="65000"/>
+                    </a:srgbClr>
+                  </a:innerShdw>
+                </a:effectLst>
+              </a:rPr>
+              <a:t>mysql_error</a:t>
+            </a:r>
+            <a:r>
+              <a:rPr lang="en-US" sz="2000" b="1" dirty="0">
+                <a:ln w="1905"/>
+                <a:gradFill>
+                  <a:gsLst>
+                    <a:gs pos="0">
+                      <a:schemeClr val="accent6">
+                        <a:shade val="20000"/>
+                        <a:satMod val="200000"/>
+                      </a:schemeClr>
+                    </a:gs>
+                    <a:gs pos="78000">
+                      <a:schemeClr val="accent6">
+                        <a:tint val="90000"/>
+                        <a:shade val="89000"/>
+                        <a:satMod val="220000"/>
+                      </a:schemeClr>
+                    </a:gs>
+                    <a:gs pos="100000">
+                      <a:schemeClr val="accent6">
+                        <a:tint val="12000"/>
+                        <a:satMod val="255000"/>
+                      </a:schemeClr>
+                    </a:gs>
+                  </a:gsLst>
+                  <a:lin ang="5400000"/>
+                </a:gradFill>
+                <a:effectLst>
+                  <a:innerShdw blurRad="69850" dist="43180" dir="5400000">
+                    <a:srgbClr val="000000">
+                      <a:alpha val="65000"/>
+                    </a:srgbClr>
+                  </a:innerShdw>
+                </a:effectLst>
+              </a:rPr>
+              <a:t>()); </a:t>
+            </a:r>
+          </a:p>
+          <a:p>
+            <a:pPr marL="0" indent="0">
+              <a:lnSpc>
+                <a:spcPct val="90000"/>
+              </a:lnSpc>
+              <a:buNone/>
+            </a:pPr>
+            <a:r>
+              <a:rPr lang="en-US" sz="2000" b="1" dirty="0">
+                <a:ln w="1905"/>
+                <a:gradFill>
+                  <a:gsLst>
+                    <a:gs pos="0">
+                      <a:schemeClr val="accent6">
+                        <a:shade val="20000"/>
+                        <a:satMod val="200000"/>
+                      </a:schemeClr>
+                    </a:gs>
+                    <a:gs pos="78000">
+                      <a:schemeClr val="accent6">
+                        <a:tint val="90000"/>
+                        <a:shade val="89000"/>
+                        <a:satMod val="220000"/>
+                      </a:schemeClr>
+                    </a:gs>
+                    <a:gs pos="100000">
+                      <a:schemeClr val="accent6">
+                        <a:tint val="12000"/>
+                        <a:satMod val="255000"/>
+                      </a:schemeClr>
+                    </a:gs>
+                  </a:gsLst>
+                  <a:lin ang="5400000"/>
+                </a:gradFill>
+                <a:effectLst>
+                  <a:innerShdw blurRad="69850" dist="43180" dir="5400000">
+                    <a:srgbClr val="000000">
+                      <a:alpha val="65000"/>
+                    </a:srgbClr>
+                  </a:innerShdw>
+                </a:effectLst>
+              </a:rPr>
+              <a:t>echo 'Table Created!';</a:t>
+            </a:r>
+          </a:p>
+          <a:p>
+            <a:pPr marL="0" indent="0">
+              <a:lnSpc>
+                <a:spcPct val="90000"/>
+              </a:lnSpc>
+              <a:buNone/>
+            </a:pPr>
+            <a:r>
+              <a:rPr lang="en-US" sz="2000" b="1" dirty="0">
+                <a:ln w="1905"/>
+                <a:gradFill>
+                  <a:gsLst>
+                    <a:gs pos="0">
+                      <a:schemeClr val="accent6">
+                        <a:shade val="20000"/>
+                        <a:satMod val="200000"/>
+                      </a:schemeClr>
+                    </a:gs>
+                    <a:gs pos="78000">
+                      <a:schemeClr val="accent6">
+                        <a:tint val="90000"/>
+                        <a:shade val="89000"/>
+                        <a:satMod val="220000"/>
+                      </a:schemeClr>
+                    </a:gs>
+                    <a:gs pos="100000">
+                      <a:schemeClr val="accent6">
+                        <a:tint val="12000"/>
+                        <a:satMod val="255000"/>
+                      </a:schemeClr>
+                    </a:gs>
+                  </a:gsLst>
+                  <a:lin ang="5400000"/>
+                </a:gradFill>
+                <a:effectLst>
+                  <a:innerShdw blurRad="69850" dist="43180" dir="5400000">
+                    <a:srgbClr val="000000">
+                      <a:alpha val="65000"/>
+                    </a:srgbClr>
+                  </a:innerShdw>
+                </a:effectLst>
+              </a:rPr>
+              <a:t>?&gt;</a:t>
+            </a:r>
+            <a:endParaRPr lang="en-US" sz="2000" b="1" dirty="0" smtClean="0">
+              <a:ln w="1905"/>
+              <a:gradFill>
+                <a:gsLst>
+                  <a:gs pos="0">
+                    <a:schemeClr val="accent6">
+                      <a:shade val="20000"/>
+                      <a:satMod val="200000"/>
+                    </a:schemeClr>
+                  </a:gs>
+                  <a:gs pos="78000">
+                    <a:schemeClr val="accent6">
+                      <a:tint val="90000"/>
+                      <a:shade val="89000"/>
+                      <a:satMod val="220000"/>
+                    </a:schemeClr>
+                  </a:gs>
+                  <a:gs pos="100000">
+                    <a:schemeClr val="accent6">
+                      <a:tint val="12000"/>
+                      <a:satMod val="255000"/>
+                    </a:schemeClr>
+                  </a:gs>
+                </a:gsLst>
+                <a:lin ang="5400000"/>
+              </a:gradFill>
+              <a:effectLst>
+                <a:innerShdw blurRad="69850" dist="43180" dir="5400000">
+                  <a:srgbClr val="000000">
+                    <a:alpha val="65000"/>
+                  </a:srgbClr>
+                </a:innerShdw>
+              </a:effectLst>
+            </a:endParaRPr>
+          </a:p>
+        </p:txBody>
+      </p:sp>
+      <p:sp>
+        <p:nvSpPr>
+          <p:cNvPr id="4" name="TextBox 3"/>
+          <p:cNvSpPr txBox="1"/>
+          <p:nvPr/>
+        </p:nvSpPr>
+        <p:spPr>
+          <a:xfrm>
+            <a:off x="5023556" y="1933222"/>
+            <a:ext cx="184666" cy="369332"/>
+          </a:xfrm>
+          <a:prstGeom prst="rect">
+            <a:avLst/>
+          </a:prstGeom>
+          <a:noFill/>
+        </p:spPr>
+        <p:txBody>
+          <a:bodyPr wrap="none" rtlCol="0">
+            <a:spAutoFit/>
+          </a:bodyPr>
+          <a:lstStyle/>
+          <a:p>
+            <a:endParaRPr lang="en-US" dirty="0"/>
+          </a:p>
+        </p:txBody>
+      </p:sp>
+    </p:spTree>
+    <p:extLst>
+      <p:ext uri="{BB962C8B-B14F-4D97-AF65-F5344CB8AC3E}">
+        <p14:creationId xmlns:p14="http://schemas.microsoft.com/office/powerpoint/2010/main" val="3595477780"/>
       </p:ext>
     </p:extLst>
   </p:cSld>
@@ -16153,7 +17083,7 @@
           <a:p>
             <a:r>
               <a:rPr lang="en-US" dirty="0" smtClean="0"/>
-              <a:t>Example</a:t>
+              <a:t>Creating Table</a:t>
             </a:r>
             <a:endParaRPr lang="en-US" dirty="0"/>
           </a:p>
@@ -16174,1027 +17104,58 @@
           <a:bodyPr/>
           <a:lstStyle/>
           <a:p>
-            <a:pPr marL="0" indent="0">
-              <a:lnSpc>
-                <a:spcPct val="90000"/>
-              </a:lnSpc>
-              <a:buNone/>
-            </a:pPr>
-            <a:r>
-              <a:rPr lang="en-US" sz="2000" b="1" dirty="0">
-                <a:ln w="1905"/>
-                <a:gradFill>
-                  <a:gsLst>
-                    <a:gs pos="0">
-                      <a:schemeClr val="accent6">
-                        <a:shade val="20000"/>
-                        <a:satMod val="200000"/>
-                      </a:schemeClr>
-                    </a:gs>
-                    <a:gs pos="78000">
-                      <a:schemeClr val="accent6">
-                        <a:tint val="90000"/>
-                        <a:shade val="89000"/>
-                        <a:satMod val="220000"/>
-                      </a:schemeClr>
-                    </a:gs>
-                    <a:gs pos="100000">
-                      <a:schemeClr val="accent6">
-                        <a:tint val="12000"/>
-                        <a:satMod val="255000"/>
-                      </a:schemeClr>
-                    </a:gs>
-                  </a:gsLst>
-                  <a:lin ang="5400000"/>
-                </a:gradFill>
-                <a:effectLst>
-                  <a:innerShdw blurRad="69850" dist="43180" dir="5400000">
-                    <a:srgbClr val="000000">
-                      <a:alpha val="65000"/>
-                    </a:srgbClr>
-                  </a:innerShdw>
-                </a:effectLst>
-              </a:rPr>
-              <a:t>&lt;?</a:t>
-            </a:r>
-            <a:r>
-              <a:rPr lang="en-US" sz="2000" b="1" dirty="0" err="1">
-                <a:ln w="1905"/>
-                <a:gradFill>
-                  <a:gsLst>
-                    <a:gs pos="0">
-                      <a:schemeClr val="accent6">
-                        <a:shade val="20000"/>
-                        <a:satMod val="200000"/>
-                      </a:schemeClr>
-                    </a:gs>
-                    <a:gs pos="78000">
-                      <a:schemeClr val="accent6">
-                        <a:tint val="90000"/>
-                        <a:shade val="89000"/>
-                        <a:satMod val="220000"/>
-                      </a:schemeClr>
-                    </a:gs>
-                    <a:gs pos="100000">
-                      <a:schemeClr val="accent6">
-                        <a:tint val="12000"/>
-                        <a:satMod val="255000"/>
-                      </a:schemeClr>
-                    </a:gs>
-                  </a:gsLst>
-                  <a:lin ang="5400000"/>
-                </a:gradFill>
-                <a:effectLst>
-                  <a:innerShdw blurRad="69850" dist="43180" dir="5400000">
-                    <a:srgbClr val="000000">
-                      <a:alpha val="65000"/>
-                    </a:srgbClr>
-                  </a:innerShdw>
-                </a:effectLst>
-              </a:rPr>
-              <a:t>php</a:t>
-            </a:r>
-            <a:endParaRPr lang="en-US" sz="2000" b="1" dirty="0">
-              <a:ln w="1905"/>
-              <a:gradFill>
-                <a:gsLst>
-                  <a:gs pos="0">
-                    <a:schemeClr val="accent6">
-                      <a:shade val="20000"/>
-                      <a:satMod val="200000"/>
-                    </a:schemeClr>
-                  </a:gs>
-                  <a:gs pos="78000">
-                    <a:schemeClr val="accent6">
-                      <a:tint val="90000"/>
-                      <a:shade val="89000"/>
-                      <a:satMod val="220000"/>
-                    </a:schemeClr>
-                  </a:gs>
-                  <a:gs pos="100000">
-                    <a:schemeClr val="accent6">
-                      <a:tint val="12000"/>
-                      <a:satMod val="255000"/>
-                    </a:schemeClr>
-                  </a:gs>
-                </a:gsLst>
-                <a:lin ang="5400000"/>
-              </a:gradFill>
-              <a:effectLst>
-                <a:innerShdw blurRad="69850" dist="43180" dir="5400000">
-                  <a:srgbClr val="000000">
-                    <a:alpha val="65000"/>
-                  </a:srgbClr>
-                </a:innerShdw>
-              </a:effectLst>
-            </a:endParaRPr>
-          </a:p>
-          <a:p>
-            <a:pPr marL="0" indent="0">
-              <a:lnSpc>
-                <a:spcPct val="90000"/>
-              </a:lnSpc>
-              <a:buNone/>
-            </a:pPr>
-            <a:r>
-              <a:rPr lang="en-US" sz="2000" b="1" dirty="0">
-                <a:ln w="1905"/>
-                <a:gradFill>
-                  <a:gsLst>
-                    <a:gs pos="0">
-                      <a:schemeClr val="accent6">
-                        <a:shade val="20000"/>
-                        <a:satMod val="200000"/>
-                      </a:schemeClr>
-                    </a:gs>
-                    <a:gs pos="78000">
-                      <a:schemeClr val="accent6">
-                        <a:tint val="90000"/>
-                        <a:shade val="89000"/>
-                        <a:satMod val="220000"/>
-                      </a:schemeClr>
-                    </a:gs>
-                    <a:gs pos="100000">
-                      <a:schemeClr val="accent6">
-                        <a:tint val="12000"/>
-                        <a:satMod val="255000"/>
-                      </a:schemeClr>
-                    </a:gs>
-                  </a:gsLst>
-                  <a:lin ang="5400000"/>
-                </a:gradFill>
-                <a:effectLst>
-                  <a:innerShdw blurRad="69850" dist="43180" dir="5400000">
-                    <a:srgbClr val="000000">
-                      <a:alpha val="65000"/>
-                    </a:srgbClr>
-                  </a:innerShdw>
-                </a:effectLst>
-              </a:rPr>
-              <a:t>// Make a MySQL Connection</a:t>
-            </a:r>
-          </a:p>
-          <a:p>
-            <a:pPr marL="0" indent="0">
-              <a:lnSpc>
-                <a:spcPct val="90000"/>
-              </a:lnSpc>
-              <a:buNone/>
-            </a:pPr>
-            <a:r>
-              <a:rPr lang="en-US" sz="2000" b="1" dirty="0" err="1">
-                <a:ln w="1905"/>
-                <a:gradFill>
-                  <a:gsLst>
-                    <a:gs pos="0">
-                      <a:schemeClr val="accent6">
-                        <a:shade val="20000"/>
-                        <a:satMod val="200000"/>
-                      </a:schemeClr>
-                    </a:gs>
-                    <a:gs pos="78000">
-                      <a:schemeClr val="accent6">
-                        <a:tint val="90000"/>
-                        <a:shade val="89000"/>
-                        <a:satMod val="220000"/>
-                      </a:schemeClr>
-                    </a:gs>
-                    <a:gs pos="100000">
-                      <a:schemeClr val="accent6">
-                        <a:tint val="12000"/>
-                        <a:satMod val="255000"/>
-                      </a:schemeClr>
-                    </a:gs>
-                  </a:gsLst>
-                  <a:lin ang="5400000"/>
-                </a:gradFill>
-                <a:effectLst>
-                  <a:innerShdw blurRad="69850" dist="43180" dir="5400000">
-                    <a:srgbClr val="000000">
-                      <a:alpha val="65000"/>
-                    </a:srgbClr>
-                  </a:innerShdw>
-                </a:effectLst>
-              </a:rPr>
-              <a:t>mysql_connect</a:t>
-            </a:r>
-            <a:r>
-              <a:rPr lang="en-US" sz="2000" b="1" dirty="0">
-                <a:ln w="1905"/>
-                <a:gradFill>
-                  <a:gsLst>
-                    <a:gs pos="0">
-                      <a:schemeClr val="accent6">
-                        <a:shade val="20000"/>
-                        <a:satMod val="200000"/>
-                      </a:schemeClr>
-                    </a:gs>
-                    <a:gs pos="78000">
-                      <a:schemeClr val="accent6">
-                        <a:tint val="90000"/>
-                        <a:shade val="89000"/>
-                        <a:satMod val="220000"/>
-                      </a:schemeClr>
-                    </a:gs>
-                    <a:gs pos="100000">
-                      <a:schemeClr val="accent6">
-                        <a:tint val="12000"/>
-                        <a:satMod val="255000"/>
-                      </a:schemeClr>
-                    </a:gs>
-                  </a:gsLst>
-                  <a:lin ang="5400000"/>
-                </a:gradFill>
-                <a:effectLst>
-                  <a:innerShdw blurRad="69850" dist="43180" dir="5400000">
-                    <a:srgbClr val="000000">
-                      <a:alpha val="65000"/>
-                    </a:srgbClr>
-                  </a:innerShdw>
-                </a:effectLst>
-              </a:rPr>
-              <a:t>('server', 'database', 'password') or die(</a:t>
-            </a:r>
-            <a:r>
-              <a:rPr lang="en-US" sz="2000" b="1" dirty="0" err="1">
-                <a:ln w="1905"/>
-                <a:gradFill>
-                  <a:gsLst>
-                    <a:gs pos="0">
-                      <a:schemeClr val="accent6">
-                        <a:shade val="20000"/>
-                        <a:satMod val="200000"/>
-                      </a:schemeClr>
-                    </a:gs>
-                    <a:gs pos="78000">
-                      <a:schemeClr val="accent6">
-                        <a:tint val="90000"/>
-                        <a:shade val="89000"/>
-                        <a:satMod val="220000"/>
-                      </a:schemeClr>
-                    </a:gs>
-                    <a:gs pos="100000">
-                      <a:schemeClr val="accent6">
-                        <a:tint val="12000"/>
-                        <a:satMod val="255000"/>
-                      </a:schemeClr>
-                    </a:gs>
-                  </a:gsLst>
-                  <a:lin ang="5400000"/>
-                </a:gradFill>
-                <a:effectLst>
-                  <a:innerShdw blurRad="69850" dist="43180" dir="5400000">
-                    <a:srgbClr val="000000">
-                      <a:alpha val="65000"/>
-                    </a:srgbClr>
-                  </a:innerShdw>
-                </a:effectLst>
-              </a:rPr>
-              <a:t>mysql_error</a:t>
-            </a:r>
-            <a:r>
-              <a:rPr lang="en-US" sz="2000" b="1" dirty="0">
-                <a:ln w="1905"/>
-                <a:gradFill>
-                  <a:gsLst>
-                    <a:gs pos="0">
-                      <a:schemeClr val="accent6">
-                        <a:shade val="20000"/>
-                        <a:satMod val="200000"/>
-                      </a:schemeClr>
-                    </a:gs>
-                    <a:gs pos="78000">
-                      <a:schemeClr val="accent6">
-                        <a:tint val="90000"/>
-                        <a:shade val="89000"/>
-                        <a:satMod val="220000"/>
-                      </a:schemeClr>
-                    </a:gs>
-                    <a:gs pos="100000">
-                      <a:schemeClr val="accent6">
-                        <a:tint val="12000"/>
-                        <a:satMod val="255000"/>
-                      </a:schemeClr>
-                    </a:gs>
-                  </a:gsLst>
-                  <a:lin ang="5400000"/>
-                </a:gradFill>
-                <a:effectLst>
-                  <a:innerShdw blurRad="69850" dist="43180" dir="5400000">
-                    <a:srgbClr val="000000">
-                      <a:alpha val="65000"/>
-                    </a:srgbClr>
-                  </a:innerShdw>
-                </a:effectLst>
-              </a:rPr>
-              <a:t>());</a:t>
-            </a:r>
-          </a:p>
-          <a:p>
-            <a:pPr marL="0" indent="0">
-              <a:lnSpc>
-                <a:spcPct val="90000"/>
-              </a:lnSpc>
-              <a:buNone/>
-            </a:pPr>
-            <a:r>
-              <a:rPr lang="en-US" sz="2000" b="1" dirty="0" err="1">
-                <a:ln w="1905"/>
-                <a:gradFill>
-                  <a:gsLst>
-                    <a:gs pos="0">
-                      <a:schemeClr val="accent6">
-                        <a:shade val="20000"/>
-                        <a:satMod val="200000"/>
-                      </a:schemeClr>
-                    </a:gs>
-                    <a:gs pos="78000">
-                      <a:schemeClr val="accent6">
-                        <a:tint val="90000"/>
-                        <a:shade val="89000"/>
-                        <a:satMod val="220000"/>
-                      </a:schemeClr>
-                    </a:gs>
-                    <a:gs pos="100000">
-                      <a:schemeClr val="accent6">
-                        <a:tint val="12000"/>
-                        <a:satMod val="255000"/>
-                      </a:schemeClr>
-                    </a:gs>
-                  </a:gsLst>
-                  <a:lin ang="5400000"/>
-                </a:gradFill>
-                <a:effectLst>
-                  <a:innerShdw blurRad="69850" dist="43180" dir="5400000">
-                    <a:srgbClr val="000000">
-                      <a:alpha val="65000"/>
-                    </a:srgbClr>
-                  </a:innerShdw>
-                </a:effectLst>
-              </a:rPr>
-              <a:t>mysql_select_db</a:t>
-            </a:r>
-            <a:r>
-              <a:rPr lang="en-US" sz="2000" b="1" dirty="0">
-                <a:ln w="1905"/>
-                <a:gradFill>
-                  <a:gsLst>
-                    <a:gs pos="0">
-                      <a:schemeClr val="accent6">
-                        <a:shade val="20000"/>
-                        <a:satMod val="200000"/>
-                      </a:schemeClr>
-                    </a:gs>
-                    <a:gs pos="78000">
-                      <a:schemeClr val="accent6">
-                        <a:tint val="90000"/>
-                        <a:shade val="89000"/>
-                        <a:satMod val="220000"/>
-                      </a:schemeClr>
-                    </a:gs>
-                    <a:gs pos="100000">
-                      <a:schemeClr val="accent6">
-                        <a:tint val="12000"/>
-                        <a:satMod val="255000"/>
-                      </a:schemeClr>
-                    </a:gs>
-                  </a:gsLst>
-                  <a:lin ang="5400000"/>
-                </a:gradFill>
-                <a:effectLst>
-                  <a:innerShdw blurRad="69850" dist="43180" dir="5400000">
-                    <a:srgbClr val="000000">
-                      <a:alpha val="65000"/>
-                    </a:srgbClr>
-                  </a:innerShdw>
-                </a:effectLst>
-              </a:rPr>
-              <a:t>('test') or die(</a:t>
-            </a:r>
-            <a:r>
-              <a:rPr lang="en-US" sz="2000" b="1" dirty="0" err="1">
-                <a:ln w="1905"/>
-                <a:gradFill>
-                  <a:gsLst>
-                    <a:gs pos="0">
-                      <a:schemeClr val="accent6">
-                        <a:shade val="20000"/>
-                        <a:satMod val="200000"/>
-                      </a:schemeClr>
-                    </a:gs>
-                    <a:gs pos="78000">
-                      <a:schemeClr val="accent6">
-                        <a:tint val="90000"/>
-                        <a:shade val="89000"/>
-                        <a:satMod val="220000"/>
-                      </a:schemeClr>
-                    </a:gs>
-                    <a:gs pos="100000">
-                      <a:schemeClr val="accent6">
-                        <a:tint val="12000"/>
-                        <a:satMod val="255000"/>
-                      </a:schemeClr>
-                    </a:gs>
-                  </a:gsLst>
-                  <a:lin ang="5400000"/>
-                </a:gradFill>
-                <a:effectLst>
-                  <a:innerShdw blurRad="69850" dist="43180" dir="5400000">
-                    <a:srgbClr val="000000">
-                      <a:alpha val="65000"/>
-                    </a:srgbClr>
-                  </a:innerShdw>
-                </a:effectLst>
-              </a:rPr>
-              <a:t>mysql_error</a:t>
-            </a:r>
-            <a:r>
-              <a:rPr lang="en-US" sz="2000" b="1" dirty="0">
-                <a:ln w="1905"/>
-                <a:gradFill>
-                  <a:gsLst>
-                    <a:gs pos="0">
-                      <a:schemeClr val="accent6">
-                        <a:shade val="20000"/>
-                        <a:satMod val="200000"/>
-                      </a:schemeClr>
-                    </a:gs>
-                    <a:gs pos="78000">
-                      <a:schemeClr val="accent6">
-                        <a:tint val="90000"/>
-                        <a:shade val="89000"/>
-                        <a:satMod val="220000"/>
-                      </a:schemeClr>
-                    </a:gs>
-                    <a:gs pos="100000">
-                      <a:schemeClr val="accent6">
-                        <a:tint val="12000"/>
-                        <a:satMod val="255000"/>
-                      </a:schemeClr>
-                    </a:gs>
-                  </a:gsLst>
-                  <a:lin ang="5400000"/>
-                </a:gradFill>
-                <a:effectLst>
-                  <a:innerShdw blurRad="69850" dist="43180" dir="5400000">
-                    <a:srgbClr val="000000">
-                      <a:alpha val="65000"/>
-                    </a:srgbClr>
-                  </a:innerShdw>
-                </a:effectLst>
-              </a:rPr>
-              <a:t>());</a:t>
-            </a:r>
-          </a:p>
-          <a:p>
-            <a:pPr marL="0" indent="0">
-              <a:lnSpc>
-                <a:spcPct val="90000"/>
-              </a:lnSpc>
-              <a:buNone/>
-            </a:pPr>
-            <a:r>
-              <a:rPr lang="en-US" sz="2000" b="1" dirty="0">
-                <a:ln w="1905"/>
-                <a:gradFill>
-                  <a:gsLst>
-                    <a:gs pos="0">
-                      <a:schemeClr val="accent6">
-                        <a:shade val="20000"/>
-                        <a:satMod val="200000"/>
-                      </a:schemeClr>
-                    </a:gs>
-                    <a:gs pos="78000">
-                      <a:schemeClr val="accent6">
-                        <a:tint val="90000"/>
-                        <a:shade val="89000"/>
-                        <a:satMod val="220000"/>
-                      </a:schemeClr>
-                    </a:gs>
-                    <a:gs pos="100000">
-                      <a:schemeClr val="accent6">
-                        <a:tint val="12000"/>
-                        <a:satMod val="255000"/>
-                      </a:schemeClr>
-                    </a:gs>
-                  </a:gsLst>
-                  <a:lin ang="5400000"/>
-                </a:gradFill>
-                <a:effectLst>
-                  <a:innerShdw blurRad="69850" dist="43180" dir="5400000">
-                    <a:srgbClr val="000000">
-                      <a:alpha val="65000"/>
-                    </a:srgbClr>
-                  </a:innerShdw>
-                </a:effectLst>
-              </a:rPr>
-              <a:t>// Create a MySQL table in the selected database</a:t>
-            </a:r>
-          </a:p>
-          <a:p>
-            <a:pPr marL="0" indent="0">
-              <a:lnSpc>
-                <a:spcPct val="90000"/>
-              </a:lnSpc>
-              <a:buNone/>
-            </a:pPr>
-            <a:r>
-              <a:rPr lang="en-US" sz="2000" b="1" dirty="0" err="1">
-                <a:ln w="1905"/>
-                <a:gradFill>
-                  <a:gsLst>
-                    <a:gs pos="0">
-                      <a:schemeClr val="accent6">
-                        <a:shade val="20000"/>
-                        <a:satMod val="200000"/>
-                      </a:schemeClr>
-                    </a:gs>
-                    <a:gs pos="78000">
-                      <a:schemeClr val="accent6">
-                        <a:tint val="90000"/>
-                        <a:shade val="89000"/>
-                        <a:satMod val="220000"/>
-                      </a:schemeClr>
-                    </a:gs>
-                    <a:gs pos="100000">
-                      <a:schemeClr val="accent6">
-                        <a:tint val="12000"/>
-                        <a:satMod val="255000"/>
-                      </a:schemeClr>
-                    </a:gs>
-                  </a:gsLst>
-                  <a:lin ang="5400000"/>
-                </a:gradFill>
-                <a:effectLst>
-                  <a:innerShdw blurRad="69850" dist="43180" dir="5400000">
-                    <a:srgbClr val="000000">
-                      <a:alpha val="65000"/>
-                    </a:srgbClr>
-                  </a:innerShdw>
-                </a:effectLst>
-              </a:rPr>
+            <a:r>
+              <a:rPr lang="en-US" sz="2400" dirty="0" err="1"/>
               <a:t>mysql_query</a:t>
             </a:r>
             <a:r>
-              <a:rPr lang="en-US" sz="2000" b="1" dirty="0">
-                <a:ln w="1905"/>
-                <a:gradFill>
-                  <a:gsLst>
-                    <a:gs pos="0">
-                      <a:schemeClr val="accent6">
-                        <a:shade val="20000"/>
-                        <a:satMod val="200000"/>
-                      </a:schemeClr>
-                    </a:gs>
-                    <a:gs pos="78000">
-                      <a:schemeClr val="accent6">
-                        <a:tint val="90000"/>
-                        <a:shade val="89000"/>
-                        <a:satMod val="220000"/>
-                      </a:schemeClr>
-                    </a:gs>
-                    <a:gs pos="100000">
-                      <a:schemeClr val="accent6">
-                        <a:tint val="12000"/>
-                        <a:satMod val="255000"/>
-                      </a:schemeClr>
-                    </a:gs>
-                  </a:gsLst>
-                  <a:lin ang="5400000"/>
-                </a:gradFill>
-                <a:effectLst>
-                  <a:innerShdw blurRad="69850" dist="43180" dir="5400000">
-                    <a:srgbClr val="000000">
-                      <a:alpha val="65000"/>
-                    </a:srgbClr>
-                  </a:innerShdw>
-                </a:effectLst>
-              </a:rPr>
-              <a:t>('CREATE TABLE example(</a:t>
-            </a:r>
-          </a:p>
-          <a:p>
-            <a:pPr marL="0" indent="0">
-              <a:lnSpc>
-                <a:spcPct val="90000"/>
-              </a:lnSpc>
-              <a:buNone/>
-            </a:pPr>
-            <a:r>
-              <a:rPr lang="en-US" sz="2000" b="1" dirty="0">
-                <a:ln w="1905"/>
-                <a:gradFill>
-                  <a:gsLst>
-                    <a:gs pos="0">
-                      <a:schemeClr val="accent6">
-                        <a:shade val="20000"/>
-                        <a:satMod val="200000"/>
-                      </a:schemeClr>
-                    </a:gs>
-                    <a:gs pos="78000">
-                      <a:schemeClr val="accent6">
-                        <a:tint val="90000"/>
-                        <a:shade val="89000"/>
-                        <a:satMod val="220000"/>
-                      </a:schemeClr>
-                    </a:gs>
-                    <a:gs pos="100000">
-                      <a:schemeClr val="accent6">
-                        <a:tint val="12000"/>
-                        <a:satMod val="255000"/>
-                      </a:schemeClr>
-                    </a:gs>
-                  </a:gsLst>
-                  <a:lin ang="5400000"/>
-                </a:gradFill>
-                <a:effectLst>
-                  <a:innerShdw blurRad="69850" dist="43180" dir="5400000">
-                    <a:srgbClr val="000000">
-                      <a:alpha val="65000"/>
-                    </a:srgbClr>
-                  </a:innerShdw>
-                </a:effectLst>
-              </a:rPr>
-              <a:t>	id INT NOT NULL AUTO_INCREMENT, </a:t>
-            </a:r>
-          </a:p>
-          <a:p>
-            <a:pPr marL="0" indent="0">
-              <a:lnSpc>
-                <a:spcPct val="90000"/>
-              </a:lnSpc>
-              <a:buNone/>
-            </a:pPr>
-            <a:r>
-              <a:rPr lang="en-US" sz="2000" b="1" dirty="0">
-                <a:ln w="1905"/>
-                <a:gradFill>
-                  <a:gsLst>
-                    <a:gs pos="0">
-                      <a:schemeClr val="accent6">
-                        <a:shade val="20000"/>
-                        <a:satMod val="200000"/>
-                      </a:schemeClr>
-                    </a:gs>
-                    <a:gs pos="78000">
-                      <a:schemeClr val="accent6">
-                        <a:tint val="90000"/>
-                        <a:shade val="89000"/>
-                        <a:satMod val="220000"/>
-                      </a:schemeClr>
-                    </a:gs>
-                    <a:gs pos="100000">
-                      <a:schemeClr val="accent6">
-                        <a:tint val="12000"/>
-                        <a:satMod val="255000"/>
-                      </a:schemeClr>
-                    </a:gs>
-                  </a:gsLst>
-                  <a:lin ang="5400000"/>
-                </a:gradFill>
-                <a:effectLst>
-                  <a:innerShdw blurRad="69850" dist="43180" dir="5400000">
-                    <a:srgbClr val="000000">
-                      <a:alpha val="65000"/>
-                    </a:srgbClr>
-                  </a:innerShdw>
-                </a:effectLst>
-              </a:rPr>
-              <a:t>	PRIMARY KEY(id),</a:t>
-            </a:r>
-          </a:p>
-          <a:p>
-            <a:pPr marL="0" indent="0">
-              <a:lnSpc>
-                <a:spcPct val="90000"/>
-              </a:lnSpc>
-              <a:buNone/>
-            </a:pPr>
-            <a:r>
-              <a:rPr lang="en-US" sz="2000" b="1" dirty="0">
-                <a:ln w="1905"/>
-                <a:gradFill>
-                  <a:gsLst>
-                    <a:gs pos="0">
-                      <a:schemeClr val="accent6">
-                        <a:shade val="20000"/>
-                        <a:satMod val="200000"/>
-                      </a:schemeClr>
-                    </a:gs>
-                    <a:gs pos="78000">
-                      <a:schemeClr val="accent6">
-                        <a:tint val="90000"/>
-                        <a:shade val="89000"/>
-                        <a:satMod val="220000"/>
-                      </a:schemeClr>
-                    </a:gs>
-                    <a:gs pos="100000">
-                      <a:schemeClr val="accent6">
-                        <a:tint val="12000"/>
-                        <a:satMod val="255000"/>
-                      </a:schemeClr>
-                    </a:gs>
-                  </a:gsLst>
-                  <a:lin ang="5400000"/>
-                </a:gradFill>
-                <a:effectLst>
-                  <a:innerShdw blurRad="69850" dist="43180" dir="5400000">
-                    <a:srgbClr val="000000">
-                      <a:alpha val="65000"/>
-                    </a:srgbClr>
-                  </a:innerShdw>
-                </a:effectLst>
-              </a:rPr>
-              <a:t>	name VARCHAR(30), </a:t>
-            </a:r>
-          </a:p>
-          <a:p>
-            <a:pPr marL="0" indent="0">
-              <a:lnSpc>
-                <a:spcPct val="90000"/>
-              </a:lnSpc>
-              <a:buNone/>
-            </a:pPr>
-            <a:r>
-              <a:rPr lang="en-US" sz="2000" b="1" dirty="0">
-                <a:ln w="1905"/>
-                <a:gradFill>
-                  <a:gsLst>
-                    <a:gs pos="0">
-                      <a:schemeClr val="accent6">
-                        <a:shade val="20000"/>
-                        <a:satMod val="200000"/>
-                      </a:schemeClr>
-                    </a:gs>
-                    <a:gs pos="78000">
-                      <a:schemeClr val="accent6">
-                        <a:tint val="90000"/>
-                        <a:shade val="89000"/>
-                        <a:satMod val="220000"/>
-                      </a:schemeClr>
-                    </a:gs>
-                    <a:gs pos="100000">
-                      <a:schemeClr val="accent6">
-                        <a:tint val="12000"/>
-                        <a:satMod val="255000"/>
-                      </a:schemeClr>
-                    </a:gs>
-                  </a:gsLst>
-                  <a:lin ang="5400000"/>
-                </a:gradFill>
-                <a:effectLst>
-                  <a:innerShdw blurRad="69850" dist="43180" dir="5400000">
-                    <a:srgbClr val="000000">
-                      <a:alpha val="65000"/>
-                    </a:srgbClr>
-                  </a:innerShdw>
-                </a:effectLst>
-              </a:rPr>
-              <a:t>	age INT)'</a:t>
-            </a:r>
-          </a:p>
-          <a:p>
-            <a:pPr marL="0" indent="0">
-              <a:lnSpc>
-                <a:spcPct val="90000"/>
-              </a:lnSpc>
-              <a:buNone/>
-            </a:pPr>
-            <a:r>
-              <a:rPr lang="en-US" sz="2000" b="1" dirty="0">
-                <a:ln w="1905"/>
-                <a:gradFill>
-                  <a:gsLst>
-                    <a:gs pos="0">
-                      <a:schemeClr val="accent6">
-                        <a:shade val="20000"/>
-                        <a:satMod val="200000"/>
-                      </a:schemeClr>
-                    </a:gs>
-                    <a:gs pos="78000">
-                      <a:schemeClr val="accent6">
-                        <a:tint val="90000"/>
-                        <a:shade val="89000"/>
-                        <a:satMod val="220000"/>
-                      </a:schemeClr>
-                    </a:gs>
-                    <a:gs pos="100000">
-                      <a:schemeClr val="accent6">
-                        <a:tint val="12000"/>
-                        <a:satMod val="255000"/>
-                      </a:schemeClr>
-                    </a:gs>
-                  </a:gsLst>
-                  <a:lin ang="5400000"/>
-                </a:gradFill>
-                <a:effectLst>
-                  <a:innerShdw blurRad="69850" dist="43180" dir="5400000">
-                    <a:srgbClr val="000000">
-                      <a:alpha val="65000"/>
-                    </a:srgbClr>
-                  </a:innerShdw>
-                </a:effectLst>
-              </a:rPr>
-              <a:t>) or die(</a:t>
-            </a:r>
-            <a:r>
-              <a:rPr lang="en-US" sz="2000" b="1" dirty="0" err="1">
-                <a:ln w="1905"/>
-                <a:gradFill>
-                  <a:gsLst>
-                    <a:gs pos="0">
-                      <a:schemeClr val="accent6">
-                        <a:shade val="20000"/>
-                        <a:satMod val="200000"/>
-                      </a:schemeClr>
-                    </a:gs>
-                    <a:gs pos="78000">
-                      <a:schemeClr val="accent6">
-                        <a:tint val="90000"/>
-                        <a:shade val="89000"/>
-                        <a:satMod val="220000"/>
-                      </a:schemeClr>
-                    </a:gs>
-                    <a:gs pos="100000">
-                      <a:schemeClr val="accent6">
-                        <a:tint val="12000"/>
-                        <a:satMod val="255000"/>
-                      </a:schemeClr>
-                    </a:gs>
-                  </a:gsLst>
-                  <a:lin ang="5400000"/>
-                </a:gradFill>
-                <a:effectLst>
-                  <a:innerShdw blurRad="69850" dist="43180" dir="5400000">
-                    <a:srgbClr val="000000">
-                      <a:alpha val="65000"/>
-                    </a:srgbClr>
-                  </a:innerShdw>
-                </a:effectLst>
-              </a:rPr>
-              <a:t>mysql_error</a:t>
-            </a:r>
-            <a:r>
-              <a:rPr lang="en-US" sz="2000" b="1" dirty="0">
-                <a:ln w="1905"/>
-                <a:gradFill>
-                  <a:gsLst>
-                    <a:gs pos="0">
-                      <a:schemeClr val="accent6">
-                        <a:shade val="20000"/>
-                        <a:satMod val="200000"/>
-                      </a:schemeClr>
-                    </a:gs>
-                    <a:gs pos="78000">
-                      <a:schemeClr val="accent6">
-                        <a:tint val="90000"/>
-                        <a:shade val="89000"/>
-                        <a:satMod val="220000"/>
-                      </a:schemeClr>
-                    </a:gs>
-                    <a:gs pos="100000">
-                      <a:schemeClr val="accent6">
-                        <a:tint val="12000"/>
-                        <a:satMod val="255000"/>
-                      </a:schemeClr>
-                    </a:gs>
-                  </a:gsLst>
-                  <a:lin ang="5400000"/>
-                </a:gradFill>
-                <a:effectLst>
-                  <a:innerShdw blurRad="69850" dist="43180" dir="5400000">
-                    <a:srgbClr val="000000">
-                      <a:alpha val="65000"/>
-                    </a:srgbClr>
-                  </a:innerShdw>
-                </a:effectLst>
-              </a:rPr>
-              <a:t>()); </a:t>
-            </a:r>
-          </a:p>
-          <a:p>
-            <a:pPr marL="0" indent="0">
-              <a:lnSpc>
-                <a:spcPct val="90000"/>
-              </a:lnSpc>
-              <a:buNone/>
-            </a:pPr>
-            <a:r>
-              <a:rPr lang="en-US" sz="2000" b="1" dirty="0">
-                <a:ln w="1905"/>
-                <a:gradFill>
-                  <a:gsLst>
-                    <a:gs pos="0">
-                      <a:schemeClr val="accent6">
-                        <a:shade val="20000"/>
-                        <a:satMod val="200000"/>
-                      </a:schemeClr>
-                    </a:gs>
-                    <a:gs pos="78000">
-                      <a:schemeClr val="accent6">
-                        <a:tint val="90000"/>
-                        <a:shade val="89000"/>
-                        <a:satMod val="220000"/>
-                      </a:schemeClr>
-                    </a:gs>
-                    <a:gs pos="100000">
-                      <a:schemeClr val="accent6">
-                        <a:tint val="12000"/>
-                        <a:satMod val="255000"/>
-                      </a:schemeClr>
-                    </a:gs>
-                  </a:gsLst>
-                  <a:lin ang="5400000"/>
-                </a:gradFill>
-                <a:effectLst>
-                  <a:innerShdw blurRad="69850" dist="43180" dir="5400000">
-                    <a:srgbClr val="000000">
-                      <a:alpha val="65000"/>
-                    </a:srgbClr>
-                  </a:innerShdw>
-                </a:effectLst>
-              </a:rPr>
-              <a:t>echo 'Table Created!';</a:t>
-            </a:r>
-          </a:p>
-          <a:p>
-            <a:pPr marL="0" indent="0">
-              <a:lnSpc>
-                <a:spcPct val="90000"/>
-              </a:lnSpc>
-              <a:buNone/>
-            </a:pPr>
-            <a:r>
-              <a:rPr lang="en-US" sz="2000" b="1" dirty="0">
-                <a:ln w="1905"/>
-                <a:gradFill>
-                  <a:gsLst>
-                    <a:gs pos="0">
-                      <a:schemeClr val="accent6">
-                        <a:shade val="20000"/>
-                        <a:satMod val="200000"/>
-                      </a:schemeClr>
-                    </a:gs>
-                    <a:gs pos="78000">
-                      <a:schemeClr val="accent6">
-                        <a:tint val="90000"/>
-                        <a:shade val="89000"/>
-                        <a:satMod val="220000"/>
-                      </a:schemeClr>
-                    </a:gs>
-                    <a:gs pos="100000">
-                      <a:schemeClr val="accent6">
-                        <a:tint val="12000"/>
-                        <a:satMod val="255000"/>
-                      </a:schemeClr>
-                    </a:gs>
-                  </a:gsLst>
-                  <a:lin ang="5400000"/>
-                </a:gradFill>
-                <a:effectLst>
-                  <a:innerShdw blurRad="69850" dist="43180" dir="5400000">
-                    <a:srgbClr val="000000">
-                      <a:alpha val="65000"/>
-                    </a:srgbClr>
-                  </a:innerShdw>
-                </a:effectLst>
-              </a:rPr>
-              <a:t>?&gt;</a:t>
-            </a:r>
-            <a:endParaRPr lang="en-US" sz="2000" b="1" dirty="0" smtClean="0">
-              <a:ln w="1905"/>
-              <a:gradFill>
-                <a:gsLst>
-                  <a:gs pos="0">
-                    <a:schemeClr val="accent6">
-                      <a:shade val="20000"/>
-                      <a:satMod val="200000"/>
-                    </a:schemeClr>
-                  </a:gs>
-                  <a:gs pos="78000">
-                    <a:schemeClr val="accent6">
-                      <a:tint val="90000"/>
-                      <a:shade val="89000"/>
-                      <a:satMod val="220000"/>
-                    </a:schemeClr>
-                  </a:gs>
-                  <a:gs pos="100000">
-                    <a:schemeClr val="accent6">
-                      <a:tint val="12000"/>
-                      <a:satMod val="255000"/>
-                    </a:schemeClr>
-                  </a:gs>
-                </a:gsLst>
-                <a:lin ang="5400000"/>
-              </a:gradFill>
-              <a:effectLst>
-                <a:innerShdw blurRad="69850" dist="43180" dir="5400000">
-                  <a:srgbClr val="000000">
-                    <a:alpha val="65000"/>
-                  </a:srgbClr>
-                </a:innerShdw>
-              </a:effectLst>
-            </a:endParaRPr>
+              <a:rPr lang="en-US" sz="2400" dirty="0"/>
+              <a:t> </a:t>
+            </a:r>
+            <a:r>
+              <a:rPr lang="en-US" sz="2400" dirty="0" smtClean="0"/>
+              <a:t>(’CREATE TABLE example</a:t>
+            </a:r>
+            <a:r>
+              <a:rPr lang="en-US" sz="2400" dirty="0"/>
+              <a:t>'</a:t>
+            </a:r>
+          </a:p>
+          <a:p>
+            <a:r>
+              <a:rPr lang="en-US" sz="2400" dirty="0"/>
+              <a:t>The first part of the </a:t>
+            </a:r>
+            <a:r>
+              <a:rPr lang="en-US" sz="2400" dirty="0" err="1"/>
+              <a:t>mysql_query</a:t>
+            </a:r>
+            <a:r>
+              <a:rPr lang="en-US" sz="2400" dirty="0"/>
+              <a:t> told MySQL that we wanted to create a new table. The two capitalized words are reserved MySQL keywords.</a:t>
+            </a:r>
+          </a:p>
+          <a:p>
+            <a:r>
+              <a:rPr lang="en-US" sz="2400" dirty="0"/>
+              <a:t>The word 'example' is the name of our table, as it came directly after 'CREATE TABLE'. It is a good idea to use descriptive names when creating a table, such as: </a:t>
+            </a:r>
+            <a:r>
+              <a:rPr lang="en-US" sz="2400" dirty="0" err="1"/>
+              <a:t>employee_information</a:t>
+            </a:r>
+            <a:r>
+              <a:rPr lang="en-US" sz="2400" dirty="0"/>
+              <a:t>, contacts, or </a:t>
+            </a:r>
+            <a:r>
+              <a:rPr lang="en-US" sz="2400" dirty="0" err="1"/>
+              <a:t>customer_orders</a:t>
+            </a:r>
+            <a:r>
+              <a:rPr lang="en-US" sz="2400" dirty="0"/>
+              <a:t>. Clear names will ensure that you will know what the table is about when revisiting it a year after you make it.</a:t>
+            </a:r>
           </a:p>
         </p:txBody>
       </p:sp>
@@ -17227,7 +17188,7 @@
     </p:spTree>
     <p:extLst>
       <p:ext uri="{BB962C8B-B14F-4D97-AF65-F5344CB8AC3E}">
-        <p14:creationId xmlns:p14="http://schemas.microsoft.com/office/powerpoint/2010/main" val="3595477780"/>
+        <p14:creationId xmlns:p14="http://schemas.microsoft.com/office/powerpoint/2010/main" val="3399176371"/>
       </p:ext>
     </p:extLst>
   </p:cSld>
@@ -17297,57 +17258,126 @@
           <a:bodyPr/>
           <a:lstStyle/>
           <a:p>
-            <a:r>
-              <a:rPr lang="en-US" sz="2400" dirty="0" err="1"/>
-              <a:t>mysql_query</a:t>
-            </a:r>
-            <a:r>
-              <a:rPr lang="en-US" sz="2400" dirty="0"/>
-              <a:t> </a:t>
-            </a:r>
-            <a:r>
-              <a:rPr lang="en-US" sz="2400" dirty="0" smtClean="0"/>
-              <a:t>(’CREATE TABLE example</a:t>
-            </a:r>
-            <a:r>
-              <a:rPr lang="en-US" sz="2400" dirty="0"/>
+            <a:pPr marL="0" indent="0">
+              <a:lnSpc>
+                <a:spcPct val="90000"/>
+              </a:lnSpc>
+              <a:buNone/>
+            </a:pPr>
+            <a:r>
+              <a:rPr lang="en-US" sz="1800" b="1" dirty="0"/>
+              <a:t>'id </a:t>
+            </a:r>
+            <a:r>
+              <a:rPr lang="en-US" sz="1800" b="1" dirty="0" err="1"/>
+              <a:t>int</a:t>
+            </a:r>
+            <a:r>
+              <a:rPr lang="en-US" sz="1800" b="1" dirty="0"/>
+              <a:t> not null </a:t>
+            </a:r>
+            <a:r>
+              <a:rPr lang="en-US" sz="1800" b="1" dirty="0" err="1"/>
+              <a:t>auto_increment</a:t>
+            </a:r>
+            <a:r>
+              <a:rPr lang="en-US" sz="1800" b="1" dirty="0"/>
               <a:t>'</a:t>
             </a:r>
           </a:p>
           <a:p>
-            <a:r>
-              <a:rPr lang="en-US" sz="2400" dirty="0"/>
-              <a:t>The first part of the </a:t>
-            </a:r>
-            <a:r>
-              <a:rPr lang="en-US" sz="2400" dirty="0" err="1"/>
-              <a:t>mysql_query</a:t>
-            </a:r>
-            <a:r>
-              <a:rPr lang="en-US" sz="2400" dirty="0"/>
-              <a:t> told MySQL that we wanted to create a new table. The two capitalized words are reserved MySQL keywords.</a:t>
-            </a:r>
-          </a:p>
-          <a:p>
-            <a:r>
-              <a:rPr lang="en-US" sz="2400" dirty="0"/>
-              <a:t>The word 'example' is the name of our table, as it came directly after 'CREATE TABLE'. It is a good idea to use descriptive names when creating a table, such as: </a:t>
-            </a:r>
-            <a:r>
-              <a:rPr lang="en-US" sz="2400" dirty="0" err="1"/>
-              <a:t>employee_information</a:t>
-            </a:r>
-            <a:r>
-              <a:rPr lang="en-US" sz="2400" dirty="0"/>
-              <a:t>, contacts, or </a:t>
-            </a:r>
-            <a:r>
-              <a:rPr lang="en-US" sz="2400" dirty="0" err="1"/>
-              <a:t>customer_orders</a:t>
-            </a:r>
-            <a:r>
-              <a:rPr lang="en-US" sz="2400" dirty="0"/>
-              <a:t>. Clear names will ensure that you will know what the table is about when revisiting it a year after you make it.</a:t>
+            <a:pPr>
+              <a:lnSpc>
+                <a:spcPct val="90000"/>
+              </a:lnSpc>
+            </a:pPr>
+            <a:r>
+              <a:rPr lang="en-US" sz="1800" dirty="0"/>
+              <a:t>Here we create a column 'id' that will automatically increment each time a new entry is added to the table. This will result in the first row in the table having an id = 1, the second row id = 2, the third row id = 3, and so on.</a:t>
+            </a:r>
+          </a:p>
+          <a:p>
+            <a:pPr>
+              <a:lnSpc>
+                <a:spcPct val="90000"/>
+              </a:lnSpc>
+            </a:pPr>
+            <a:r>
+              <a:rPr lang="en-US" sz="1800" dirty="0"/>
+              <a:t>The column 'id' is not something that we need to worry about after we create this table, as it is all automatically calculated within MySQL</a:t>
+            </a:r>
+            <a:r>
+              <a:rPr lang="en-US" sz="1800" dirty="0" smtClean="0"/>
+              <a:t>.</a:t>
+            </a:r>
+          </a:p>
+          <a:p>
+            <a:pPr>
+              <a:lnSpc>
+                <a:spcPct val="90000"/>
+              </a:lnSpc>
+            </a:pPr>
+            <a:endParaRPr lang="en-US" sz="1800" dirty="0"/>
+          </a:p>
+          <a:p>
+            <a:pPr marL="0" indent="0">
+              <a:lnSpc>
+                <a:spcPct val="90000"/>
+              </a:lnSpc>
+              <a:buNone/>
+            </a:pPr>
+            <a:r>
+              <a:rPr lang="en-US" sz="1800" b="1" dirty="0"/>
+              <a:t>Reserved MySQL Keywords: </a:t>
+            </a:r>
+          </a:p>
+          <a:p>
+            <a:pPr marL="0" indent="0">
+              <a:lnSpc>
+                <a:spcPct val="90000"/>
+              </a:lnSpc>
+              <a:buNone/>
+            </a:pPr>
+            <a:r>
+              <a:rPr lang="en-US" sz="1800" dirty="0" smtClean="0"/>
+              <a:t>Here </a:t>
+            </a:r>
+            <a:r>
+              <a:rPr lang="en-US" sz="1800" dirty="0"/>
+              <a:t>are a few quick definitions of the reserved words used in this line of code:</a:t>
+            </a:r>
+          </a:p>
+          <a:p>
+            <a:pPr>
+              <a:lnSpc>
+                <a:spcPct val="90000"/>
+              </a:lnSpc>
+            </a:pPr>
+            <a:r>
+              <a:rPr lang="en-US" sz="1800" dirty="0"/>
+              <a:t>INT - This stands for integer or whole number. 'id' has been defined to be an integer.</a:t>
+            </a:r>
+          </a:p>
+          <a:p>
+            <a:pPr>
+              <a:lnSpc>
+                <a:spcPct val="90000"/>
+              </a:lnSpc>
+            </a:pPr>
+            <a:r>
+              <a:rPr lang="en-US" sz="1800" dirty="0"/>
+              <a:t>NOT NULL - These are actually two keywords, but they combine together to say that this column cannot be null. An entry is NOT NULL only if it has some value, while something with no value is NULL.</a:t>
+            </a:r>
+          </a:p>
+          <a:p>
+            <a:pPr>
+              <a:lnSpc>
+                <a:spcPct val="90000"/>
+              </a:lnSpc>
+            </a:pPr>
+            <a:r>
+              <a:rPr lang="en-US" sz="1800" dirty="0"/>
+              <a:t>AUTO_INCREMENT - Each time a new entry is added the value will be incremented by 1.</a:t>
             </a:r>
           </a:p>
         </p:txBody>
@@ -17381,7 +17411,7 @@
     </p:spTree>
     <p:extLst>
       <p:ext uri="{BB962C8B-B14F-4D97-AF65-F5344CB8AC3E}">
-        <p14:creationId xmlns:p14="http://schemas.microsoft.com/office/powerpoint/2010/main" val="3399176371"/>
+        <p14:creationId xmlns:p14="http://schemas.microsoft.com/office/powerpoint/2010/main" val="3535277017"/>
       </p:ext>
     </p:extLst>
   </p:cSld>
@@ -17451,107 +17481,31 @@
           <a:bodyPr/>
           <a:lstStyle/>
           <a:p>
+            <a:pPr marL="0" indent="0">
+              <a:lnSpc>
+                <a:spcPct val="90000"/>
+              </a:lnSpc>
+              <a:buNone/>
+            </a:pPr>
+            <a:r>
+              <a:rPr lang="en-US" sz="2600" b="1" dirty="0"/>
+              <a:t>primary key (id</a:t>
+            </a:r>
+            <a:r>
+              <a:rPr lang="en-US" sz="2600" b="1" dirty="0" smtClean="0"/>
+              <a:t>)</a:t>
+            </a:r>
+            <a:endParaRPr lang="en-US" sz="2600" b="1" dirty="0"/>
+          </a:p>
+          <a:p>
             <a:pPr>
               <a:lnSpc>
                 <a:spcPct val="90000"/>
               </a:lnSpc>
             </a:pPr>
             <a:r>
-              <a:rPr lang="en-US" sz="1800" dirty="0"/>
-              <a:t>'id </a:t>
-            </a:r>
-            <a:r>
-              <a:rPr lang="en-US" sz="1800" dirty="0" err="1"/>
-              <a:t>int</a:t>
-            </a:r>
-            <a:r>
-              <a:rPr lang="en-US" sz="1800" dirty="0"/>
-              <a:t> not null </a:t>
-            </a:r>
-            <a:r>
-              <a:rPr lang="en-US" sz="1800" dirty="0" err="1"/>
-              <a:t>auto_increment</a:t>
-            </a:r>
-            <a:r>
-              <a:rPr lang="en-US" sz="1800" dirty="0"/>
-              <a:t>'</a:t>
-            </a:r>
-          </a:p>
-          <a:p>
-            <a:pPr>
-              <a:lnSpc>
-                <a:spcPct val="90000"/>
-              </a:lnSpc>
-            </a:pPr>
-            <a:r>
-              <a:rPr lang="en-US" sz="1800" dirty="0"/>
-              <a:t>Here we create a column 'id' that will automatically increment each time a new entry is added to the table. This will result in the first row in the table having an id = 1, the second row id = 2, the third row id = 3, and so on.</a:t>
-            </a:r>
-          </a:p>
-          <a:p>
-            <a:pPr>
-              <a:lnSpc>
-                <a:spcPct val="90000"/>
-              </a:lnSpc>
-            </a:pPr>
-            <a:r>
-              <a:rPr lang="en-US" sz="1800" dirty="0"/>
-              <a:t>The column 'id' is not something that we need to worry about after we create this table, as it is all automatically calculated within MySQL.</a:t>
-            </a:r>
-          </a:p>
-          <a:p>
-            <a:pPr>
-              <a:lnSpc>
-                <a:spcPct val="90000"/>
-              </a:lnSpc>
-            </a:pPr>
-            <a:r>
-              <a:rPr lang="en-US" sz="1800" dirty="0"/>
-              <a:t>Reserved MySQL Keywords: </a:t>
-            </a:r>
-          </a:p>
-          <a:p>
-            <a:pPr>
-              <a:lnSpc>
-                <a:spcPct val="90000"/>
-              </a:lnSpc>
-            </a:pPr>
-            <a:r>
-              <a:rPr lang="en-US" sz="1800" dirty="0"/>
-              <a:t>Here are a few quick definitions of the reserved words used in this line of code:</a:t>
-            </a:r>
-          </a:p>
-          <a:p>
-            <a:pPr>
-              <a:lnSpc>
-                <a:spcPct val="90000"/>
-              </a:lnSpc>
-            </a:pPr>
-            <a:r>
-              <a:rPr lang="en-US" sz="1800" dirty="0"/>
-              <a:t>INT - This stands for integer or whole number. 'id' has been defined to be an integer.</a:t>
-            </a:r>
-          </a:p>
-          <a:p>
-            <a:pPr>
-              <a:lnSpc>
-                <a:spcPct val="90000"/>
-              </a:lnSpc>
-            </a:pPr>
-            <a:r>
-              <a:rPr lang="en-US" sz="1800" dirty="0"/>
-              <a:t>NOT NULL - These are actually two keywords, but they combine together to say that this column cannot be null. An entry is NOT NULL only if it has some value, while something with no value is NULL.</a:t>
-            </a:r>
-          </a:p>
-          <a:p>
-            <a:pPr>
-              <a:lnSpc>
-                <a:spcPct val="90000"/>
-              </a:lnSpc>
-            </a:pPr>
-            <a:r>
-              <a:rPr lang="en-US" sz="1800" dirty="0"/>
-              <a:t>AUTO_INCREMENT - Each time a new entry is added the value will be incremented by 1.</a:t>
+              <a:rPr lang="en-US" sz="2600" dirty="0"/>
+              <a:t>PRIMARY KEY is used as a unique identifier for the rows. Here we have made 'id' the PRIMARY KEY for this table. This means that no two ids can be the same, or else we will run into trouble. This is why we made 'id' an auto-incrementing counter in the previous line of code.</a:t>
             </a:r>
           </a:p>
         </p:txBody>
@@ -17585,7 +17539,7 @@
     </p:spTree>
     <p:extLst>
       <p:ext uri="{BB962C8B-B14F-4D97-AF65-F5344CB8AC3E}">
-        <p14:creationId xmlns:p14="http://schemas.microsoft.com/office/powerpoint/2010/main" val="3535277017"/>
+        <p14:creationId xmlns:p14="http://schemas.microsoft.com/office/powerpoint/2010/main" val="977972623"/>
       </p:ext>
     </p:extLst>
   </p:cSld>
@@ -17655,14 +17609,42 @@
           <a:bodyPr/>
           <a:lstStyle/>
           <a:p>
+            <a:pPr marL="0" indent="0">
+              <a:lnSpc>
+                <a:spcPct val="90000"/>
+              </a:lnSpc>
+              <a:buNone/>
+            </a:pPr>
+            <a:r>
+              <a:rPr lang="en-US" sz="2400" b="1" dirty="0"/>
+              <a:t>'name </a:t>
+            </a:r>
+            <a:r>
+              <a:rPr lang="en-US" sz="2400" b="1" dirty="0" err="1"/>
+              <a:t>varchar</a:t>
+            </a:r>
+            <a:r>
+              <a:rPr lang="en-US" sz="2400" b="1" dirty="0"/>
+              <a:t>(30),'</a:t>
+            </a:r>
+          </a:p>
+          <a:p>
             <a:pPr>
               <a:lnSpc>
                 <a:spcPct val="90000"/>
               </a:lnSpc>
             </a:pPr>
             <a:r>
-              <a:rPr lang="en-US" sz="2600" dirty="0"/>
-              <a:t>primary key (id)'</a:t>
+              <a:rPr lang="en-US" sz="2400" dirty="0"/>
+              <a:t>Here we make a new column with the name 'name'! VARCHAR stands for 'variable character'. 'Character' means that you can put in any kind of typed information in this column (letters, numbers, symbols, </a:t>
+            </a:r>
+            <a:r>
+              <a:rPr lang="en-US" sz="2400" dirty="0" err="1"/>
+              <a:t>etc</a:t>
+            </a:r>
+            <a:r>
+              <a:rPr lang="en-US" sz="2400" dirty="0"/>
+              <a:t>). It's 'variable' because it can adjust its size to store as little as 0 characters and up to a specified maximum number of characters.</a:t>
             </a:r>
           </a:p>
           <a:p>
@@ -17672,8 +17654,8 @@
               </a:lnSpc>
             </a:pPr>
             <a:r>
-              <a:rPr lang="en-US" sz="2600" dirty="0"/>
-              <a:t>PRIMARY KEY is used as a unique identifier for the rows. Here we have made 'id' the PRIMARY KEY for this table. This means that no two ids can be the same, or else we will run into trouble. This is why we made 'id' an auto-incrementing counter in the previous line of code.</a:t>
+              <a:rPr lang="en-US" sz="2400" dirty="0"/>
+              <a:t>We will most likely only be using this name column to store characters (A-Z, a-z). The number inside the parentheses sets the maximum number of characters. In this case, the max is 30.</a:t>
             </a:r>
           </a:p>
         </p:txBody>
@@ -17707,7 +17689,7 @@
     </p:spTree>
     <p:extLst>
       <p:ext uri="{BB962C8B-B14F-4D97-AF65-F5344CB8AC3E}">
-        <p14:creationId xmlns:p14="http://schemas.microsoft.com/office/powerpoint/2010/main" val="977972623"/>
+        <p14:creationId xmlns:p14="http://schemas.microsoft.com/office/powerpoint/2010/main" val="218913348"/>
       </p:ext>
     </p:extLst>
   </p:cSld>
@@ -17777,14 +17759,38 @@
           <a:bodyPr/>
           <a:lstStyle/>
           <a:p>
+            <a:pPr marL="0" indent="0">
+              <a:lnSpc>
+                <a:spcPct val="90000"/>
+              </a:lnSpc>
+              <a:buNone/>
+            </a:pPr>
+            <a:r>
+              <a:rPr lang="en-US" sz="2400" b="1" dirty="0"/>
+              <a:t>'age </a:t>
+            </a:r>
+            <a:r>
+              <a:rPr lang="en-US" sz="2400" b="1" dirty="0" err="1"/>
+              <a:t>int</a:t>
+            </a:r>
+            <a:r>
+              <a:rPr lang="en-US" sz="2400" b="1" dirty="0"/>
+              <a:t>,'</a:t>
+            </a:r>
+          </a:p>
+          <a:p>
             <a:pPr>
               <a:lnSpc>
                 <a:spcPct val="90000"/>
               </a:lnSpc>
             </a:pPr>
             <a:r>
-              <a:rPr lang="en-US" sz="2600" dirty="0"/>
-              <a:t>primary key (id)'</a:t>
+              <a:rPr lang="en-US" sz="2400" dirty="0"/>
+              <a:t>Our third and final column is age, which stores an integer. Notice that there are no parentheses following 'INT'. MySQL already knows what to do with an integer. The possible integer values that can be stored in an 'INT' are -2,147,483,648 to 2,147,483,647, which is more than enough to store someone's age</a:t>
+            </a:r>
+            <a:r>
+              <a:rPr lang="en-US" sz="2400" dirty="0" smtClean="0"/>
+              <a:t>!</a:t>
             </a:r>
           </a:p>
           <a:p>
@@ -17793,9 +17799,37 @@
                 <a:spcPct val="90000"/>
               </a:lnSpc>
             </a:pPr>
-            <a:r>
-              <a:rPr lang="en-US" sz="2600" dirty="0"/>
-              <a:t>PRIMARY KEY is used as a unique identifier for the rows. Here we have made 'id' the PRIMARY KEY for this table. This means that no two ids can be the same, or else we will run into trouble. This is why we made 'id' an auto-incrementing counter in the previous line of code.</a:t>
+            <a:endParaRPr lang="en-US" sz="2400" dirty="0"/>
+          </a:p>
+          <a:p>
+            <a:pPr marL="0" indent="0">
+              <a:lnSpc>
+                <a:spcPct val="90000"/>
+              </a:lnSpc>
+              <a:buNone/>
+            </a:pPr>
+            <a:r>
+              <a:rPr lang="en-US" sz="2400" b="1" dirty="0"/>
+              <a:t>'or die(</a:t>
+            </a:r>
+            <a:r>
+              <a:rPr lang="en-US" sz="2400" b="1" dirty="0" err="1"/>
+              <a:t>mysql_error</a:t>
+            </a:r>
+            <a:r>
+              <a:rPr lang="en-US" sz="2400" b="1" dirty="0"/>
+              <a:t>());'</a:t>
+            </a:r>
+          </a:p>
+          <a:p>
+            <a:pPr>
+              <a:lnSpc>
+                <a:spcPct val="90000"/>
+              </a:lnSpc>
+            </a:pPr>
+            <a:r>
+              <a:rPr lang="en-US" sz="2400" dirty="0"/>
+              <a:t>This will print out an error if there is a problem in the table creation process.</a:t>
             </a:r>
           </a:p>
         </p:txBody>
@@ -17829,7 +17863,7 @@
     </p:spTree>
     <p:extLst>
       <p:ext uri="{BB962C8B-B14F-4D97-AF65-F5344CB8AC3E}">
-        <p14:creationId xmlns:p14="http://schemas.microsoft.com/office/powerpoint/2010/main" val="218913348"/>
+        <p14:creationId xmlns:p14="http://schemas.microsoft.com/office/powerpoint/2010/main" val="3615180206"/>
       </p:ext>
     </p:extLst>
   </p:cSld>
@@ -17878,476 +17912,6 @@
           <a:p>
             <a:r>
               <a:rPr lang="en-US" dirty="0" smtClean="0"/>
-              <a:t>Creating Table</a:t>
-            </a:r>
-            <a:endParaRPr lang="en-US" dirty="0"/>
-          </a:p>
-        </p:txBody>
-      </p:sp>
-      <p:sp>
-        <p:nvSpPr>
-          <p:cNvPr id="3" name="Content Placeholder 2"/>
-          <p:cNvSpPr>
-            <a:spLocks noGrp="1"/>
-          </p:cNvSpPr>
-          <p:nvPr>
-            <p:ph idx="1"/>
-          </p:nvPr>
-        </p:nvSpPr>
-        <p:spPr/>
-        <p:txBody>
-          <a:bodyPr/>
-          <a:lstStyle/>
-          <a:p>
-            <a:pPr>
-              <a:lnSpc>
-                <a:spcPct val="90000"/>
-              </a:lnSpc>
-            </a:pPr>
-            <a:r>
-              <a:rPr lang="en-US" sz="2400" dirty="0"/>
-              <a:t>'name </a:t>
-            </a:r>
-            <a:r>
-              <a:rPr lang="en-US" sz="2400" dirty="0" err="1"/>
-              <a:t>varchar</a:t>
-            </a:r>
-            <a:r>
-              <a:rPr lang="en-US" sz="2400" dirty="0"/>
-              <a:t>(30),'</a:t>
-            </a:r>
-          </a:p>
-          <a:p>
-            <a:pPr>
-              <a:lnSpc>
-                <a:spcPct val="90000"/>
-              </a:lnSpc>
-            </a:pPr>
-            <a:r>
-              <a:rPr lang="en-US" sz="2400" dirty="0"/>
-              <a:t>Here we make a new column with the name 'name'! VARCHAR stands for 'variable character'. 'Character' means that you can put in any kind of typed information in this column (letters, numbers, symbols, </a:t>
-            </a:r>
-            <a:r>
-              <a:rPr lang="en-US" sz="2400" dirty="0" err="1"/>
-              <a:t>etc</a:t>
-            </a:r>
-            <a:r>
-              <a:rPr lang="en-US" sz="2400" dirty="0"/>
-              <a:t>). It's 'variable' because it can adjust its size to store as little as 0 characters and up to a specified maximum number of characters.</a:t>
-            </a:r>
-          </a:p>
-          <a:p>
-            <a:pPr>
-              <a:lnSpc>
-                <a:spcPct val="90000"/>
-              </a:lnSpc>
-            </a:pPr>
-            <a:r>
-              <a:rPr lang="en-US" sz="2400" dirty="0"/>
-              <a:t>We will most likely only be using this name column to store characters (A-Z, a-z). The number inside the parentheses sets the maximum number of characters. In this case, the max is 30.</a:t>
-            </a:r>
-          </a:p>
-        </p:txBody>
-      </p:sp>
-      <p:sp>
-        <p:nvSpPr>
-          <p:cNvPr id="4" name="TextBox 3"/>
-          <p:cNvSpPr txBox="1"/>
-          <p:nvPr/>
-        </p:nvSpPr>
-        <p:spPr>
-          <a:xfrm>
-            <a:off x="5023556" y="1933222"/>
-            <a:ext cx="184666" cy="369332"/>
-          </a:xfrm>
-          <a:prstGeom prst="rect">
-            <a:avLst/>
-          </a:prstGeom>
-          <a:noFill/>
-        </p:spPr>
-        <p:txBody>
-          <a:bodyPr wrap="none" rtlCol="0">
-            <a:spAutoFit/>
-          </a:bodyPr>
-          <a:lstStyle/>
-          <a:p>
-            <a:endParaRPr lang="en-US" dirty="0"/>
-          </a:p>
-        </p:txBody>
-      </p:sp>
-    </p:spTree>
-    <p:extLst>
-      <p:ext uri="{BB962C8B-B14F-4D97-AF65-F5344CB8AC3E}">
-        <p14:creationId xmlns:p14="http://schemas.microsoft.com/office/powerpoint/2010/main" val="218913348"/>
-      </p:ext>
-    </p:extLst>
-  </p:cSld>
-  <p:clrMapOvr>
-    <a:masterClrMapping/>
-  </p:clrMapOvr>
-</p:sld>
-</file>
-
-<file path=ppt/slides/slide46.xml><?xml version="1.0" encoding="utf-8"?>
-<p:sld xmlns:a="http://schemas.openxmlformats.org/drawingml/2006/main" xmlns:r="http://schemas.openxmlformats.org/officeDocument/2006/relationships" xmlns:p="http://schemas.openxmlformats.org/presentationml/2006/main">
-  <p:cSld>
-    <p:spTree>
-      <p:nvGrpSpPr>
-        <p:cNvPr id="1" name=""/>
-        <p:cNvGrpSpPr/>
-        <p:nvPr/>
-      </p:nvGrpSpPr>
-      <p:grpSpPr>
-        <a:xfrm>
-          <a:off x="0" y="0"/>
-          <a:ext cx="0" cy="0"/>
-          <a:chOff x="0" y="0"/>
-          <a:chExt cx="0" cy="0"/>
-        </a:xfrm>
-      </p:grpSpPr>
-      <p:sp>
-        <p:nvSpPr>
-          <p:cNvPr id="2" name="Title 1"/>
-          <p:cNvSpPr>
-            <a:spLocks noGrp="1"/>
-          </p:cNvSpPr>
-          <p:nvPr>
-            <p:ph type="title"/>
-          </p:nvPr>
-        </p:nvSpPr>
-        <p:spPr>
-          <a:xfrm>
-            <a:off x="457200" y="62973"/>
-            <a:ext cx="8229600" cy="1143000"/>
-          </a:xfrm>
-        </p:spPr>
-        <p:txBody>
-          <a:bodyPr/>
-          <a:lstStyle/>
-          <a:p>
-            <a:r>
-              <a:rPr lang="en-US" dirty="0" smtClean="0"/>
-              <a:t>Creating Table</a:t>
-            </a:r>
-            <a:endParaRPr lang="en-US" dirty="0"/>
-          </a:p>
-        </p:txBody>
-      </p:sp>
-      <p:sp>
-        <p:nvSpPr>
-          <p:cNvPr id="3" name="Content Placeholder 2"/>
-          <p:cNvSpPr>
-            <a:spLocks noGrp="1"/>
-          </p:cNvSpPr>
-          <p:nvPr>
-            <p:ph idx="1"/>
-          </p:nvPr>
-        </p:nvSpPr>
-        <p:spPr/>
-        <p:txBody>
-          <a:bodyPr/>
-          <a:lstStyle/>
-          <a:p>
-            <a:pPr>
-              <a:lnSpc>
-                <a:spcPct val="90000"/>
-              </a:lnSpc>
-            </a:pPr>
-            <a:r>
-              <a:rPr lang="en-US" sz="2400" dirty="0"/>
-              <a:t>'name </a:t>
-            </a:r>
-            <a:r>
-              <a:rPr lang="en-US" sz="2400" dirty="0" err="1"/>
-              <a:t>varchar</a:t>
-            </a:r>
-            <a:r>
-              <a:rPr lang="en-US" sz="2400" dirty="0"/>
-              <a:t>(30),'</a:t>
-            </a:r>
-          </a:p>
-          <a:p>
-            <a:pPr>
-              <a:lnSpc>
-                <a:spcPct val="90000"/>
-              </a:lnSpc>
-            </a:pPr>
-            <a:r>
-              <a:rPr lang="en-US" sz="2400" dirty="0"/>
-              <a:t>Here we make a new column with the name 'name'! VARCHAR stands for 'variable character'. 'Character' means that you can put in any kind of typed information in this column (letters, numbers, symbols, </a:t>
-            </a:r>
-            <a:r>
-              <a:rPr lang="en-US" sz="2400" dirty="0" err="1"/>
-              <a:t>etc</a:t>
-            </a:r>
-            <a:r>
-              <a:rPr lang="en-US" sz="2400" dirty="0"/>
-              <a:t>). It's 'variable' because it can adjust its size to store as little as 0 characters and up to a specified maximum number of characters.</a:t>
-            </a:r>
-          </a:p>
-          <a:p>
-            <a:pPr>
-              <a:lnSpc>
-                <a:spcPct val="90000"/>
-              </a:lnSpc>
-            </a:pPr>
-            <a:r>
-              <a:rPr lang="en-US" sz="2400" dirty="0"/>
-              <a:t>We will most likely only be using this name column to store characters (A-Z, a-z). The number inside the parentheses sets the maximum number of characters. In this case, the max is 30.</a:t>
-            </a:r>
-          </a:p>
-        </p:txBody>
-      </p:sp>
-      <p:sp>
-        <p:nvSpPr>
-          <p:cNvPr id="4" name="TextBox 3"/>
-          <p:cNvSpPr txBox="1"/>
-          <p:nvPr/>
-        </p:nvSpPr>
-        <p:spPr>
-          <a:xfrm>
-            <a:off x="5023556" y="1933222"/>
-            <a:ext cx="184666" cy="369332"/>
-          </a:xfrm>
-          <a:prstGeom prst="rect">
-            <a:avLst/>
-          </a:prstGeom>
-          <a:noFill/>
-        </p:spPr>
-        <p:txBody>
-          <a:bodyPr wrap="none" rtlCol="0">
-            <a:spAutoFit/>
-          </a:bodyPr>
-          <a:lstStyle/>
-          <a:p>
-            <a:endParaRPr lang="en-US" dirty="0"/>
-          </a:p>
-        </p:txBody>
-      </p:sp>
-    </p:spTree>
-    <p:extLst>
-      <p:ext uri="{BB962C8B-B14F-4D97-AF65-F5344CB8AC3E}">
-        <p14:creationId xmlns:p14="http://schemas.microsoft.com/office/powerpoint/2010/main" val="382892463"/>
-      </p:ext>
-    </p:extLst>
-  </p:cSld>
-  <p:clrMapOvr>
-    <a:masterClrMapping/>
-  </p:clrMapOvr>
-</p:sld>
-</file>
-
-<file path=ppt/slides/slide47.xml><?xml version="1.0" encoding="utf-8"?>
-<p:sld xmlns:a="http://schemas.openxmlformats.org/drawingml/2006/main" xmlns:r="http://schemas.openxmlformats.org/officeDocument/2006/relationships" xmlns:p="http://schemas.openxmlformats.org/presentationml/2006/main">
-  <p:cSld>
-    <p:spTree>
-      <p:nvGrpSpPr>
-        <p:cNvPr id="1" name=""/>
-        <p:cNvGrpSpPr/>
-        <p:nvPr/>
-      </p:nvGrpSpPr>
-      <p:grpSpPr>
-        <a:xfrm>
-          <a:off x="0" y="0"/>
-          <a:ext cx="0" cy="0"/>
-          <a:chOff x="0" y="0"/>
-          <a:chExt cx="0" cy="0"/>
-        </a:xfrm>
-      </p:grpSpPr>
-      <p:sp>
-        <p:nvSpPr>
-          <p:cNvPr id="2" name="Title 1"/>
-          <p:cNvSpPr>
-            <a:spLocks noGrp="1"/>
-          </p:cNvSpPr>
-          <p:nvPr>
-            <p:ph type="title"/>
-          </p:nvPr>
-        </p:nvSpPr>
-        <p:spPr>
-          <a:xfrm>
-            <a:off x="457200" y="62973"/>
-            <a:ext cx="8229600" cy="1143000"/>
-          </a:xfrm>
-        </p:spPr>
-        <p:txBody>
-          <a:bodyPr/>
-          <a:lstStyle/>
-          <a:p>
-            <a:r>
-              <a:rPr lang="en-US" dirty="0" smtClean="0"/>
-              <a:t>Creating Table</a:t>
-            </a:r>
-            <a:endParaRPr lang="en-US" dirty="0"/>
-          </a:p>
-        </p:txBody>
-      </p:sp>
-      <p:sp>
-        <p:nvSpPr>
-          <p:cNvPr id="3" name="Content Placeholder 2"/>
-          <p:cNvSpPr>
-            <a:spLocks noGrp="1"/>
-          </p:cNvSpPr>
-          <p:nvPr>
-            <p:ph idx="1"/>
-          </p:nvPr>
-        </p:nvSpPr>
-        <p:spPr/>
-        <p:txBody>
-          <a:bodyPr/>
-          <a:lstStyle/>
-          <a:p>
-            <a:pPr>
-              <a:lnSpc>
-                <a:spcPct val="90000"/>
-              </a:lnSpc>
-            </a:pPr>
-            <a:r>
-              <a:rPr lang="en-US" sz="2400" dirty="0"/>
-              <a:t>'age </a:t>
-            </a:r>
-            <a:r>
-              <a:rPr lang="en-US" sz="2400" dirty="0" err="1"/>
-              <a:t>int</a:t>
-            </a:r>
-            <a:r>
-              <a:rPr lang="en-US" sz="2400" dirty="0"/>
-              <a:t>,'</a:t>
-            </a:r>
-          </a:p>
-          <a:p>
-            <a:pPr>
-              <a:lnSpc>
-                <a:spcPct val="90000"/>
-              </a:lnSpc>
-            </a:pPr>
-            <a:r>
-              <a:rPr lang="en-US" sz="2400" dirty="0"/>
-              <a:t>Our third and final column is age, which stores an integer. Notice that there are no parentheses following 'INT'. MySQL already knows what to do with an integer. The possible integer values that can be stored in an 'INT' are -2,147,483,648 to 2,147,483,647, which is more than enough to store someone's age</a:t>
-            </a:r>
-            <a:r>
-              <a:rPr lang="en-US" sz="2400" dirty="0" smtClean="0"/>
-              <a:t>!</a:t>
-            </a:r>
-          </a:p>
-          <a:p>
-            <a:pPr>
-              <a:lnSpc>
-                <a:spcPct val="90000"/>
-              </a:lnSpc>
-            </a:pPr>
-            <a:endParaRPr lang="en-US" sz="2400" dirty="0"/>
-          </a:p>
-          <a:p>
-            <a:pPr>
-              <a:lnSpc>
-                <a:spcPct val="90000"/>
-              </a:lnSpc>
-            </a:pPr>
-            <a:r>
-              <a:rPr lang="en-US" sz="2400" dirty="0"/>
-              <a:t>'or die(</a:t>
-            </a:r>
-            <a:r>
-              <a:rPr lang="en-US" sz="2400" dirty="0" err="1"/>
-              <a:t>mysql_error</a:t>
-            </a:r>
-            <a:r>
-              <a:rPr lang="en-US" sz="2400" dirty="0"/>
-              <a:t>());'</a:t>
-            </a:r>
-          </a:p>
-          <a:p>
-            <a:pPr>
-              <a:lnSpc>
-                <a:spcPct val="90000"/>
-              </a:lnSpc>
-            </a:pPr>
-            <a:r>
-              <a:rPr lang="en-US" sz="2400" dirty="0"/>
-              <a:t>This will print out an error if there is a problem in the table creation process.</a:t>
-            </a:r>
-          </a:p>
-        </p:txBody>
-      </p:sp>
-      <p:sp>
-        <p:nvSpPr>
-          <p:cNvPr id="4" name="TextBox 3"/>
-          <p:cNvSpPr txBox="1"/>
-          <p:nvPr/>
-        </p:nvSpPr>
-        <p:spPr>
-          <a:xfrm>
-            <a:off x="5023556" y="1933222"/>
-            <a:ext cx="184666" cy="369332"/>
-          </a:xfrm>
-          <a:prstGeom prst="rect">
-            <a:avLst/>
-          </a:prstGeom>
-          <a:noFill/>
-        </p:spPr>
-        <p:txBody>
-          <a:bodyPr wrap="none" rtlCol="0">
-            <a:spAutoFit/>
-          </a:bodyPr>
-          <a:lstStyle/>
-          <a:p>
-            <a:endParaRPr lang="en-US" dirty="0"/>
-          </a:p>
-        </p:txBody>
-      </p:sp>
-    </p:spTree>
-    <p:extLst>
-      <p:ext uri="{BB962C8B-B14F-4D97-AF65-F5344CB8AC3E}">
-        <p14:creationId xmlns:p14="http://schemas.microsoft.com/office/powerpoint/2010/main" val="3615180206"/>
-      </p:ext>
-    </p:extLst>
-  </p:cSld>
-  <p:clrMapOvr>
-    <a:masterClrMapping/>
-  </p:clrMapOvr>
-</p:sld>
-</file>
-
-<file path=ppt/slides/slide48.xml><?xml version="1.0" encoding="utf-8"?>
-<p:sld xmlns:a="http://schemas.openxmlformats.org/drawingml/2006/main" xmlns:r="http://schemas.openxmlformats.org/officeDocument/2006/relationships" xmlns:p="http://schemas.openxmlformats.org/presentationml/2006/main">
-  <p:cSld>
-    <p:spTree>
-      <p:nvGrpSpPr>
-        <p:cNvPr id="1" name=""/>
-        <p:cNvGrpSpPr/>
-        <p:nvPr/>
-      </p:nvGrpSpPr>
-      <p:grpSpPr>
-        <a:xfrm>
-          <a:off x="0" y="0"/>
-          <a:ext cx="0" cy="0"/>
-          <a:chOff x="0" y="0"/>
-          <a:chExt cx="0" cy="0"/>
-        </a:xfrm>
-      </p:grpSpPr>
-      <p:sp>
-        <p:nvSpPr>
-          <p:cNvPr id="2" name="Title 1"/>
-          <p:cNvSpPr>
-            <a:spLocks noGrp="1"/>
-          </p:cNvSpPr>
-          <p:nvPr>
-            <p:ph type="title"/>
-          </p:nvPr>
-        </p:nvSpPr>
-        <p:spPr>
-          <a:xfrm>
-            <a:off x="457200" y="62973"/>
-            <a:ext cx="8229600" cy="1143000"/>
-          </a:xfrm>
-        </p:spPr>
-        <p:txBody>
-          <a:bodyPr/>
-          <a:lstStyle/>
-          <a:p>
-            <a:r>
-              <a:rPr lang="en-US" dirty="0" smtClean="0"/>
               <a:t>MySQL insert</a:t>
             </a:r>
             <a:endParaRPr lang="en-US" dirty="0"/>
@@ -18430,7 +17994,7 @@
 </p:sld>
 </file>
 
-<file path=ppt/slides/slide49.xml><?xml version="1.0" encoding="utf-8"?>
+<file path=ppt/slides/slide46.xml><?xml version="1.0" encoding="utf-8"?>
 <p:sld xmlns:a="http://schemas.openxmlformats.org/drawingml/2006/main" xmlns:r="http://schemas.openxmlformats.org/officeDocument/2006/relationships" xmlns:p="http://schemas.openxmlformats.org/presentationml/2006/main">
   <p:cSld>
     <p:spTree>
@@ -18808,10 +18372,10 @@
                   </a:innerShdw>
                 </a:effectLst>
               </a:rPr>
-              <a:t>', 'admin', '1admin') or die(</a:t>
-            </a:r>
-            <a:r>
-              <a:rPr lang="en-US" sz="1800" b="1" dirty="0" err="1">
+              <a:t>', </a:t>
+            </a:r>
+            <a:r>
+              <a:rPr lang="en-US" sz="1800" b="1" dirty="0" smtClean="0">
                 <a:ln w="1905"/>
                 <a:gradFill>
                   <a:gsLst>
@@ -18845,10 +18409,10 @@
                   </a:innerShdw>
                 </a:effectLst>
               </a:rPr>
-              <a:t>mysql_error</a:t>
-            </a:r>
-            <a:r>
-              <a:rPr lang="en-US" sz="1800" b="1" dirty="0">
+              <a:t>'</a:t>
+            </a:r>
+            <a:r>
+              <a:rPr lang="en-US" sz="1800" b="1" dirty="0" smtClean="0">
                 <a:ln w="1905"/>
                 <a:gradFill>
                   <a:gsLst>
@@ -18882,18 +18446,10 @@
                   </a:innerShdw>
                 </a:effectLst>
               </a:rPr>
-              <a:t>());</a:t>
-            </a:r>
-          </a:p>
-          <a:p>
-            <a:pPr marL="0" indent="0">
-              <a:lnSpc>
-                <a:spcPct val="90000"/>
-              </a:lnSpc>
-              <a:buNone/>
-            </a:pPr>
-            <a:r>
-              <a:rPr lang="en-US" sz="1800" b="1" dirty="0" err="1">
+              <a:t>root</a:t>
+            </a:r>
+            <a:r>
+              <a:rPr lang="en-US" sz="1800" b="1" dirty="0" smtClean="0">
                 <a:ln w="1905"/>
                 <a:gradFill>
                   <a:gsLst>
@@ -18927,7 +18483,7 @@
                   </a:innerShdw>
                 </a:effectLst>
               </a:rPr>
-              <a:t>mysql_select_db</a:t>
+              <a:t>'</a:t>
             </a:r>
             <a:r>
               <a:rPr lang="en-US" sz="1800" b="1" dirty="0">
@@ -18964,10 +18520,10 @@
                   </a:innerShdw>
                 </a:effectLst>
               </a:rPr>
-              <a:t>('test') or die(</a:t>
-            </a:r>
-            <a:r>
-              <a:rPr lang="en-US" sz="1800" b="1" dirty="0" err="1">
+              <a:t>, </a:t>
+            </a:r>
+            <a:r>
+              <a:rPr lang="en-US" sz="1800" b="1" dirty="0" smtClean="0">
                 <a:ln w="1905"/>
                 <a:gradFill>
                   <a:gsLst>
@@ -19001,7 +18557,7 @@
                   </a:innerShdw>
                 </a:effectLst>
               </a:rPr>
-              <a:t>mysql_error</a:t>
+              <a:t>''</a:t>
             </a:r>
             <a:r>
               <a:rPr lang="en-US" sz="1800" b="1" dirty="0">
@@ -19038,18 +18594,10 @@
                   </a:innerShdw>
                 </a:effectLst>
               </a:rPr>
-              <a:t>());</a:t>
-            </a:r>
-          </a:p>
-          <a:p>
-            <a:pPr marL="0" indent="0">
-              <a:lnSpc>
-                <a:spcPct val="90000"/>
-              </a:lnSpc>
-              <a:buNone/>
-            </a:pPr>
-            <a:r>
-              <a:rPr lang="en-US" sz="1800" b="1" dirty="0">
+              <a:t>) or die(</a:t>
+            </a:r>
+            <a:r>
+              <a:rPr lang="en-US" sz="1800" b="1" dirty="0" err="1">
                 <a:ln w="1905"/>
                 <a:gradFill>
                   <a:gsLst>
@@ -19083,18 +18631,10 @@
                   </a:innerShdw>
                 </a:effectLst>
               </a:rPr>
-              <a:t>// Insert a row of information into the table 'example'</a:t>
-            </a:r>
-          </a:p>
-          <a:p>
-            <a:pPr marL="0" indent="0">
-              <a:lnSpc>
-                <a:spcPct val="90000"/>
-              </a:lnSpc>
-              <a:buNone/>
-            </a:pPr>
-            <a:r>
-              <a:rPr lang="en-US" sz="1800" b="1" dirty="0" err="1">
+              <a:t>mysql_error</a:t>
+            </a:r>
+            <a:r>
+              <a:rPr lang="en-US" sz="1800" b="1" dirty="0">
                 <a:ln w="1905"/>
                 <a:gradFill>
                   <a:gsLst>
@@ -19128,10 +18668,18 @@
                   </a:innerShdw>
                 </a:effectLst>
               </a:rPr>
-              <a:t>mysql_query</a:t>
-            </a:r>
-            <a:r>
-              <a:rPr lang="en-US" sz="1800" b="1" dirty="0">
+              <a:t>());</a:t>
+            </a:r>
+          </a:p>
+          <a:p>
+            <a:pPr marL="0" indent="0">
+              <a:lnSpc>
+                <a:spcPct val="90000"/>
+              </a:lnSpc>
+              <a:buNone/>
+            </a:pPr>
+            <a:r>
+              <a:rPr lang="en-US" sz="1800" b="1" dirty="0" err="1">
                 <a:ln w="1905"/>
                 <a:gradFill>
                   <a:gsLst>
@@ -19165,10 +18713,10 @@
                   </a:innerShdw>
                 </a:effectLst>
               </a:rPr>
-              <a:t>('INSERT INTO example </a:t>
-            </a:r>
-            <a:r>
-              <a:rPr lang="en-US" sz="1800" b="1" dirty="0" smtClean="0">
+              <a:t>mysql_select_db</a:t>
+            </a:r>
+            <a:r>
+              <a:rPr lang="en-US" sz="1800" b="1" dirty="0">
                 <a:ln w="1905"/>
                 <a:gradFill>
                   <a:gsLst>
@@ -19202,10 +18750,10 @@
                   </a:innerShdw>
                 </a:effectLst>
               </a:rPr>
-              <a:t>(</a:t>
-            </a:r>
-            <a:r>
-              <a:rPr lang="en-US" sz="1800" b="1" dirty="0">
+              <a:t>('test') or die(</a:t>
+            </a:r>
+            <a:r>
+              <a:rPr lang="en-US" sz="1800" b="1" dirty="0" err="1">
                 <a:ln w="1905"/>
                 <a:gradFill>
                   <a:gsLst>
@@ -19239,10 +18787,10 @@
                   </a:innerShdw>
                 </a:effectLst>
               </a:rPr>
-              <a:t>name, age) VALUES('Timmy </a:t>
-            </a:r>
-            <a:r>
-              <a:rPr lang="en-US" sz="1800" b="1" dirty="0" err="1">
+              <a:t>mysql_error</a:t>
+            </a:r>
+            <a:r>
+              <a:rPr lang="en-US" sz="1800" b="1" dirty="0">
                 <a:ln w="1905"/>
                 <a:gradFill>
                   <a:gsLst>
@@ -19276,8 +18824,16 @@
                   </a:innerShdw>
                 </a:effectLst>
               </a:rPr>
-              <a:t>Mellowman</a:t>
-            </a:r>
+              <a:t>());</a:t>
+            </a:r>
+          </a:p>
+          <a:p>
+            <a:pPr marL="0" indent="0">
+              <a:lnSpc>
+                <a:spcPct val="90000"/>
+              </a:lnSpc>
+              <a:buNone/>
+            </a:pPr>
             <a:r>
               <a:rPr lang="en-US" sz="1800" b="1" dirty="0">
                 <a:ln w="1905"/>
@@ -19313,10 +18869,18 @@
                   </a:innerShdw>
                 </a:effectLst>
               </a:rPr>
-              <a:t>', '23' ) ') </a:t>
-            </a:r>
-            <a:r>
-              <a:rPr lang="en-US" sz="1800" b="1" dirty="0" smtClean="0">
+              <a:t>// Insert a row of information into the table 'example'</a:t>
+            </a:r>
+          </a:p>
+          <a:p>
+            <a:pPr marL="0" indent="0">
+              <a:lnSpc>
+                <a:spcPct val="90000"/>
+              </a:lnSpc>
+              <a:buNone/>
+            </a:pPr>
+            <a:r>
+              <a:rPr lang="en-US" sz="1800" b="1" dirty="0" err="1">
                 <a:ln w="1905"/>
                 <a:gradFill>
                   <a:gsLst>
@@ -19350,7 +18914,7 @@
                   </a:innerShdw>
                 </a:effectLst>
               </a:rPr>
-              <a:t>or </a:t>
+              <a:t>mysql_query</a:t>
             </a:r>
             <a:r>
               <a:rPr lang="en-US" sz="1800" b="1" dirty="0">
@@ -19387,10 +18951,10 @@
                   </a:innerShdw>
                 </a:effectLst>
               </a:rPr>
-              <a:t>die(</a:t>
-            </a:r>
-            <a:r>
-              <a:rPr lang="en-US" sz="1800" b="1" dirty="0" err="1">
+              <a:t>('INSERT INTO example </a:t>
+            </a:r>
+            <a:r>
+              <a:rPr lang="en-US" sz="1800" b="1" dirty="0" smtClean="0">
                 <a:ln w="1905"/>
                 <a:gradFill>
                   <a:gsLst>
@@ -19424,7 +18988,7 @@
                   </a:innerShdw>
                 </a:effectLst>
               </a:rPr>
-              <a:t>mysql_error</a:t>
+              <a:t>(</a:t>
             </a:r>
             <a:r>
               <a:rPr lang="en-US" sz="1800" b="1" dirty="0">
@@ -19461,16 +19025,8 @@
                   </a:innerShdw>
                 </a:effectLst>
               </a:rPr>
-              <a:t>()); </a:t>
-            </a:r>
-          </a:p>
-          <a:p>
-            <a:pPr marL="0" indent="0">
-              <a:lnSpc>
-                <a:spcPct val="90000"/>
-              </a:lnSpc>
-              <a:buNone/>
-            </a:pPr>
+              <a:t>name, age) VALUES('Timmy </a:t>
+            </a:r>
             <a:r>
               <a:rPr lang="en-US" sz="1800" b="1" dirty="0" err="1">
                 <a:ln w="1905"/>
@@ -19506,7 +19062,7 @@
                   </a:innerShdw>
                 </a:effectLst>
               </a:rPr>
-              <a:t>mysql_query</a:t>
+              <a:t>Mellowman</a:t>
             </a:r>
             <a:r>
               <a:rPr lang="en-US" sz="1800" b="1" dirty="0">
@@ -19543,7 +19099,7 @@
                   </a:innerShdw>
                 </a:effectLst>
               </a:rPr>
-              <a:t>('INSERT INTO example </a:t>
+              <a:t>', '23' ) ') </a:t>
             </a:r>
             <a:r>
               <a:rPr lang="en-US" sz="1800" b="1" dirty="0" smtClean="0">
@@ -19580,7 +19136,7 @@
                   </a:innerShdw>
                 </a:effectLst>
               </a:rPr>
-              <a:t>(</a:t>
+              <a:t>or </a:t>
             </a:r>
             <a:r>
               <a:rPr lang="en-US" sz="1800" b="1" dirty="0">
@@ -19617,10 +19173,10 @@
                   </a:innerShdw>
                 </a:effectLst>
               </a:rPr>
-              <a:t>name, age) VALUES('Sandy Smith', '21' ) ') </a:t>
-            </a:r>
-            <a:r>
-              <a:rPr lang="en-US" sz="1800" b="1" dirty="0" smtClean="0">
+              <a:t>die(</a:t>
+            </a:r>
+            <a:r>
+              <a:rPr lang="en-US" sz="1800" b="1" dirty="0" err="1">
                 <a:ln w="1905"/>
                 <a:gradFill>
                   <a:gsLst>
@@ -19654,7 +19210,7 @@
                   </a:innerShdw>
                 </a:effectLst>
               </a:rPr>
-              <a:t>or </a:t>
+              <a:t>mysql_error</a:t>
             </a:r>
             <a:r>
               <a:rPr lang="en-US" sz="1800" b="1" dirty="0">
@@ -19691,8 +19247,16 @@
                   </a:innerShdw>
                 </a:effectLst>
               </a:rPr>
-              <a:t>die(</a:t>
-            </a:r>
+              <a:t>()); </a:t>
+            </a:r>
+          </a:p>
+          <a:p>
+            <a:pPr marL="0" indent="0">
+              <a:lnSpc>
+                <a:spcPct val="90000"/>
+              </a:lnSpc>
+              <a:buNone/>
+            </a:pPr>
             <a:r>
               <a:rPr lang="en-US" sz="1800" b="1" dirty="0" err="1">
                 <a:ln w="1905"/>
@@ -19728,7 +19292,7 @@
                   </a:innerShdw>
                 </a:effectLst>
               </a:rPr>
-              <a:t>mysql_error</a:t>
+              <a:t>mysql_query</a:t>
             </a:r>
             <a:r>
               <a:rPr lang="en-US" sz="1800" b="1" dirty="0">
@@ -19765,18 +19329,10 @@
                   </a:innerShdw>
                 </a:effectLst>
               </a:rPr>
-              <a:t>()); </a:t>
-            </a:r>
-          </a:p>
-          <a:p>
-            <a:pPr marL="0" indent="0">
-              <a:lnSpc>
-                <a:spcPct val="90000"/>
-              </a:lnSpc>
-              <a:buNone/>
-            </a:pPr>
-            <a:r>
-              <a:rPr lang="en-US" sz="1800" b="1" dirty="0" err="1">
+              <a:t>('INSERT INTO example </a:t>
+            </a:r>
+            <a:r>
+              <a:rPr lang="en-US" sz="1800" b="1" dirty="0" smtClean="0">
                 <a:ln w="1905"/>
                 <a:gradFill>
                   <a:gsLst>
@@ -19810,7 +19366,7 @@
                   </a:innerShdw>
                 </a:effectLst>
               </a:rPr>
-              <a:t>mysql_query</a:t>
+              <a:t>(</a:t>
             </a:r>
             <a:r>
               <a:rPr lang="en-US" sz="1800" b="1" dirty="0">
@@ -19847,7 +19403,7 @@
                   </a:innerShdw>
                 </a:effectLst>
               </a:rPr>
-              <a:t>('INSERT INTO example </a:t>
+              <a:t>name, age) VALUES('Sandy Smith', '21' ) ') </a:t>
             </a:r>
             <a:r>
               <a:rPr lang="en-US" sz="1800" b="1" dirty="0" smtClean="0">
@@ -19884,7 +19440,7 @@
                   </a:innerShdw>
                 </a:effectLst>
               </a:rPr>
-              <a:t>(</a:t>
+              <a:t>or </a:t>
             </a:r>
             <a:r>
               <a:rPr lang="en-US" sz="1800" b="1" dirty="0">
@@ -19921,10 +19477,10 @@
                   </a:innerShdw>
                 </a:effectLst>
               </a:rPr>
-              <a:t>name, age) VALUES('Bobby Wallace', '15' ) ') </a:t>
-            </a:r>
-            <a:r>
-              <a:rPr lang="en-US" sz="1800" b="1" dirty="0" smtClean="0">
+              <a:t>die(</a:t>
+            </a:r>
+            <a:r>
+              <a:rPr lang="en-US" sz="1800" b="1" dirty="0" err="1">
                 <a:ln w="1905"/>
                 <a:gradFill>
                   <a:gsLst>
@@ -19958,7 +19514,7 @@
                   </a:innerShdw>
                 </a:effectLst>
               </a:rPr>
-              <a:t> or </a:t>
+              <a:t>mysql_error</a:t>
             </a:r>
             <a:r>
               <a:rPr lang="en-US" sz="1800" b="1" dirty="0">
@@ -19995,8 +19551,16 @@
                   </a:innerShdw>
                 </a:effectLst>
               </a:rPr>
-              <a:t>die(</a:t>
-            </a:r>
+              <a:t>()); </a:t>
+            </a:r>
+          </a:p>
+          <a:p>
+            <a:pPr marL="0" indent="0">
+              <a:lnSpc>
+                <a:spcPct val="90000"/>
+              </a:lnSpc>
+              <a:buNone/>
+            </a:pPr>
             <a:r>
               <a:rPr lang="en-US" sz="1800" b="1" dirty="0" err="1">
                 <a:ln w="1905"/>
@@ -20032,7 +19596,7 @@
                   </a:innerShdw>
                 </a:effectLst>
               </a:rPr>
-              <a:t>mysql_error</a:t>
+              <a:t>mysql_query</a:t>
             </a:r>
             <a:r>
               <a:rPr lang="en-US" sz="1800" b="1" dirty="0">
@@ -20069,18 +19633,10 @@
                   </a:innerShdw>
                 </a:effectLst>
               </a:rPr>
-              <a:t>()); </a:t>
-            </a:r>
-          </a:p>
-          <a:p>
-            <a:pPr marL="0" indent="0">
-              <a:lnSpc>
-                <a:spcPct val="90000"/>
-              </a:lnSpc>
-              <a:buNone/>
-            </a:pPr>
-            <a:r>
-              <a:rPr lang="en-US" sz="1800" b="1" dirty="0">
+              <a:t>('INSERT INTO example </a:t>
+            </a:r>
+            <a:r>
+              <a:rPr lang="en-US" sz="1800" b="1" dirty="0" smtClean="0">
                 <a:ln w="1905"/>
                 <a:gradFill>
                   <a:gsLst>
@@ -20114,16 +19670,8 @@
                   </a:innerShdw>
                 </a:effectLst>
               </a:rPr>
-              <a:t>echo 'Data Inserted!';</a:t>
-            </a:r>
-          </a:p>
-          <a:p>
-            <a:pPr marL="0" indent="0">
-              <a:lnSpc>
-                <a:spcPct val="90000"/>
-              </a:lnSpc>
-              <a:buNone/>
-            </a:pPr>
+              <a:t>(</a:t>
+            </a:r>
             <a:r>
               <a:rPr lang="en-US" sz="1800" b="1" dirty="0">
                 <a:ln w="1905"/>
@@ -20159,6 +19707,244 @@
                   </a:innerShdw>
                 </a:effectLst>
               </a:rPr>
+              <a:t>name, age) VALUES('Bobby Wallace', '15' ) ') </a:t>
+            </a:r>
+            <a:r>
+              <a:rPr lang="en-US" sz="1800" b="1" dirty="0" smtClean="0">
+                <a:ln w="1905"/>
+                <a:gradFill>
+                  <a:gsLst>
+                    <a:gs pos="0">
+                      <a:schemeClr val="accent6">
+                        <a:shade val="20000"/>
+                        <a:satMod val="200000"/>
+                      </a:schemeClr>
+                    </a:gs>
+                    <a:gs pos="78000">
+                      <a:schemeClr val="accent6">
+                        <a:tint val="90000"/>
+                        <a:shade val="89000"/>
+                        <a:satMod val="220000"/>
+                      </a:schemeClr>
+                    </a:gs>
+                    <a:gs pos="100000">
+                      <a:schemeClr val="accent6">
+                        <a:tint val="12000"/>
+                        <a:satMod val="255000"/>
+                      </a:schemeClr>
+                    </a:gs>
+                  </a:gsLst>
+                  <a:lin ang="5400000"/>
+                </a:gradFill>
+                <a:effectLst>
+                  <a:innerShdw blurRad="69850" dist="43180" dir="5400000">
+                    <a:srgbClr val="000000">
+                      <a:alpha val="65000"/>
+                    </a:srgbClr>
+                  </a:innerShdw>
+                </a:effectLst>
+              </a:rPr>
+              <a:t> or </a:t>
+            </a:r>
+            <a:r>
+              <a:rPr lang="en-US" sz="1800" b="1" dirty="0">
+                <a:ln w="1905"/>
+                <a:gradFill>
+                  <a:gsLst>
+                    <a:gs pos="0">
+                      <a:schemeClr val="accent6">
+                        <a:shade val="20000"/>
+                        <a:satMod val="200000"/>
+                      </a:schemeClr>
+                    </a:gs>
+                    <a:gs pos="78000">
+                      <a:schemeClr val="accent6">
+                        <a:tint val="90000"/>
+                        <a:shade val="89000"/>
+                        <a:satMod val="220000"/>
+                      </a:schemeClr>
+                    </a:gs>
+                    <a:gs pos="100000">
+                      <a:schemeClr val="accent6">
+                        <a:tint val="12000"/>
+                        <a:satMod val="255000"/>
+                      </a:schemeClr>
+                    </a:gs>
+                  </a:gsLst>
+                  <a:lin ang="5400000"/>
+                </a:gradFill>
+                <a:effectLst>
+                  <a:innerShdw blurRad="69850" dist="43180" dir="5400000">
+                    <a:srgbClr val="000000">
+                      <a:alpha val="65000"/>
+                    </a:srgbClr>
+                  </a:innerShdw>
+                </a:effectLst>
+              </a:rPr>
+              <a:t>die(</a:t>
+            </a:r>
+            <a:r>
+              <a:rPr lang="en-US" sz="1800" b="1" dirty="0" err="1">
+                <a:ln w="1905"/>
+                <a:gradFill>
+                  <a:gsLst>
+                    <a:gs pos="0">
+                      <a:schemeClr val="accent6">
+                        <a:shade val="20000"/>
+                        <a:satMod val="200000"/>
+                      </a:schemeClr>
+                    </a:gs>
+                    <a:gs pos="78000">
+                      <a:schemeClr val="accent6">
+                        <a:tint val="90000"/>
+                        <a:shade val="89000"/>
+                        <a:satMod val="220000"/>
+                      </a:schemeClr>
+                    </a:gs>
+                    <a:gs pos="100000">
+                      <a:schemeClr val="accent6">
+                        <a:tint val="12000"/>
+                        <a:satMod val="255000"/>
+                      </a:schemeClr>
+                    </a:gs>
+                  </a:gsLst>
+                  <a:lin ang="5400000"/>
+                </a:gradFill>
+                <a:effectLst>
+                  <a:innerShdw blurRad="69850" dist="43180" dir="5400000">
+                    <a:srgbClr val="000000">
+                      <a:alpha val="65000"/>
+                    </a:srgbClr>
+                  </a:innerShdw>
+                </a:effectLst>
+              </a:rPr>
+              <a:t>mysql_error</a:t>
+            </a:r>
+            <a:r>
+              <a:rPr lang="en-US" sz="1800" b="1" dirty="0">
+                <a:ln w="1905"/>
+                <a:gradFill>
+                  <a:gsLst>
+                    <a:gs pos="0">
+                      <a:schemeClr val="accent6">
+                        <a:shade val="20000"/>
+                        <a:satMod val="200000"/>
+                      </a:schemeClr>
+                    </a:gs>
+                    <a:gs pos="78000">
+                      <a:schemeClr val="accent6">
+                        <a:tint val="90000"/>
+                        <a:shade val="89000"/>
+                        <a:satMod val="220000"/>
+                      </a:schemeClr>
+                    </a:gs>
+                    <a:gs pos="100000">
+                      <a:schemeClr val="accent6">
+                        <a:tint val="12000"/>
+                        <a:satMod val="255000"/>
+                      </a:schemeClr>
+                    </a:gs>
+                  </a:gsLst>
+                  <a:lin ang="5400000"/>
+                </a:gradFill>
+                <a:effectLst>
+                  <a:innerShdw blurRad="69850" dist="43180" dir="5400000">
+                    <a:srgbClr val="000000">
+                      <a:alpha val="65000"/>
+                    </a:srgbClr>
+                  </a:innerShdw>
+                </a:effectLst>
+              </a:rPr>
+              <a:t>()); </a:t>
+            </a:r>
+          </a:p>
+          <a:p>
+            <a:pPr marL="0" indent="0">
+              <a:lnSpc>
+                <a:spcPct val="90000"/>
+              </a:lnSpc>
+              <a:buNone/>
+            </a:pPr>
+            <a:r>
+              <a:rPr lang="en-US" sz="1800" b="1" dirty="0">
+                <a:ln w="1905"/>
+                <a:gradFill>
+                  <a:gsLst>
+                    <a:gs pos="0">
+                      <a:schemeClr val="accent6">
+                        <a:shade val="20000"/>
+                        <a:satMod val="200000"/>
+                      </a:schemeClr>
+                    </a:gs>
+                    <a:gs pos="78000">
+                      <a:schemeClr val="accent6">
+                        <a:tint val="90000"/>
+                        <a:shade val="89000"/>
+                        <a:satMod val="220000"/>
+                      </a:schemeClr>
+                    </a:gs>
+                    <a:gs pos="100000">
+                      <a:schemeClr val="accent6">
+                        <a:tint val="12000"/>
+                        <a:satMod val="255000"/>
+                      </a:schemeClr>
+                    </a:gs>
+                  </a:gsLst>
+                  <a:lin ang="5400000"/>
+                </a:gradFill>
+                <a:effectLst>
+                  <a:innerShdw blurRad="69850" dist="43180" dir="5400000">
+                    <a:srgbClr val="000000">
+                      <a:alpha val="65000"/>
+                    </a:srgbClr>
+                  </a:innerShdw>
+                </a:effectLst>
+              </a:rPr>
+              <a:t>echo 'Data Inserted!';</a:t>
+            </a:r>
+          </a:p>
+          <a:p>
+            <a:pPr marL="0" indent="0">
+              <a:lnSpc>
+                <a:spcPct val="90000"/>
+              </a:lnSpc>
+              <a:buNone/>
+            </a:pPr>
+            <a:r>
+              <a:rPr lang="en-US" sz="1800" b="1" dirty="0">
+                <a:ln w="1905"/>
+                <a:gradFill>
+                  <a:gsLst>
+                    <a:gs pos="0">
+                      <a:schemeClr val="accent6">
+                        <a:shade val="20000"/>
+                        <a:satMod val="200000"/>
+                      </a:schemeClr>
+                    </a:gs>
+                    <a:gs pos="78000">
+                      <a:schemeClr val="accent6">
+                        <a:tint val="90000"/>
+                        <a:shade val="89000"/>
+                        <a:satMod val="220000"/>
+                      </a:schemeClr>
+                    </a:gs>
+                    <a:gs pos="100000">
+                      <a:schemeClr val="accent6">
+                        <a:tint val="12000"/>
+                        <a:satMod val="255000"/>
+                      </a:schemeClr>
+                    </a:gs>
+                  </a:gsLst>
+                  <a:lin ang="5400000"/>
+                </a:gradFill>
+                <a:effectLst>
+                  <a:innerShdw blurRad="69850" dist="43180" dir="5400000">
+                    <a:srgbClr val="000000">
+                      <a:alpha val="65000"/>
+                    </a:srgbClr>
+                  </a:innerShdw>
+                </a:effectLst>
+              </a:rPr>
               <a:t>?&gt;</a:t>
             </a:r>
           </a:p>
@@ -20194,6 +19980,1478 @@
     <p:extLst>
       <p:ext uri="{BB962C8B-B14F-4D97-AF65-F5344CB8AC3E}">
         <p14:creationId xmlns:p14="http://schemas.microsoft.com/office/powerpoint/2010/main" val="2253294018"/>
+      </p:ext>
+    </p:extLst>
+  </p:cSld>
+  <p:clrMapOvr>
+    <a:masterClrMapping/>
+  </p:clrMapOvr>
+</p:sld>
+</file>
+
+<file path=ppt/slides/slide47.xml><?xml version="1.0" encoding="utf-8"?>
+<p:sld xmlns:a="http://schemas.openxmlformats.org/drawingml/2006/main" xmlns:r="http://schemas.openxmlformats.org/officeDocument/2006/relationships" xmlns:p="http://schemas.openxmlformats.org/presentationml/2006/main">
+  <p:cSld>
+    <p:spTree>
+      <p:nvGrpSpPr>
+        <p:cNvPr id="1" name=""/>
+        <p:cNvGrpSpPr/>
+        <p:nvPr/>
+      </p:nvGrpSpPr>
+      <p:grpSpPr>
+        <a:xfrm>
+          <a:off x="0" y="0"/>
+          <a:ext cx="0" cy="0"/>
+          <a:chOff x="0" y="0"/>
+          <a:chExt cx="0" cy="0"/>
+        </a:xfrm>
+      </p:grpSpPr>
+      <p:sp>
+        <p:nvSpPr>
+          <p:cNvPr id="2" name="Title 1"/>
+          <p:cNvSpPr>
+            <a:spLocks noGrp="1"/>
+          </p:cNvSpPr>
+          <p:nvPr>
+            <p:ph type="title"/>
+          </p:nvPr>
+        </p:nvSpPr>
+        <p:spPr>
+          <a:xfrm>
+            <a:off x="457200" y="62973"/>
+            <a:ext cx="8229600" cy="1143000"/>
+          </a:xfrm>
+        </p:spPr>
+        <p:txBody>
+          <a:bodyPr/>
+          <a:lstStyle/>
+          <a:p>
+            <a:r>
+              <a:rPr lang="en-US" dirty="0" smtClean="0"/>
+              <a:t>MySQL </a:t>
+            </a:r>
+            <a:r>
+              <a:rPr lang="en-US" dirty="0" smtClean="0"/>
+              <a:t>query</a:t>
+            </a:r>
+            <a:endParaRPr lang="en-US" dirty="0"/>
+          </a:p>
+        </p:txBody>
+      </p:sp>
+      <p:sp>
+        <p:nvSpPr>
+          <p:cNvPr id="3" name="Content Placeholder 2"/>
+          <p:cNvSpPr>
+            <a:spLocks noGrp="1"/>
+          </p:cNvSpPr>
+          <p:nvPr>
+            <p:ph idx="1"/>
+          </p:nvPr>
+        </p:nvSpPr>
+        <p:spPr>
+          <a:xfrm>
+            <a:off x="457200" y="1430867"/>
+            <a:ext cx="8229600" cy="4525963"/>
+          </a:xfrm>
+        </p:spPr>
+        <p:txBody>
+          <a:bodyPr/>
+          <a:lstStyle/>
+          <a:p>
+            <a:pPr marL="0" indent="0">
+              <a:lnSpc>
+                <a:spcPct val="90000"/>
+              </a:lnSpc>
+              <a:buNone/>
+            </a:pPr>
+            <a:r>
+              <a:rPr lang="en-US" sz="2800" dirty="0"/>
+              <a:t>So far we have seen a couple different uses of PHP's </a:t>
+            </a:r>
+            <a:r>
+              <a:rPr lang="en-US" sz="2800" b="1" dirty="0" err="1"/>
+              <a:t>mysql_query</a:t>
+            </a:r>
+            <a:r>
+              <a:rPr lang="en-US" sz="2800" dirty="0"/>
+              <a:t> function and we'll be seeing more of it as nearly all MySQL in PHP is done through the MySQL Query function. We have already created a new table and inserted data into that table. In this lesson we will cover the most common MySQL Query that is used to retrieve information from a database.</a:t>
+            </a:r>
+          </a:p>
+        </p:txBody>
+      </p:sp>
+      <p:sp>
+        <p:nvSpPr>
+          <p:cNvPr id="4" name="TextBox 3"/>
+          <p:cNvSpPr txBox="1"/>
+          <p:nvPr/>
+        </p:nvSpPr>
+        <p:spPr>
+          <a:xfrm>
+            <a:off x="5023556" y="1933222"/>
+            <a:ext cx="184666" cy="369332"/>
+          </a:xfrm>
+          <a:prstGeom prst="rect">
+            <a:avLst/>
+          </a:prstGeom>
+          <a:noFill/>
+        </p:spPr>
+        <p:txBody>
+          <a:bodyPr wrap="none" rtlCol="0">
+            <a:spAutoFit/>
+          </a:bodyPr>
+          <a:lstStyle/>
+          <a:p>
+            <a:endParaRPr lang="en-US" dirty="0"/>
+          </a:p>
+        </p:txBody>
+      </p:sp>
+    </p:spTree>
+    <p:extLst>
+      <p:ext uri="{BB962C8B-B14F-4D97-AF65-F5344CB8AC3E}">
+        <p14:creationId xmlns:p14="http://schemas.microsoft.com/office/powerpoint/2010/main" val="1793563331"/>
+      </p:ext>
+    </p:extLst>
+  </p:cSld>
+  <p:clrMapOvr>
+    <a:masterClrMapping/>
+  </p:clrMapOvr>
+</p:sld>
+</file>
+
+<file path=ppt/slides/slide48.xml><?xml version="1.0" encoding="utf-8"?>
+<p:sld xmlns:a="http://schemas.openxmlformats.org/drawingml/2006/main" xmlns:r="http://schemas.openxmlformats.org/officeDocument/2006/relationships" xmlns:p="http://schemas.openxmlformats.org/presentationml/2006/main">
+  <p:cSld>
+    <p:spTree>
+      <p:nvGrpSpPr>
+        <p:cNvPr id="1" name=""/>
+        <p:cNvGrpSpPr/>
+        <p:nvPr/>
+      </p:nvGrpSpPr>
+      <p:grpSpPr>
+        <a:xfrm>
+          <a:off x="0" y="0"/>
+          <a:ext cx="0" cy="0"/>
+          <a:chOff x="0" y="0"/>
+          <a:chExt cx="0" cy="0"/>
+        </a:xfrm>
+      </p:grpSpPr>
+      <p:sp>
+        <p:nvSpPr>
+          <p:cNvPr id="2" name="Title 1"/>
+          <p:cNvSpPr>
+            <a:spLocks noGrp="1"/>
+          </p:cNvSpPr>
+          <p:nvPr>
+            <p:ph type="title"/>
+          </p:nvPr>
+        </p:nvSpPr>
+        <p:spPr>
+          <a:xfrm>
+            <a:off x="457200" y="62973"/>
+            <a:ext cx="8229600" cy="1143000"/>
+          </a:xfrm>
+        </p:spPr>
+        <p:txBody>
+          <a:bodyPr/>
+          <a:lstStyle/>
+          <a:p>
+            <a:r>
+              <a:rPr lang="en-US" sz="4000" dirty="0" smtClean="0"/>
+              <a:t>Retrieving </a:t>
+            </a:r>
+            <a:r>
+              <a:rPr lang="en-US" sz="4000" dirty="0"/>
+              <a:t>data with </a:t>
+            </a:r>
+            <a:r>
+              <a:rPr lang="en-US" sz="4000" dirty="0" smtClean="0"/>
+              <a:t>PHP </a:t>
+            </a:r>
+            <a:r>
+              <a:rPr lang="en-US" sz="4000" dirty="0"/>
+              <a:t>&amp; </a:t>
+            </a:r>
+            <a:r>
+              <a:rPr lang="en-US" sz="4000" dirty="0" smtClean="0"/>
+              <a:t>MySQL</a:t>
+            </a:r>
+            <a:endParaRPr lang="en-US" sz="4000" dirty="0"/>
+          </a:p>
+        </p:txBody>
+      </p:sp>
+      <p:sp>
+        <p:nvSpPr>
+          <p:cNvPr id="3" name="Content Placeholder 2"/>
+          <p:cNvSpPr>
+            <a:spLocks noGrp="1"/>
+          </p:cNvSpPr>
+          <p:nvPr>
+            <p:ph idx="1"/>
+          </p:nvPr>
+        </p:nvSpPr>
+        <p:spPr>
+          <a:xfrm>
+            <a:off x="457200" y="1430867"/>
+            <a:ext cx="8229600" cy="4525963"/>
+          </a:xfrm>
+        </p:spPr>
+        <p:txBody>
+          <a:bodyPr/>
+          <a:lstStyle/>
+          <a:p>
+            <a:pPr marL="0" indent="0">
+              <a:lnSpc>
+                <a:spcPct val="90000"/>
+              </a:lnSpc>
+              <a:buNone/>
+            </a:pPr>
+            <a:r>
+              <a:rPr lang="en-US" sz="2800" dirty="0"/>
+              <a:t>Usually most of the work done with MySQL involves pulling down data from a MySQL database. In MySQL, data is retrieved with the 'SELECT' keyword. Think of SELECT as working the same way as it does on your computer. If you wanted to copy some information in a document, you would first select the desired information, then copy and paste.</a:t>
+            </a:r>
+          </a:p>
+        </p:txBody>
+      </p:sp>
+      <p:sp>
+        <p:nvSpPr>
+          <p:cNvPr id="4" name="TextBox 3"/>
+          <p:cNvSpPr txBox="1"/>
+          <p:nvPr/>
+        </p:nvSpPr>
+        <p:spPr>
+          <a:xfrm>
+            <a:off x="5023556" y="1933222"/>
+            <a:ext cx="184666" cy="369332"/>
+          </a:xfrm>
+          <a:prstGeom prst="rect">
+            <a:avLst/>
+          </a:prstGeom>
+          <a:noFill/>
+        </p:spPr>
+        <p:txBody>
+          <a:bodyPr wrap="none" rtlCol="0">
+            <a:spAutoFit/>
+          </a:bodyPr>
+          <a:lstStyle/>
+          <a:p>
+            <a:endParaRPr lang="en-US" dirty="0"/>
+          </a:p>
+        </p:txBody>
+      </p:sp>
+    </p:spTree>
+    <p:extLst>
+      <p:ext uri="{BB962C8B-B14F-4D97-AF65-F5344CB8AC3E}">
+        <p14:creationId xmlns:p14="http://schemas.microsoft.com/office/powerpoint/2010/main" val="4040140693"/>
+      </p:ext>
+    </p:extLst>
+  </p:cSld>
+  <p:clrMapOvr>
+    <a:masterClrMapping/>
+  </p:clrMapOvr>
+</p:sld>
+</file>
+
+<file path=ppt/slides/slide49.xml><?xml version="1.0" encoding="utf-8"?>
+<p:sld xmlns:a="http://schemas.openxmlformats.org/drawingml/2006/main" xmlns:r="http://schemas.openxmlformats.org/officeDocument/2006/relationships" xmlns:p="http://schemas.openxmlformats.org/presentationml/2006/main">
+  <p:cSld>
+    <p:spTree>
+      <p:nvGrpSpPr>
+        <p:cNvPr id="1" name=""/>
+        <p:cNvGrpSpPr/>
+        <p:nvPr/>
+      </p:nvGrpSpPr>
+      <p:grpSpPr>
+        <a:xfrm>
+          <a:off x="0" y="0"/>
+          <a:ext cx="0" cy="0"/>
+          <a:chOff x="0" y="0"/>
+          <a:chExt cx="0" cy="0"/>
+        </a:xfrm>
+      </p:grpSpPr>
+      <p:sp>
+        <p:nvSpPr>
+          <p:cNvPr id="2" name="Title 1"/>
+          <p:cNvSpPr>
+            <a:spLocks noGrp="1"/>
+          </p:cNvSpPr>
+          <p:nvPr>
+            <p:ph type="title"/>
+          </p:nvPr>
+        </p:nvSpPr>
+        <p:spPr>
+          <a:xfrm>
+            <a:off x="457200" y="62973"/>
+            <a:ext cx="8229600" cy="1143000"/>
+          </a:xfrm>
+        </p:spPr>
+        <p:txBody>
+          <a:bodyPr/>
+          <a:lstStyle/>
+          <a:p>
+            <a:r>
+              <a:rPr lang="en-US" sz="4000" dirty="0" smtClean="0"/>
+              <a:t>Retrieving </a:t>
+            </a:r>
+            <a:r>
+              <a:rPr lang="en-US" sz="4000" dirty="0"/>
+              <a:t>data with </a:t>
+            </a:r>
+            <a:r>
+              <a:rPr lang="en-US" sz="4000" dirty="0" smtClean="0"/>
+              <a:t>PHP </a:t>
+            </a:r>
+            <a:r>
+              <a:rPr lang="en-US" sz="4000" dirty="0"/>
+              <a:t>&amp; </a:t>
+            </a:r>
+            <a:r>
+              <a:rPr lang="en-US" sz="4000" dirty="0" smtClean="0"/>
+              <a:t>MySQL</a:t>
+            </a:r>
+            <a:endParaRPr lang="en-US" sz="4000" dirty="0"/>
+          </a:p>
+        </p:txBody>
+      </p:sp>
+      <p:sp>
+        <p:nvSpPr>
+          <p:cNvPr id="3" name="Content Placeholder 2"/>
+          <p:cNvSpPr>
+            <a:spLocks noGrp="1"/>
+          </p:cNvSpPr>
+          <p:nvPr>
+            <p:ph idx="1"/>
+          </p:nvPr>
+        </p:nvSpPr>
+        <p:spPr>
+          <a:xfrm>
+            <a:off x="457200" y="1430867"/>
+            <a:ext cx="8229600" cy="4525963"/>
+          </a:xfrm>
+        </p:spPr>
+        <p:txBody>
+          <a:bodyPr/>
+          <a:lstStyle/>
+          <a:p>
+            <a:pPr marL="0" indent="0">
+              <a:lnSpc>
+                <a:spcPct val="90000"/>
+              </a:lnSpc>
+              <a:buNone/>
+            </a:pPr>
+            <a:r>
+              <a:rPr lang="en-US" sz="2200" b="1" dirty="0">
+                <a:ln w="1905"/>
+                <a:gradFill>
+                  <a:gsLst>
+                    <a:gs pos="0">
+                      <a:schemeClr val="accent6">
+                        <a:shade val="20000"/>
+                        <a:satMod val="200000"/>
+                      </a:schemeClr>
+                    </a:gs>
+                    <a:gs pos="78000">
+                      <a:schemeClr val="accent6">
+                        <a:tint val="90000"/>
+                        <a:shade val="89000"/>
+                        <a:satMod val="220000"/>
+                      </a:schemeClr>
+                    </a:gs>
+                    <a:gs pos="100000">
+                      <a:schemeClr val="accent6">
+                        <a:tint val="12000"/>
+                        <a:satMod val="255000"/>
+                      </a:schemeClr>
+                    </a:gs>
+                  </a:gsLst>
+                  <a:lin ang="5400000"/>
+                </a:gradFill>
+                <a:effectLst>
+                  <a:innerShdw blurRad="69850" dist="43180" dir="5400000">
+                    <a:srgbClr val="000000">
+                      <a:alpha val="65000"/>
+                    </a:srgbClr>
+                  </a:innerShdw>
+                </a:effectLst>
+              </a:rPr>
+              <a:t>&lt;?</a:t>
+            </a:r>
+            <a:r>
+              <a:rPr lang="en-US" sz="2200" b="1" dirty="0" err="1">
+                <a:ln w="1905"/>
+                <a:gradFill>
+                  <a:gsLst>
+                    <a:gs pos="0">
+                      <a:schemeClr val="accent6">
+                        <a:shade val="20000"/>
+                        <a:satMod val="200000"/>
+                      </a:schemeClr>
+                    </a:gs>
+                    <a:gs pos="78000">
+                      <a:schemeClr val="accent6">
+                        <a:tint val="90000"/>
+                        <a:shade val="89000"/>
+                        <a:satMod val="220000"/>
+                      </a:schemeClr>
+                    </a:gs>
+                    <a:gs pos="100000">
+                      <a:schemeClr val="accent6">
+                        <a:tint val="12000"/>
+                        <a:satMod val="255000"/>
+                      </a:schemeClr>
+                    </a:gs>
+                  </a:gsLst>
+                  <a:lin ang="5400000"/>
+                </a:gradFill>
+                <a:effectLst>
+                  <a:innerShdw blurRad="69850" dist="43180" dir="5400000">
+                    <a:srgbClr val="000000">
+                      <a:alpha val="65000"/>
+                    </a:srgbClr>
+                  </a:innerShdw>
+                </a:effectLst>
+              </a:rPr>
+              <a:t>php</a:t>
+            </a:r>
+            <a:endParaRPr lang="en-US" sz="2200" b="1" dirty="0">
+              <a:ln w="1905"/>
+              <a:gradFill>
+                <a:gsLst>
+                  <a:gs pos="0">
+                    <a:schemeClr val="accent6">
+                      <a:shade val="20000"/>
+                      <a:satMod val="200000"/>
+                    </a:schemeClr>
+                  </a:gs>
+                  <a:gs pos="78000">
+                    <a:schemeClr val="accent6">
+                      <a:tint val="90000"/>
+                      <a:shade val="89000"/>
+                      <a:satMod val="220000"/>
+                    </a:schemeClr>
+                  </a:gs>
+                  <a:gs pos="100000">
+                    <a:schemeClr val="accent6">
+                      <a:tint val="12000"/>
+                      <a:satMod val="255000"/>
+                    </a:schemeClr>
+                  </a:gs>
+                </a:gsLst>
+                <a:lin ang="5400000"/>
+              </a:gradFill>
+              <a:effectLst>
+                <a:innerShdw blurRad="69850" dist="43180" dir="5400000">
+                  <a:srgbClr val="000000">
+                    <a:alpha val="65000"/>
+                  </a:srgbClr>
+                </a:innerShdw>
+              </a:effectLst>
+            </a:endParaRPr>
+          </a:p>
+          <a:p>
+            <a:pPr marL="0" indent="0">
+              <a:lnSpc>
+                <a:spcPct val="90000"/>
+              </a:lnSpc>
+              <a:buNone/>
+            </a:pPr>
+            <a:r>
+              <a:rPr lang="en-US" sz="2200" b="1" dirty="0">
+                <a:ln w="1905"/>
+                <a:gradFill>
+                  <a:gsLst>
+                    <a:gs pos="0">
+                      <a:schemeClr val="accent6">
+                        <a:shade val="20000"/>
+                        <a:satMod val="200000"/>
+                      </a:schemeClr>
+                    </a:gs>
+                    <a:gs pos="78000">
+                      <a:schemeClr val="accent6">
+                        <a:tint val="90000"/>
+                        <a:shade val="89000"/>
+                        <a:satMod val="220000"/>
+                      </a:schemeClr>
+                    </a:gs>
+                    <a:gs pos="100000">
+                      <a:schemeClr val="accent6">
+                        <a:tint val="12000"/>
+                        <a:satMod val="255000"/>
+                      </a:schemeClr>
+                    </a:gs>
+                  </a:gsLst>
+                  <a:lin ang="5400000"/>
+                </a:gradFill>
+                <a:effectLst>
+                  <a:innerShdw blurRad="69850" dist="43180" dir="5400000">
+                    <a:srgbClr val="000000">
+                      <a:alpha val="65000"/>
+                    </a:srgbClr>
+                  </a:innerShdw>
+                </a:effectLst>
+              </a:rPr>
+              <a:t>// Make a MySQL Connection</a:t>
+            </a:r>
+          </a:p>
+          <a:p>
+            <a:pPr marL="0" indent="0">
+              <a:lnSpc>
+                <a:spcPct val="90000"/>
+              </a:lnSpc>
+              <a:buNone/>
+            </a:pPr>
+            <a:r>
+              <a:rPr lang="en-US" sz="2200" b="1" dirty="0" err="1">
+                <a:ln w="1905"/>
+                <a:gradFill>
+                  <a:gsLst>
+                    <a:gs pos="0">
+                      <a:schemeClr val="accent6">
+                        <a:shade val="20000"/>
+                        <a:satMod val="200000"/>
+                      </a:schemeClr>
+                    </a:gs>
+                    <a:gs pos="78000">
+                      <a:schemeClr val="accent6">
+                        <a:tint val="90000"/>
+                        <a:shade val="89000"/>
+                        <a:satMod val="220000"/>
+                      </a:schemeClr>
+                    </a:gs>
+                    <a:gs pos="100000">
+                      <a:schemeClr val="accent6">
+                        <a:tint val="12000"/>
+                        <a:satMod val="255000"/>
+                      </a:schemeClr>
+                    </a:gs>
+                  </a:gsLst>
+                  <a:lin ang="5400000"/>
+                </a:gradFill>
+                <a:effectLst>
+                  <a:innerShdw blurRad="69850" dist="43180" dir="5400000">
+                    <a:srgbClr val="000000">
+                      <a:alpha val="65000"/>
+                    </a:srgbClr>
+                  </a:innerShdw>
+                </a:effectLst>
+              </a:rPr>
+              <a:t>mysql_connect</a:t>
+            </a:r>
+            <a:r>
+              <a:rPr lang="en-US" sz="2200" b="1" dirty="0">
+                <a:ln w="1905"/>
+                <a:gradFill>
+                  <a:gsLst>
+                    <a:gs pos="0">
+                      <a:schemeClr val="accent6">
+                        <a:shade val="20000"/>
+                        <a:satMod val="200000"/>
+                      </a:schemeClr>
+                    </a:gs>
+                    <a:gs pos="78000">
+                      <a:schemeClr val="accent6">
+                        <a:tint val="90000"/>
+                        <a:shade val="89000"/>
+                        <a:satMod val="220000"/>
+                      </a:schemeClr>
+                    </a:gs>
+                    <a:gs pos="100000">
+                      <a:schemeClr val="accent6">
+                        <a:tint val="12000"/>
+                        <a:satMod val="255000"/>
+                      </a:schemeClr>
+                    </a:gs>
+                  </a:gsLst>
+                  <a:lin ang="5400000"/>
+                </a:gradFill>
+                <a:effectLst>
+                  <a:innerShdw blurRad="69850" dist="43180" dir="5400000">
+                    <a:srgbClr val="000000">
+                      <a:alpha val="65000"/>
+                    </a:srgbClr>
+                  </a:innerShdw>
+                </a:effectLst>
+              </a:rPr>
+              <a:t>('server', 'user', 'password') or die(</a:t>
+            </a:r>
+            <a:r>
+              <a:rPr lang="en-US" sz="2200" b="1" dirty="0" err="1">
+                <a:ln w="1905"/>
+                <a:gradFill>
+                  <a:gsLst>
+                    <a:gs pos="0">
+                      <a:schemeClr val="accent6">
+                        <a:shade val="20000"/>
+                        <a:satMod val="200000"/>
+                      </a:schemeClr>
+                    </a:gs>
+                    <a:gs pos="78000">
+                      <a:schemeClr val="accent6">
+                        <a:tint val="90000"/>
+                        <a:shade val="89000"/>
+                        <a:satMod val="220000"/>
+                      </a:schemeClr>
+                    </a:gs>
+                    <a:gs pos="100000">
+                      <a:schemeClr val="accent6">
+                        <a:tint val="12000"/>
+                        <a:satMod val="255000"/>
+                      </a:schemeClr>
+                    </a:gs>
+                  </a:gsLst>
+                  <a:lin ang="5400000"/>
+                </a:gradFill>
+                <a:effectLst>
+                  <a:innerShdw blurRad="69850" dist="43180" dir="5400000">
+                    <a:srgbClr val="000000">
+                      <a:alpha val="65000"/>
+                    </a:srgbClr>
+                  </a:innerShdw>
+                </a:effectLst>
+              </a:rPr>
+              <a:t>mysql_error</a:t>
+            </a:r>
+            <a:r>
+              <a:rPr lang="en-US" sz="2200" b="1" dirty="0">
+                <a:ln w="1905"/>
+                <a:gradFill>
+                  <a:gsLst>
+                    <a:gs pos="0">
+                      <a:schemeClr val="accent6">
+                        <a:shade val="20000"/>
+                        <a:satMod val="200000"/>
+                      </a:schemeClr>
+                    </a:gs>
+                    <a:gs pos="78000">
+                      <a:schemeClr val="accent6">
+                        <a:tint val="90000"/>
+                        <a:shade val="89000"/>
+                        <a:satMod val="220000"/>
+                      </a:schemeClr>
+                    </a:gs>
+                    <a:gs pos="100000">
+                      <a:schemeClr val="accent6">
+                        <a:tint val="12000"/>
+                        <a:satMod val="255000"/>
+                      </a:schemeClr>
+                    </a:gs>
+                  </a:gsLst>
+                  <a:lin ang="5400000"/>
+                </a:gradFill>
+                <a:effectLst>
+                  <a:innerShdw blurRad="69850" dist="43180" dir="5400000">
+                    <a:srgbClr val="000000">
+                      <a:alpha val="65000"/>
+                    </a:srgbClr>
+                  </a:innerShdw>
+                </a:effectLst>
+              </a:rPr>
+              <a:t>());</a:t>
+            </a:r>
+          </a:p>
+          <a:p>
+            <a:pPr marL="0" indent="0">
+              <a:lnSpc>
+                <a:spcPct val="90000"/>
+              </a:lnSpc>
+              <a:buNone/>
+            </a:pPr>
+            <a:r>
+              <a:rPr lang="en-US" sz="2200" b="1" dirty="0" err="1">
+                <a:ln w="1905"/>
+                <a:gradFill>
+                  <a:gsLst>
+                    <a:gs pos="0">
+                      <a:schemeClr val="accent6">
+                        <a:shade val="20000"/>
+                        <a:satMod val="200000"/>
+                      </a:schemeClr>
+                    </a:gs>
+                    <a:gs pos="78000">
+                      <a:schemeClr val="accent6">
+                        <a:tint val="90000"/>
+                        <a:shade val="89000"/>
+                        <a:satMod val="220000"/>
+                      </a:schemeClr>
+                    </a:gs>
+                    <a:gs pos="100000">
+                      <a:schemeClr val="accent6">
+                        <a:tint val="12000"/>
+                        <a:satMod val="255000"/>
+                      </a:schemeClr>
+                    </a:gs>
+                  </a:gsLst>
+                  <a:lin ang="5400000"/>
+                </a:gradFill>
+                <a:effectLst>
+                  <a:innerShdw blurRad="69850" dist="43180" dir="5400000">
+                    <a:srgbClr val="000000">
+                      <a:alpha val="65000"/>
+                    </a:srgbClr>
+                  </a:innerShdw>
+                </a:effectLst>
+              </a:rPr>
+              <a:t>mysql_select_db</a:t>
+            </a:r>
+            <a:r>
+              <a:rPr lang="en-US" sz="2200" b="1" dirty="0">
+                <a:ln w="1905"/>
+                <a:gradFill>
+                  <a:gsLst>
+                    <a:gs pos="0">
+                      <a:schemeClr val="accent6">
+                        <a:shade val="20000"/>
+                        <a:satMod val="200000"/>
+                      </a:schemeClr>
+                    </a:gs>
+                    <a:gs pos="78000">
+                      <a:schemeClr val="accent6">
+                        <a:tint val="90000"/>
+                        <a:shade val="89000"/>
+                        <a:satMod val="220000"/>
+                      </a:schemeClr>
+                    </a:gs>
+                    <a:gs pos="100000">
+                      <a:schemeClr val="accent6">
+                        <a:tint val="12000"/>
+                        <a:satMod val="255000"/>
+                      </a:schemeClr>
+                    </a:gs>
+                  </a:gsLst>
+                  <a:lin ang="5400000"/>
+                </a:gradFill>
+                <a:effectLst>
+                  <a:innerShdw blurRad="69850" dist="43180" dir="5400000">
+                    <a:srgbClr val="000000">
+                      <a:alpha val="65000"/>
+                    </a:srgbClr>
+                  </a:innerShdw>
+                </a:effectLst>
+              </a:rPr>
+              <a:t>('test') or die(</a:t>
+            </a:r>
+            <a:r>
+              <a:rPr lang="en-US" sz="2200" b="1" dirty="0" err="1">
+                <a:ln w="1905"/>
+                <a:gradFill>
+                  <a:gsLst>
+                    <a:gs pos="0">
+                      <a:schemeClr val="accent6">
+                        <a:shade val="20000"/>
+                        <a:satMod val="200000"/>
+                      </a:schemeClr>
+                    </a:gs>
+                    <a:gs pos="78000">
+                      <a:schemeClr val="accent6">
+                        <a:tint val="90000"/>
+                        <a:shade val="89000"/>
+                        <a:satMod val="220000"/>
+                      </a:schemeClr>
+                    </a:gs>
+                    <a:gs pos="100000">
+                      <a:schemeClr val="accent6">
+                        <a:tint val="12000"/>
+                        <a:satMod val="255000"/>
+                      </a:schemeClr>
+                    </a:gs>
+                  </a:gsLst>
+                  <a:lin ang="5400000"/>
+                </a:gradFill>
+                <a:effectLst>
+                  <a:innerShdw blurRad="69850" dist="43180" dir="5400000">
+                    <a:srgbClr val="000000">
+                      <a:alpha val="65000"/>
+                    </a:srgbClr>
+                  </a:innerShdw>
+                </a:effectLst>
+              </a:rPr>
+              <a:t>mysql_error</a:t>
+            </a:r>
+            <a:r>
+              <a:rPr lang="en-US" sz="2200" b="1" dirty="0">
+                <a:ln w="1905"/>
+                <a:gradFill>
+                  <a:gsLst>
+                    <a:gs pos="0">
+                      <a:schemeClr val="accent6">
+                        <a:shade val="20000"/>
+                        <a:satMod val="200000"/>
+                      </a:schemeClr>
+                    </a:gs>
+                    <a:gs pos="78000">
+                      <a:schemeClr val="accent6">
+                        <a:tint val="90000"/>
+                        <a:shade val="89000"/>
+                        <a:satMod val="220000"/>
+                      </a:schemeClr>
+                    </a:gs>
+                    <a:gs pos="100000">
+                      <a:schemeClr val="accent6">
+                        <a:tint val="12000"/>
+                        <a:satMod val="255000"/>
+                      </a:schemeClr>
+                    </a:gs>
+                  </a:gsLst>
+                  <a:lin ang="5400000"/>
+                </a:gradFill>
+                <a:effectLst>
+                  <a:innerShdw blurRad="69850" dist="43180" dir="5400000">
+                    <a:srgbClr val="000000">
+                      <a:alpha val="65000"/>
+                    </a:srgbClr>
+                  </a:innerShdw>
+                </a:effectLst>
+              </a:rPr>
+              <a:t>());</a:t>
+            </a:r>
+          </a:p>
+          <a:p>
+            <a:pPr marL="0" indent="0">
+              <a:lnSpc>
+                <a:spcPct val="90000"/>
+              </a:lnSpc>
+              <a:buNone/>
+            </a:pPr>
+            <a:r>
+              <a:rPr lang="en-US" sz="2200" b="1" dirty="0">
+                <a:ln w="1905"/>
+                <a:gradFill>
+                  <a:gsLst>
+                    <a:gs pos="0">
+                      <a:schemeClr val="accent6">
+                        <a:shade val="20000"/>
+                        <a:satMod val="200000"/>
+                      </a:schemeClr>
+                    </a:gs>
+                    <a:gs pos="78000">
+                      <a:schemeClr val="accent6">
+                        <a:tint val="90000"/>
+                        <a:shade val="89000"/>
+                        <a:satMod val="220000"/>
+                      </a:schemeClr>
+                    </a:gs>
+                    <a:gs pos="100000">
+                      <a:schemeClr val="accent6">
+                        <a:tint val="12000"/>
+                        <a:satMod val="255000"/>
+                      </a:schemeClr>
+                    </a:gs>
+                  </a:gsLst>
+                  <a:lin ang="5400000"/>
+                </a:gradFill>
+                <a:effectLst>
+                  <a:innerShdw blurRad="69850" dist="43180" dir="5400000">
+                    <a:srgbClr val="000000">
+                      <a:alpha val="65000"/>
+                    </a:srgbClr>
+                  </a:innerShdw>
+                </a:effectLst>
+              </a:rPr>
+              <a:t>// Retrieve all the data from the 'example' table</a:t>
+            </a:r>
+          </a:p>
+          <a:p>
+            <a:pPr marL="0" indent="0">
+              <a:lnSpc>
+                <a:spcPct val="90000"/>
+              </a:lnSpc>
+              <a:buNone/>
+            </a:pPr>
+            <a:r>
+              <a:rPr lang="en-US" sz="2200" b="1" dirty="0">
+                <a:ln w="1905"/>
+                <a:gradFill>
+                  <a:gsLst>
+                    <a:gs pos="0">
+                      <a:schemeClr val="accent6">
+                        <a:shade val="20000"/>
+                        <a:satMod val="200000"/>
+                      </a:schemeClr>
+                    </a:gs>
+                    <a:gs pos="78000">
+                      <a:schemeClr val="accent6">
+                        <a:tint val="90000"/>
+                        <a:shade val="89000"/>
+                        <a:satMod val="220000"/>
+                      </a:schemeClr>
+                    </a:gs>
+                    <a:gs pos="100000">
+                      <a:schemeClr val="accent6">
+                        <a:tint val="12000"/>
+                        <a:satMod val="255000"/>
+                      </a:schemeClr>
+                    </a:gs>
+                  </a:gsLst>
+                  <a:lin ang="5400000"/>
+                </a:gradFill>
+                <a:effectLst>
+                  <a:innerShdw blurRad="69850" dist="43180" dir="5400000">
+                    <a:srgbClr val="000000">
+                      <a:alpha val="65000"/>
+                    </a:srgbClr>
+                  </a:innerShdw>
+                </a:effectLst>
+              </a:rPr>
+              <a:t>$result = </a:t>
+            </a:r>
+            <a:r>
+              <a:rPr lang="en-US" sz="2200" b="1" dirty="0" err="1">
+                <a:ln w="1905"/>
+                <a:gradFill>
+                  <a:gsLst>
+                    <a:gs pos="0">
+                      <a:schemeClr val="accent6">
+                        <a:shade val="20000"/>
+                        <a:satMod val="200000"/>
+                      </a:schemeClr>
+                    </a:gs>
+                    <a:gs pos="78000">
+                      <a:schemeClr val="accent6">
+                        <a:tint val="90000"/>
+                        <a:shade val="89000"/>
+                        <a:satMod val="220000"/>
+                      </a:schemeClr>
+                    </a:gs>
+                    <a:gs pos="100000">
+                      <a:schemeClr val="accent6">
+                        <a:tint val="12000"/>
+                        <a:satMod val="255000"/>
+                      </a:schemeClr>
+                    </a:gs>
+                  </a:gsLst>
+                  <a:lin ang="5400000"/>
+                </a:gradFill>
+                <a:effectLst>
+                  <a:innerShdw blurRad="69850" dist="43180" dir="5400000">
+                    <a:srgbClr val="000000">
+                      <a:alpha val="65000"/>
+                    </a:srgbClr>
+                  </a:innerShdw>
+                </a:effectLst>
+              </a:rPr>
+              <a:t>mysql_query</a:t>
+            </a:r>
+            <a:r>
+              <a:rPr lang="en-US" sz="2200" b="1" dirty="0">
+                <a:ln w="1905"/>
+                <a:gradFill>
+                  <a:gsLst>
+                    <a:gs pos="0">
+                      <a:schemeClr val="accent6">
+                        <a:shade val="20000"/>
+                        <a:satMod val="200000"/>
+                      </a:schemeClr>
+                    </a:gs>
+                    <a:gs pos="78000">
+                      <a:schemeClr val="accent6">
+                        <a:tint val="90000"/>
+                        <a:shade val="89000"/>
+                        <a:satMod val="220000"/>
+                      </a:schemeClr>
+                    </a:gs>
+                    <a:gs pos="100000">
+                      <a:schemeClr val="accent6">
+                        <a:tint val="12000"/>
+                        <a:satMod val="255000"/>
+                      </a:schemeClr>
+                    </a:gs>
+                  </a:gsLst>
+                  <a:lin ang="5400000"/>
+                </a:gradFill>
+                <a:effectLst>
+                  <a:innerShdw blurRad="69850" dist="43180" dir="5400000">
+                    <a:srgbClr val="000000">
+                      <a:alpha val="65000"/>
+                    </a:srgbClr>
+                  </a:innerShdw>
+                </a:effectLst>
+              </a:rPr>
+              <a:t>('SELECT * FROM example') or die(</a:t>
+            </a:r>
+            <a:r>
+              <a:rPr lang="en-US" sz="2200" b="1" dirty="0" err="1">
+                <a:ln w="1905"/>
+                <a:gradFill>
+                  <a:gsLst>
+                    <a:gs pos="0">
+                      <a:schemeClr val="accent6">
+                        <a:shade val="20000"/>
+                        <a:satMod val="200000"/>
+                      </a:schemeClr>
+                    </a:gs>
+                    <a:gs pos="78000">
+                      <a:schemeClr val="accent6">
+                        <a:tint val="90000"/>
+                        <a:shade val="89000"/>
+                        <a:satMod val="220000"/>
+                      </a:schemeClr>
+                    </a:gs>
+                    <a:gs pos="100000">
+                      <a:schemeClr val="accent6">
+                        <a:tint val="12000"/>
+                        <a:satMod val="255000"/>
+                      </a:schemeClr>
+                    </a:gs>
+                  </a:gsLst>
+                  <a:lin ang="5400000"/>
+                </a:gradFill>
+                <a:effectLst>
+                  <a:innerShdw blurRad="69850" dist="43180" dir="5400000">
+                    <a:srgbClr val="000000">
+                      <a:alpha val="65000"/>
+                    </a:srgbClr>
+                  </a:innerShdw>
+                </a:effectLst>
+              </a:rPr>
+              <a:t>mysql_error</a:t>
+            </a:r>
+            <a:r>
+              <a:rPr lang="en-US" sz="2200" b="1" dirty="0">
+                <a:ln w="1905"/>
+                <a:gradFill>
+                  <a:gsLst>
+                    <a:gs pos="0">
+                      <a:schemeClr val="accent6">
+                        <a:shade val="20000"/>
+                        <a:satMod val="200000"/>
+                      </a:schemeClr>
+                    </a:gs>
+                    <a:gs pos="78000">
+                      <a:schemeClr val="accent6">
+                        <a:tint val="90000"/>
+                        <a:shade val="89000"/>
+                        <a:satMod val="220000"/>
+                      </a:schemeClr>
+                    </a:gs>
+                    <a:gs pos="100000">
+                      <a:schemeClr val="accent6">
+                        <a:tint val="12000"/>
+                        <a:satMod val="255000"/>
+                      </a:schemeClr>
+                    </a:gs>
+                  </a:gsLst>
+                  <a:lin ang="5400000"/>
+                </a:gradFill>
+                <a:effectLst>
+                  <a:innerShdw blurRad="69850" dist="43180" dir="5400000">
+                    <a:srgbClr val="000000">
+                      <a:alpha val="65000"/>
+                    </a:srgbClr>
+                  </a:innerShdw>
+                </a:effectLst>
+              </a:rPr>
+              <a:t>()); </a:t>
+            </a:r>
+          </a:p>
+          <a:p>
+            <a:pPr marL="0" indent="0">
+              <a:lnSpc>
+                <a:spcPct val="90000"/>
+              </a:lnSpc>
+              <a:buNone/>
+            </a:pPr>
+            <a:r>
+              <a:rPr lang="en-US" sz="2200" b="1" dirty="0">
+                <a:ln w="1905"/>
+                <a:gradFill>
+                  <a:gsLst>
+                    <a:gs pos="0">
+                      <a:schemeClr val="accent6">
+                        <a:shade val="20000"/>
+                        <a:satMod val="200000"/>
+                      </a:schemeClr>
+                    </a:gs>
+                    <a:gs pos="78000">
+                      <a:schemeClr val="accent6">
+                        <a:tint val="90000"/>
+                        <a:shade val="89000"/>
+                        <a:satMod val="220000"/>
+                      </a:schemeClr>
+                    </a:gs>
+                    <a:gs pos="100000">
+                      <a:schemeClr val="accent6">
+                        <a:tint val="12000"/>
+                        <a:satMod val="255000"/>
+                      </a:schemeClr>
+                    </a:gs>
+                  </a:gsLst>
+                  <a:lin ang="5400000"/>
+                </a:gradFill>
+                <a:effectLst>
+                  <a:innerShdw blurRad="69850" dist="43180" dir="5400000">
+                    <a:srgbClr val="000000">
+                      <a:alpha val="65000"/>
+                    </a:srgbClr>
+                  </a:innerShdw>
+                </a:effectLst>
+              </a:rPr>
+              <a:t>// store the record of the 'example' table into $row</a:t>
+            </a:r>
+          </a:p>
+          <a:p>
+            <a:pPr marL="0" indent="0">
+              <a:lnSpc>
+                <a:spcPct val="90000"/>
+              </a:lnSpc>
+              <a:buNone/>
+            </a:pPr>
+            <a:r>
+              <a:rPr lang="en-US" sz="2200" b="1" dirty="0">
+                <a:ln w="1905"/>
+                <a:gradFill>
+                  <a:gsLst>
+                    <a:gs pos="0">
+                      <a:schemeClr val="accent6">
+                        <a:shade val="20000"/>
+                        <a:satMod val="200000"/>
+                      </a:schemeClr>
+                    </a:gs>
+                    <a:gs pos="78000">
+                      <a:schemeClr val="accent6">
+                        <a:tint val="90000"/>
+                        <a:shade val="89000"/>
+                        <a:satMod val="220000"/>
+                      </a:schemeClr>
+                    </a:gs>
+                    <a:gs pos="100000">
+                      <a:schemeClr val="accent6">
+                        <a:tint val="12000"/>
+                        <a:satMod val="255000"/>
+                      </a:schemeClr>
+                    </a:gs>
+                  </a:gsLst>
+                  <a:lin ang="5400000"/>
+                </a:gradFill>
+                <a:effectLst>
+                  <a:innerShdw blurRad="69850" dist="43180" dir="5400000">
+                    <a:srgbClr val="000000">
+                      <a:alpha val="65000"/>
+                    </a:srgbClr>
+                  </a:innerShdw>
+                </a:effectLst>
+              </a:rPr>
+              <a:t>$row = </a:t>
+            </a:r>
+            <a:r>
+              <a:rPr lang="en-US" sz="2200" b="1" dirty="0" err="1">
+                <a:ln w="1905"/>
+                <a:gradFill>
+                  <a:gsLst>
+                    <a:gs pos="0">
+                      <a:schemeClr val="accent6">
+                        <a:shade val="20000"/>
+                        <a:satMod val="200000"/>
+                      </a:schemeClr>
+                    </a:gs>
+                    <a:gs pos="78000">
+                      <a:schemeClr val="accent6">
+                        <a:tint val="90000"/>
+                        <a:shade val="89000"/>
+                        <a:satMod val="220000"/>
+                      </a:schemeClr>
+                    </a:gs>
+                    <a:gs pos="100000">
+                      <a:schemeClr val="accent6">
+                        <a:tint val="12000"/>
+                        <a:satMod val="255000"/>
+                      </a:schemeClr>
+                    </a:gs>
+                  </a:gsLst>
+                  <a:lin ang="5400000"/>
+                </a:gradFill>
+                <a:effectLst>
+                  <a:innerShdw blurRad="69850" dist="43180" dir="5400000">
+                    <a:srgbClr val="000000">
+                      <a:alpha val="65000"/>
+                    </a:srgbClr>
+                  </a:innerShdw>
+                </a:effectLst>
+              </a:rPr>
+              <a:t>mysql_fetch_array</a:t>
+            </a:r>
+            <a:r>
+              <a:rPr lang="en-US" sz="2200" b="1" dirty="0">
+                <a:ln w="1905"/>
+                <a:gradFill>
+                  <a:gsLst>
+                    <a:gs pos="0">
+                      <a:schemeClr val="accent6">
+                        <a:shade val="20000"/>
+                        <a:satMod val="200000"/>
+                      </a:schemeClr>
+                    </a:gs>
+                    <a:gs pos="78000">
+                      <a:schemeClr val="accent6">
+                        <a:tint val="90000"/>
+                        <a:shade val="89000"/>
+                        <a:satMod val="220000"/>
+                      </a:schemeClr>
+                    </a:gs>
+                    <a:gs pos="100000">
+                      <a:schemeClr val="accent6">
+                        <a:tint val="12000"/>
+                        <a:satMod val="255000"/>
+                      </a:schemeClr>
+                    </a:gs>
+                  </a:gsLst>
+                  <a:lin ang="5400000"/>
+                </a:gradFill>
+                <a:effectLst>
+                  <a:innerShdw blurRad="69850" dist="43180" dir="5400000">
+                    <a:srgbClr val="000000">
+                      <a:alpha val="65000"/>
+                    </a:srgbClr>
+                  </a:innerShdw>
+                </a:effectLst>
+              </a:rPr>
+              <a:t>( $result );</a:t>
+            </a:r>
+          </a:p>
+          <a:p>
+            <a:pPr marL="0" indent="0">
+              <a:lnSpc>
+                <a:spcPct val="90000"/>
+              </a:lnSpc>
+              <a:buNone/>
+            </a:pPr>
+            <a:r>
+              <a:rPr lang="en-US" sz="2200" b="1" dirty="0">
+                <a:ln w="1905"/>
+                <a:gradFill>
+                  <a:gsLst>
+                    <a:gs pos="0">
+                      <a:schemeClr val="accent6">
+                        <a:shade val="20000"/>
+                        <a:satMod val="200000"/>
+                      </a:schemeClr>
+                    </a:gs>
+                    <a:gs pos="78000">
+                      <a:schemeClr val="accent6">
+                        <a:tint val="90000"/>
+                        <a:shade val="89000"/>
+                        <a:satMod val="220000"/>
+                      </a:schemeClr>
+                    </a:gs>
+                    <a:gs pos="100000">
+                      <a:schemeClr val="accent6">
+                        <a:tint val="12000"/>
+                        <a:satMod val="255000"/>
+                      </a:schemeClr>
+                    </a:gs>
+                  </a:gsLst>
+                  <a:lin ang="5400000"/>
+                </a:gradFill>
+                <a:effectLst>
+                  <a:innerShdw blurRad="69850" dist="43180" dir="5400000">
+                    <a:srgbClr val="000000">
+                      <a:alpha val="65000"/>
+                    </a:srgbClr>
+                  </a:innerShdw>
+                </a:effectLst>
+              </a:rPr>
+              <a:t>// Print out the contents of the entry </a:t>
+            </a:r>
+          </a:p>
+          <a:p>
+            <a:pPr marL="0" indent="0">
+              <a:lnSpc>
+                <a:spcPct val="90000"/>
+              </a:lnSpc>
+              <a:buNone/>
+            </a:pPr>
+            <a:r>
+              <a:rPr lang="en-US" sz="2200" b="1" dirty="0">
+                <a:ln w="1905"/>
+                <a:gradFill>
+                  <a:gsLst>
+                    <a:gs pos="0">
+                      <a:schemeClr val="accent6">
+                        <a:shade val="20000"/>
+                        <a:satMod val="200000"/>
+                      </a:schemeClr>
+                    </a:gs>
+                    <a:gs pos="78000">
+                      <a:schemeClr val="accent6">
+                        <a:tint val="90000"/>
+                        <a:shade val="89000"/>
+                        <a:satMod val="220000"/>
+                      </a:schemeClr>
+                    </a:gs>
+                    <a:gs pos="100000">
+                      <a:schemeClr val="accent6">
+                        <a:tint val="12000"/>
+                        <a:satMod val="255000"/>
+                      </a:schemeClr>
+                    </a:gs>
+                  </a:gsLst>
+                  <a:lin ang="5400000"/>
+                </a:gradFill>
+                <a:effectLst>
+                  <a:innerShdw blurRad="69850" dist="43180" dir="5400000">
+                    <a:srgbClr val="000000">
+                      <a:alpha val="65000"/>
+                    </a:srgbClr>
+                  </a:innerShdw>
+                </a:effectLst>
+              </a:rPr>
+              <a:t>echo 'Name: '.$row['name'];</a:t>
+            </a:r>
+          </a:p>
+          <a:p>
+            <a:pPr marL="0" indent="0">
+              <a:lnSpc>
+                <a:spcPct val="90000"/>
+              </a:lnSpc>
+              <a:buNone/>
+            </a:pPr>
+            <a:r>
+              <a:rPr lang="en-US" sz="2200" b="1" dirty="0">
+                <a:ln w="1905"/>
+                <a:gradFill>
+                  <a:gsLst>
+                    <a:gs pos="0">
+                      <a:schemeClr val="accent6">
+                        <a:shade val="20000"/>
+                        <a:satMod val="200000"/>
+                      </a:schemeClr>
+                    </a:gs>
+                    <a:gs pos="78000">
+                      <a:schemeClr val="accent6">
+                        <a:tint val="90000"/>
+                        <a:shade val="89000"/>
+                        <a:satMod val="220000"/>
+                      </a:schemeClr>
+                    </a:gs>
+                    <a:gs pos="100000">
+                      <a:schemeClr val="accent6">
+                        <a:tint val="12000"/>
+                        <a:satMod val="255000"/>
+                      </a:schemeClr>
+                    </a:gs>
+                  </a:gsLst>
+                  <a:lin ang="5400000"/>
+                </a:gradFill>
+                <a:effectLst>
+                  <a:innerShdw blurRad="69850" dist="43180" dir="5400000">
+                    <a:srgbClr val="000000">
+                      <a:alpha val="65000"/>
+                    </a:srgbClr>
+                  </a:innerShdw>
+                </a:effectLst>
+              </a:rPr>
+              <a:t>echo ' Age: '.$row['age'];</a:t>
+            </a:r>
+          </a:p>
+          <a:p>
+            <a:pPr marL="0" indent="0">
+              <a:lnSpc>
+                <a:spcPct val="90000"/>
+              </a:lnSpc>
+              <a:buNone/>
+            </a:pPr>
+            <a:r>
+              <a:rPr lang="en-US" sz="2200" b="1" dirty="0" smtClean="0">
+                <a:ln w="1905"/>
+                <a:gradFill>
+                  <a:gsLst>
+                    <a:gs pos="0">
+                      <a:schemeClr val="accent6">
+                        <a:shade val="20000"/>
+                        <a:satMod val="200000"/>
+                      </a:schemeClr>
+                    </a:gs>
+                    <a:gs pos="78000">
+                      <a:schemeClr val="accent6">
+                        <a:tint val="90000"/>
+                        <a:shade val="89000"/>
+                        <a:satMod val="220000"/>
+                      </a:schemeClr>
+                    </a:gs>
+                    <a:gs pos="100000">
+                      <a:schemeClr val="accent6">
+                        <a:tint val="12000"/>
+                        <a:satMod val="255000"/>
+                      </a:schemeClr>
+                    </a:gs>
+                  </a:gsLst>
+                  <a:lin ang="5400000"/>
+                </a:gradFill>
+                <a:effectLst>
+                  <a:innerShdw blurRad="69850" dist="43180" dir="5400000">
+                    <a:srgbClr val="000000">
+                      <a:alpha val="65000"/>
+                    </a:srgbClr>
+                  </a:innerShdw>
+                </a:effectLst>
+              </a:rPr>
+              <a:t>?&gt;</a:t>
+            </a:r>
+            <a:endParaRPr lang="en-US" sz="2200" b="1" dirty="0">
+              <a:ln w="1905"/>
+              <a:gradFill>
+                <a:gsLst>
+                  <a:gs pos="0">
+                    <a:schemeClr val="accent6">
+                      <a:shade val="20000"/>
+                      <a:satMod val="200000"/>
+                    </a:schemeClr>
+                  </a:gs>
+                  <a:gs pos="78000">
+                    <a:schemeClr val="accent6">
+                      <a:tint val="90000"/>
+                      <a:shade val="89000"/>
+                      <a:satMod val="220000"/>
+                    </a:schemeClr>
+                  </a:gs>
+                  <a:gs pos="100000">
+                    <a:schemeClr val="accent6">
+                      <a:tint val="12000"/>
+                      <a:satMod val="255000"/>
+                    </a:schemeClr>
+                  </a:gs>
+                </a:gsLst>
+                <a:lin ang="5400000"/>
+              </a:gradFill>
+              <a:effectLst>
+                <a:innerShdw blurRad="69850" dist="43180" dir="5400000">
+                  <a:srgbClr val="000000">
+                    <a:alpha val="65000"/>
+                  </a:srgbClr>
+                </a:innerShdw>
+              </a:effectLst>
+            </a:endParaRPr>
+          </a:p>
+        </p:txBody>
+      </p:sp>
+      <p:sp>
+        <p:nvSpPr>
+          <p:cNvPr id="4" name="TextBox 3"/>
+          <p:cNvSpPr txBox="1"/>
+          <p:nvPr/>
+        </p:nvSpPr>
+        <p:spPr>
+          <a:xfrm>
+            <a:off x="5023556" y="1933222"/>
+            <a:ext cx="184666" cy="369332"/>
+          </a:xfrm>
+          <a:prstGeom prst="rect">
+            <a:avLst/>
+          </a:prstGeom>
+          <a:noFill/>
+        </p:spPr>
+        <p:txBody>
+          <a:bodyPr wrap="none" rtlCol="0">
+            <a:spAutoFit/>
+          </a:bodyPr>
+          <a:lstStyle/>
+          <a:p>
+            <a:endParaRPr lang="en-US" dirty="0"/>
+          </a:p>
+        </p:txBody>
+      </p:sp>
+    </p:spTree>
+    <p:extLst>
+      <p:ext uri="{BB962C8B-B14F-4D97-AF65-F5344CB8AC3E}">
+        <p14:creationId xmlns:p14="http://schemas.microsoft.com/office/powerpoint/2010/main" val="3727003507"/>
       </p:ext>
     </p:extLst>
   </p:cSld>
@@ -20703,3247 +21961,6 @@
         </p:nvSpPr>
         <p:spPr>
           <a:xfrm>
-            <a:off x="457200" y="62973"/>
-            <a:ext cx="8229600" cy="1143000"/>
-          </a:xfrm>
-        </p:spPr>
-        <p:txBody>
-          <a:bodyPr/>
-          <a:lstStyle/>
-          <a:p>
-            <a:r>
-              <a:rPr lang="en-US" dirty="0" smtClean="0"/>
-              <a:t>MySQL query</a:t>
-            </a:r>
-            <a:endParaRPr lang="en-US" dirty="0"/>
-          </a:p>
-        </p:txBody>
-      </p:sp>
-      <p:sp>
-        <p:nvSpPr>
-          <p:cNvPr id="3" name="Content Placeholder 2"/>
-          <p:cNvSpPr>
-            <a:spLocks noGrp="1"/>
-          </p:cNvSpPr>
-          <p:nvPr>
-            <p:ph idx="1"/>
-          </p:nvPr>
-        </p:nvSpPr>
-        <p:spPr>
-          <a:xfrm>
-            <a:off x="457200" y="1430867"/>
-            <a:ext cx="8229600" cy="4525963"/>
-          </a:xfrm>
-        </p:spPr>
-        <p:txBody>
-          <a:bodyPr/>
-          <a:lstStyle/>
-          <a:p>
-            <a:pPr marL="0" indent="0">
-              <a:lnSpc>
-                <a:spcPct val="90000"/>
-              </a:lnSpc>
-              <a:buNone/>
-            </a:pPr>
-            <a:r>
-              <a:rPr lang="en-US" sz="1800" b="1" dirty="0">
-                <a:ln w="1905"/>
-                <a:gradFill>
-                  <a:gsLst>
-                    <a:gs pos="0">
-                      <a:schemeClr val="accent6">
-                        <a:shade val="20000"/>
-                        <a:satMod val="200000"/>
-                      </a:schemeClr>
-                    </a:gs>
-                    <a:gs pos="78000">
-                      <a:schemeClr val="accent6">
-                        <a:tint val="90000"/>
-                        <a:shade val="89000"/>
-                        <a:satMod val="220000"/>
-                      </a:schemeClr>
-                    </a:gs>
-                    <a:gs pos="100000">
-                      <a:schemeClr val="accent6">
-                        <a:tint val="12000"/>
-                        <a:satMod val="255000"/>
-                      </a:schemeClr>
-                    </a:gs>
-                  </a:gsLst>
-                  <a:lin ang="5400000"/>
-                </a:gradFill>
-                <a:effectLst>
-                  <a:innerShdw blurRad="69850" dist="43180" dir="5400000">
-                    <a:srgbClr val="000000">
-                      <a:alpha val="65000"/>
-                    </a:srgbClr>
-                  </a:innerShdw>
-                </a:effectLst>
-              </a:rPr>
-              <a:t>&lt;?</a:t>
-            </a:r>
-            <a:r>
-              <a:rPr lang="en-US" sz="1800" b="1" dirty="0" err="1">
-                <a:ln w="1905"/>
-                <a:gradFill>
-                  <a:gsLst>
-                    <a:gs pos="0">
-                      <a:schemeClr val="accent6">
-                        <a:shade val="20000"/>
-                        <a:satMod val="200000"/>
-                      </a:schemeClr>
-                    </a:gs>
-                    <a:gs pos="78000">
-                      <a:schemeClr val="accent6">
-                        <a:tint val="90000"/>
-                        <a:shade val="89000"/>
-                        <a:satMod val="220000"/>
-                      </a:schemeClr>
-                    </a:gs>
-                    <a:gs pos="100000">
-                      <a:schemeClr val="accent6">
-                        <a:tint val="12000"/>
-                        <a:satMod val="255000"/>
-                      </a:schemeClr>
-                    </a:gs>
-                  </a:gsLst>
-                  <a:lin ang="5400000"/>
-                </a:gradFill>
-                <a:effectLst>
-                  <a:innerShdw blurRad="69850" dist="43180" dir="5400000">
-                    <a:srgbClr val="000000">
-                      <a:alpha val="65000"/>
-                    </a:srgbClr>
-                  </a:innerShdw>
-                </a:effectLst>
-              </a:rPr>
-              <a:t>php</a:t>
-            </a:r>
-            <a:endParaRPr lang="en-US" sz="1800" b="1" dirty="0">
-              <a:ln w="1905"/>
-              <a:gradFill>
-                <a:gsLst>
-                  <a:gs pos="0">
-                    <a:schemeClr val="accent6">
-                      <a:shade val="20000"/>
-                      <a:satMod val="200000"/>
-                    </a:schemeClr>
-                  </a:gs>
-                  <a:gs pos="78000">
-                    <a:schemeClr val="accent6">
-                      <a:tint val="90000"/>
-                      <a:shade val="89000"/>
-                      <a:satMod val="220000"/>
-                    </a:schemeClr>
-                  </a:gs>
-                  <a:gs pos="100000">
-                    <a:schemeClr val="accent6">
-                      <a:tint val="12000"/>
-                      <a:satMod val="255000"/>
-                    </a:schemeClr>
-                  </a:gs>
-                </a:gsLst>
-                <a:lin ang="5400000"/>
-              </a:gradFill>
-              <a:effectLst>
-                <a:innerShdw blurRad="69850" dist="43180" dir="5400000">
-                  <a:srgbClr val="000000">
-                    <a:alpha val="65000"/>
-                  </a:srgbClr>
-                </a:innerShdw>
-              </a:effectLst>
-            </a:endParaRPr>
-          </a:p>
-          <a:p>
-            <a:pPr marL="0" indent="0">
-              <a:lnSpc>
-                <a:spcPct val="90000"/>
-              </a:lnSpc>
-              <a:buNone/>
-            </a:pPr>
-            <a:r>
-              <a:rPr lang="en-US" sz="1800" b="1" dirty="0">
-                <a:ln w="1905"/>
-                <a:gradFill>
-                  <a:gsLst>
-                    <a:gs pos="0">
-                      <a:schemeClr val="accent6">
-                        <a:shade val="20000"/>
-                        <a:satMod val="200000"/>
-                      </a:schemeClr>
-                    </a:gs>
-                    <a:gs pos="78000">
-                      <a:schemeClr val="accent6">
-                        <a:tint val="90000"/>
-                        <a:shade val="89000"/>
-                        <a:satMod val="220000"/>
-                      </a:schemeClr>
-                    </a:gs>
-                    <a:gs pos="100000">
-                      <a:schemeClr val="accent6">
-                        <a:tint val="12000"/>
-                        <a:satMod val="255000"/>
-                      </a:schemeClr>
-                    </a:gs>
-                  </a:gsLst>
-                  <a:lin ang="5400000"/>
-                </a:gradFill>
-                <a:effectLst>
-                  <a:innerShdw blurRad="69850" dist="43180" dir="5400000">
-                    <a:srgbClr val="000000">
-                      <a:alpha val="65000"/>
-                    </a:srgbClr>
-                  </a:innerShdw>
-                </a:effectLst>
-              </a:rPr>
-              <a:t>// Make a MySQL Connection</a:t>
-            </a:r>
-          </a:p>
-          <a:p>
-            <a:pPr marL="0" indent="0">
-              <a:lnSpc>
-                <a:spcPct val="90000"/>
-              </a:lnSpc>
-              <a:buNone/>
-            </a:pPr>
-            <a:r>
-              <a:rPr lang="en-US" sz="1800" b="1" dirty="0" err="1">
-                <a:ln w="1905"/>
-                <a:gradFill>
-                  <a:gsLst>
-                    <a:gs pos="0">
-                      <a:schemeClr val="accent6">
-                        <a:shade val="20000"/>
-                        <a:satMod val="200000"/>
-                      </a:schemeClr>
-                    </a:gs>
-                    <a:gs pos="78000">
-                      <a:schemeClr val="accent6">
-                        <a:tint val="90000"/>
-                        <a:shade val="89000"/>
-                        <a:satMod val="220000"/>
-                      </a:schemeClr>
-                    </a:gs>
-                    <a:gs pos="100000">
-                      <a:schemeClr val="accent6">
-                        <a:tint val="12000"/>
-                        <a:satMod val="255000"/>
-                      </a:schemeClr>
-                    </a:gs>
-                  </a:gsLst>
-                  <a:lin ang="5400000"/>
-                </a:gradFill>
-                <a:effectLst>
-                  <a:innerShdw blurRad="69850" dist="43180" dir="5400000">
-                    <a:srgbClr val="000000">
-                      <a:alpha val="65000"/>
-                    </a:srgbClr>
-                  </a:innerShdw>
-                </a:effectLst>
-              </a:rPr>
-              <a:t>mysql_connect</a:t>
-            </a:r>
-            <a:r>
-              <a:rPr lang="en-US" sz="1800" b="1" dirty="0">
-                <a:ln w="1905"/>
-                <a:gradFill>
-                  <a:gsLst>
-                    <a:gs pos="0">
-                      <a:schemeClr val="accent6">
-                        <a:shade val="20000"/>
-                        <a:satMod val="200000"/>
-                      </a:schemeClr>
-                    </a:gs>
-                    <a:gs pos="78000">
-                      <a:schemeClr val="accent6">
-                        <a:tint val="90000"/>
-                        <a:shade val="89000"/>
-                        <a:satMod val="220000"/>
-                      </a:schemeClr>
-                    </a:gs>
-                    <a:gs pos="100000">
-                      <a:schemeClr val="accent6">
-                        <a:tint val="12000"/>
-                        <a:satMod val="255000"/>
-                      </a:schemeClr>
-                    </a:gs>
-                  </a:gsLst>
-                  <a:lin ang="5400000"/>
-                </a:gradFill>
-                <a:effectLst>
-                  <a:innerShdw blurRad="69850" dist="43180" dir="5400000">
-                    <a:srgbClr val="000000">
-                      <a:alpha val="65000"/>
-                    </a:srgbClr>
-                  </a:innerShdw>
-                </a:effectLst>
-              </a:rPr>
-              <a:t>('</a:t>
-            </a:r>
-            <a:r>
-              <a:rPr lang="en-US" sz="1800" b="1" dirty="0" err="1">
-                <a:ln w="1905"/>
-                <a:gradFill>
-                  <a:gsLst>
-                    <a:gs pos="0">
-                      <a:schemeClr val="accent6">
-                        <a:shade val="20000"/>
-                        <a:satMod val="200000"/>
-                      </a:schemeClr>
-                    </a:gs>
-                    <a:gs pos="78000">
-                      <a:schemeClr val="accent6">
-                        <a:tint val="90000"/>
-                        <a:shade val="89000"/>
-                        <a:satMod val="220000"/>
-                      </a:schemeClr>
-                    </a:gs>
-                    <a:gs pos="100000">
-                      <a:schemeClr val="accent6">
-                        <a:tint val="12000"/>
-                        <a:satMod val="255000"/>
-                      </a:schemeClr>
-                    </a:gs>
-                  </a:gsLst>
-                  <a:lin ang="5400000"/>
-                </a:gradFill>
-                <a:effectLst>
-                  <a:innerShdw blurRad="69850" dist="43180" dir="5400000">
-                    <a:srgbClr val="000000">
-                      <a:alpha val="65000"/>
-                    </a:srgbClr>
-                  </a:innerShdw>
-                </a:effectLst>
-              </a:rPr>
-              <a:t>localhost</a:t>
-            </a:r>
-            <a:r>
-              <a:rPr lang="en-US" sz="1800" b="1" dirty="0">
-                <a:ln w="1905"/>
-                <a:gradFill>
-                  <a:gsLst>
-                    <a:gs pos="0">
-                      <a:schemeClr val="accent6">
-                        <a:shade val="20000"/>
-                        <a:satMod val="200000"/>
-                      </a:schemeClr>
-                    </a:gs>
-                    <a:gs pos="78000">
-                      <a:schemeClr val="accent6">
-                        <a:tint val="90000"/>
-                        <a:shade val="89000"/>
-                        <a:satMod val="220000"/>
-                      </a:schemeClr>
-                    </a:gs>
-                    <a:gs pos="100000">
-                      <a:schemeClr val="accent6">
-                        <a:tint val="12000"/>
-                        <a:satMod val="255000"/>
-                      </a:schemeClr>
-                    </a:gs>
-                  </a:gsLst>
-                  <a:lin ang="5400000"/>
-                </a:gradFill>
-                <a:effectLst>
-                  <a:innerShdw blurRad="69850" dist="43180" dir="5400000">
-                    <a:srgbClr val="000000">
-                      <a:alpha val="65000"/>
-                    </a:srgbClr>
-                  </a:innerShdw>
-                </a:effectLst>
-              </a:rPr>
-              <a:t>', 'admin', '1admin') or die(</a:t>
-            </a:r>
-            <a:r>
-              <a:rPr lang="en-US" sz="1800" b="1" dirty="0" err="1">
-                <a:ln w="1905"/>
-                <a:gradFill>
-                  <a:gsLst>
-                    <a:gs pos="0">
-                      <a:schemeClr val="accent6">
-                        <a:shade val="20000"/>
-                        <a:satMod val="200000"/>
-                      </a:schemeClr>
-                    </a:gs>
-                    <a:gs pos="78000">
-                      <a:schemeClr val="accent6">
-                        <a:tint val="90000"/>
-                        <a:shade val="89000"/>
-                        <a:satMod val="220000"/>
-                      </a:schemeClr>
-                    </a:gs>
-                    <a:gs pos="100000">
-                      <a:schemeClr val="accent6">
-                        <a:tint val="12000"/>
-                        <a:satMod val="255000"/>
-                      </a:schemeClr>
-                    </a:gs>
-                  </a:gsLst>
-                  <a:lin ang="5400000"/>
-                </a:gradFill>
-                <a:effectLst>
-                  <a:innerShdw blurRad="69850" dist="43180" dir="5400000">
-                    <a:srgbClr val="000000">
-                      <a:alpha val="65000"/>
-                    </a:srgbClr>
-                  </a:innerShdw>
-                </a:effectLst>
-              </a:rPr>
-              <a:t>mysql_error</a:t>
-            </a:r>
-            <a:r>
-              <a:rPr lang="en-US" sz="1800" b="1" dirty="0">
-                <a:ln w="1905"/>
-                <a:gradFill>
-                  <a:gsLst>
-                    <a:gs pos="0">
-                      <a:schemeClr val="accent6">
-                        <a:shade val="20000"/>
-                        <a:satMod val="200000"/>
-                      </a:schemeClr>
-                    </a:gs>
-                    <a:gs pos="78000">
-                      <a:schemeClr val="accent6">
-                        <a:tint val="90000"/>
-                        <a:shade val="89000"/>
-                        <a:satMod val="220000"/>
-                      </a:schemeClr>
-                    </a:gs>
-                    <a:gs pos="100000">
-                      <a:schemeClr val="accent6">
-                        <a:tint val="12000"/>
-                        <a:satMod val="255000"/>
-                      </a:schemeClr>
-                    </a:gs>
-                  </a:gsLst>
-                  <a:lin ang="5400000"/>
-                </a:gradFill>
-                <a:effectLst>
-                  <a:innerShdw blurRad="69850" dist="43180" dir="5400000">
-                    <a:srgbClr val="000000">
-                      <a:alpha val="65000"/>
-                    </a:srgbClr>
-                  </a:innerShdw>
-                </a:effectLst>
-              </a:rPr>
-              <a:t>());</a:t>
-            </a:r>
-          </a:p>
-          <a:p>
-            <a:pPr marL="0" indent="0">
-              <a:lnSpc>
-                <a:spcPct val="90000"/>
-              </a:lnSpc>
-              <a:buNone/>
-            </a:pPr>
-            <a:r>
-              <a:rPr lang="en-US" sz="1800" b="1" dirty="0" err="1">
-                <a:ln w="1905"/>
-                <a:gradFill>
-                  <a:gsLst>
-                    <a:gs pos="0">
-                      <a:schemeClr val="accent6">
-                        <a:shade val="20000"/>
-                        <a:satMod val="200000"/>
-                      </a:schemeClr>
-                    </a:gs>
-                    <a:gs pos="78000">
-                      <a:schemeClr val="accent6">
-                        <a:tint val="90000"/>
-                        <a:shade val="89000"/>
-                        <a:satMod val="220000"/>
-                      </a:schemeClr>
-                    </a:gs>
-                    <a:gs pos="100000">
-                      <a:schemeClr val="accent6">
-                        <a:tint val="12000"/>
-                        <a:satMod val="255000"/>
-                      </a:schemeClr>
-                    </a:gs>
-                  </a:gsLst>
-                  <a:lin ang="5400000"/>
-                </a:gradFill>
-                <a:effectLst>
-                  <a:innerShdw blurRad="69850" dist="43180" dir="5400000">
-                    <a:srgbClr val="000000">
-                      <a:alpha val="65000"/>
-                    </a:srgbClr>
-                  </a:innerShdw>
-                </a:effectLst>
-              </a:rPr>
-              <a:t>mysql_select_db</a:t>
-            </a:r>
-            <a:r>
-              <a:rPr lang="en-US" sz="1800" b="1" dirty="0">
-                <a:ln w="1905"/>
-                <a:gradFill>
-                  <a:gsLst>
-                    <a:gs pos="0">
-                      <a:schemeClr val="accent6">
-                        <a:shade val="20000"/>
-                        <a:satMod val="200000"/>
-                      </a:schemeClr>
-                    </a:gs>
-                    <a:gs pos="78000">
-                      <a:schemeClr val="accent6">
-                        <a:tint val="90000"/>
-                        <a:shade val="89000"/>
-                        <a:satMod val="220000"/>
-                      </a:schemeClr>
-                    </a:gs>
-                    <a:gs pos="100000">
-                      <a:schemeClr val="accent6">
-                        <a:tint val="12000"/>
-                        <a:satMod val="255000"/>
-                      </a:schemeClr>
-                    </a:gs>
-                  </a:gsLst>
-                  <a:lin ang="5400000"/>
-                </a:gradFill>
-                <a:effectLst>
-                  <a:innerShdw blurRad="69850" dist="43180" dir="5400000">
-                    <a:srgbClr val="000000">
-                      <a:alpha val="65000"/>
-                    </a:srgbClr>
-                  </a:innerShdw>
-                </a:effectLst>
-              </a:rPr>
-              <a:t>('test') or die(</a:t>
-            </a:r>
-            <a:r>
-              <a:rPr lang="en-US" sz="1800" b="1" dirty="0" err="1">
-                <a:ln w="1905"/>
-                <a:gradFill>
-                  <a:gsLst>
-                    <a:gs pos="0">
-                      <a:schemeClr val="accent6">
-                        <a:shade val="20000"/>
-                        <a:satMod val="200000"/>
-                      </a:schemeClr>
-                    </a:gs>
-                    <a:gs pos="78000">
-                      <a:schemeClr val="accent6">
-                        <a:tint val="90000"/>
-                        <a:shade val="89000"/>
-                        <a:satMod val="220000"/>
-                      </a:schemeClr>
-                    </a:gs>
-                    <a:gs pos="100000">
-                      <a:schemeClr val="accent6">
-                        <a:tint val="12000"/>
-                        <a:satMod val="255000"/>
-                      </a:schemeClr>
-                    </a:gs>
-                  </a:gsLst>
-                  <a:lin ang="5400000"/>
-                </a:gradFill>
-                <a:effectLst>
-                  <a:innerShdw blurRad="69850" dist="43180" dir="5400000">
-                    <a:srgbClr val="000000">
-                      <a:alpha val="65000"/>
-                    </a:srgbClr>
-                  </a:innerShdw>
-                </a:effectLst>
-              </a:rPr>
-              <a:t>mysql_error</a:t>
-            </a:r>
-            <a:r>
-              <a:rPr lang="en-US" sz="1800" b="1" dirty="0">
-                <a:ln w="1905"/>
-                <a:gradFill>
-                  <a:gsLst>
-                    <a:gs pos="0">
-                      <a:schemeClr val="accent6">
-                        <a:shade val="20000"/>
-                        <a:satMod val="200000"/>
-                      </a:schemeClr>
-                    </a:gs>
-                    <a:gs pos="78000">
-                      <a:schemeClr val="accent6">
-                        <a:tint val="90000"/>
-                        <a:shade val="89000"/>
-                        <a:satMod val="220000"/>
-                      </a:schemeClr>
-                    </a:gs>
-                    <a:gs pos="100000">
-                      <a:schemeClr val="accent6">
-                        <a:tint val="12000"/>
-                        <a:satMod val="255000"/>
-                      </a:schemeClr>
-                    </a:gs>
-                  </a:gsLst>
-                  <a:lin ang="5400000"/>
-                </a:gradFill>
-                <a:effectLst>
-                  <a:innerShdw blurRad="69850" dist="43180" dir="5400000">
-                    <a:srgbClr val="000000">
-                      <a:alpha val="65000"/>
-                    </a:srgbClr>
-                  </a:innerShdw>
-                </a:effectLst>
-              </a:rPr>
-              <a:t>());</a:t>
-            </a:r>
-          </a:p>
-          <a:p>
-            <a:pPr marL="0" indent="0">
-              <a:lnSpc>
-                <a:spcPct val="90000"/>
-              </a:lnSpc>
-              <a:buNone/>
-            </a:pPr>
-            <a:r>
-              <a:rPr lang="en-US" sz="1800" b="1" dirty="0">
-                <a:ln w="1905"/>
-                <a:gradFill>
-                  <a:gsLst>
-                    <a:gs pos="0">
-                      <a:schemeClr val="accent6">
-                        <a:shade val="20000"/>
-                        <a:satMod val="200000"/>
-                      </a:schemeClr>
-                    </a:gs>
-                    <a:gs pos="78000">
-                      <a:schemeClr val="accent6">
-                        <a:tint val="90000"/>
-                        <a:shade val="89000"/>
-                        <a:satMod val="220000"/>
-                      </a:schemeClr>
-                    </a:gs>
-                    <a:gs pos="100000">
-                      <a:schemeClr val="accent6">
-                        <a:tint val="12000"/>
-                        <a:satMod val="255000"/>
-                      </a:schemeClr>
-                    </a:gs>
-                  </a:gsLst>
-                  <a:lin ang="5400000"/>
-                </a:gradFill>
-                <a:effectLst>
-                  <a:innerShdw blurRad="69850" dist="43180" dir="5400000">
-                    <a:srgbClr val="000000">
-                      <a:alpha val="65000"/>
-                    </a:srgbClr>
-                  </a:innerShdw>
-                </a:effectLst>
-              </a:rPr>
-              <a:t>// Insert a row of information into the table 'example'</a:t>
-            </a:r>
-          </a:p>
-          <a:p>
-            <a:pPr marL="0" indent="0">
-              <a:lnSpc>
-                <a:spcPct val="90000"/>
-              </a:lnSpc>
-              <a:buNone/>
-            </a:pPr>
-            <a:r>
-              <a:rPr lang="en-US" sz="1800" b="1" dirty="0" err="1">
-                <a:ln w="1905"/>
-                <a:gradFill>
-                  <a:gsLst>
-                    <a:gs pos="0">
-                      <a:schemeClr val="accent6">
-                        <a:shade val="20000"/>
-                        <a:satMod val="200000"/>
-                      </a:schemeClr>
-                    </a:gs>
-                    <a:gs pos="78000">
-                      <a:schemeClr val="accent6">
-                        <a:tint val="90000"/>
-                        <a:shade val="89000"/>
-                        <a:satMod val="220000"/>
-                      </a:schemeClr>
-                    </a:gs>
-                    <a:gs pos="100000">
-                      <a:schemeClr val="accent6">
-                        <a:tint val="12000"/>
-                        <a:satMod val="255000"/>
-                      </a:schemeClr>
-                    </a:gs>
-                  </a:gsLst>
-                  <a:lin ang="5400000"/>
-                </a:gradFill>
-                <a:effectLst>
-                  <a:innerShdw blurRad="69850" dist="43180" dir="5400000">
-                    <a:srgbClr val="000000">
-                      <a:alpha val="65000"/>
-                    </a:srgbClr>
-                  </a:innerShdw>
-                </a:effectLst>
-              </a:rPr>
-              <a:t>mysql_query</a:t>
-            </a:r>
-            <a:r>
-              <a:rPr lang="en-US" sz="1800" b="1" dirty="0">
-                <a:ln w="1905"/>
-                <a:gradFill>
-                  <a:gsLst>
-                    <a:gs pos="0">
-                      <a:schemeClr val="accent6">
-                        <a:shade val="20000"/>
-                        <a:satMod val="200000"/>
-                      </a:schemeClr>
-                    </a:gs>
-                    <a:gs pos="78000">
-                      <a:schemeClr val="accent6">
-                        <a:tint val="90000"/>
-                        <a:shade val="89000"/>
-                        <a:satMod val="220000"/>
-                      </a:schemeClr>
-                    </a:gs>
-                    <a:gs pos="100000">
-                      <a:schemeClr val="accent6">
-                        <a:tint val="12000"/>
-                        <a:satMod val="255000"/>
-                      </a:schemeClr>
-                    </a:gs>
-                  </a:gsLst>
-                  <a:lin ang="5400000"/>
-                </a:gradFill>
-                <a:effectLst>
-                  <a:innerShdw blurRad="69850" dist="43180" dir="5400000">
-                    <a:srgbClr val="000000">
-                      <a:alpha val="65000"/>
-                    </a:srgbClr>
-                  </a:innerShdw>
-                </a:effectLst>
-              </a:rPr>
-              <a:t>('INSERT INTO example </a:t>
-            </a:r>
-            <a:r>
-              <a:rPr lang="en-US" sz="1800" b="1" dirty="0" smtClean="0">
-                <a:ln w="1905"/>
-                <a:gradFill>
-                  <a:gsLst>
-                    <a:gs pos="0">
-                      <a:schemeClr val="accent6">
-                        <a:shade val="20000"/>
-                        <a:satMod val="200000"/>
-                      </a:schemeClr>
-                    </a:gs>
-                    <a:gs pos="78000">
-                      <a:schemeClr val="accent6">
-                        <a:tint val="90000"/>
-                        <a:shade val="89000"/>
-                        <a:satMod val="220000"/>
-                      </a:schemeClr>
-                    </a:gs>
-                    <a:gs pos="100000">
-                      <a:schemeClr val="accent6">
-                        <a:tint val="12000"/>
-                        <a:satMod val="255000"/>
-                      </a:schemeClr>
-                    </a:gs>
-                  </a:gsLst>
-                  <a:lin ang="5400000"/>
-                </a:gradFill>
-                <a:effectLst>
-                  <a:innerShdw blurRad="69850" dist="43180" dir="5400000">
-                    <a:srgbClr val="000000">
-                      <a:alpha val="65000"/>
-                    </a:srgbClr>
-                  </a:innerShdw>
-                </a:effectLst>
-              </a:rPr>
-              <a:t>(</a:t>
-            </a:r>
-            <a:r>
-              <a:rPr lang="en-US" sz="1800" b="1" dirty="0">
-                <a:ln w="1905"/>
-                <a:gradFill>
-                  <a:gsLst>
-                    <a:gs pos="0">
-                      <a:schemeClr val="accent6">
-                        <a:shade val="20000"/>
-                        <a:satMod val="200000"/>
-                      </a:schemeClr>
-                    </a:gs>
-                    <a:gs pos="78000">
-                      <a:schemeClr val="accent6">
-                        <a:tint val="90000"/>
-                        <a:shade val="89000"/>
-                        <a:satMod val="220000"/>
-                      </a:schemeClr>
-                    </a:gs>
-                    <a:gs pos="100000">
-                      <a:schemeClr val="accent6">
-                        <a:tint val="12000"/>
-                        <a:satMod val="255000"/>
-                      </a:schemeClr>
-                    </a:gs>
-                  </a:gsLst>
-                  <a:lin ang="5400000"/>
-                </a:gradFill>
-                <a:effectLst>
-                  <a:innerShdw blurRad="69850" dist="43180" dir="5400000">
-                    <a:srgbClr val="000000">
-                      <a:alpha val="65000"/>
-                    </a:srgbClr>
-                  </a:innerShdw>
-                </a:effectLst>
-              </a:rPr>
-              <a:t>name, age) VALUES('Timmy </a:t>
-            </a:r>
-            <a:r>
-              <a:rPr lang="en-US" sz="1800" b="1" dirty="0" err="1">
-                <a:ln w="1905"/>
-                <a:gradFill>
-                  <a:gsLst>
-                    <a:gs pos="0">
-                      <a:schemeClr val="accent6">
-                        <a:shade val="20000"/>
-                        <a:satMod val="200000"/>
-                      </a:schemeClr>
-                    </a:gs>
-                    <a:gs pos="78000">
-                      <a:schemeClr val="accent6">
-                        <a:tint val="90000"/>
-                        <a:shade val="89000"/>
-                        <a:satMod val="220000"/>
-                      </a:schemeClr>
-                    </a:gs>
-                    <a:gs pos="100000">
-                      <a:schemeClr val="accent6">
-                        <a:tint val="12000"/>
-                        <a:satMod val="255000"/>
-                      </a:schemeClr>
-                    </a:gs>
-                  </a:gsLst>
-                  <a:lin ang="5400000"/>
-                </a:gradFill>
-                <a:effectLst>
-                  <a:innerShdw blurRad="69850" dist="43180" dir="5400000">
-                    <a:srgbClr val="000000">
-                      <a:alpha val="65000"/>
-                    </a:srgbClr>
-                  </a:innerShdw>
-                </a:effectLst>
-              </a:rPr>
-              <a:t>Mellowman</a:t>
-            </a:r>
-            <a:r>
-              <a:rPr lang="en-US" sz="1800" b="1" dirty="0">
-                <a:ln w="1905"/>
-                <a:gradFill>
-                  <a:gsLst>
-                    <a:gs pos="0">
-                      <a:schemeClr val="accent6">
-                        <a:shade val="20000"/>
-                        <a:satMod val="200000"/>
-                      </a:schemeClr>
-                    </a:gs>
-                    <a:gs pos="78000">
-                      <a:schemeClr val="accent6">
-                        <a:tint val="90000"/>
-                        <a:shade val="89000"/>
-                        <a:satMod val="220000"/>
-                      </a:schemeClr>
-                    </a:gs>
-                    <a:gs pos="100000">
-                      <a:schemeClr val="accent6">
-                        <a:tint val="12000"/>
-                        <a:satMod val="255000"/>
-                      </a:schemeClr>
-                    </a:gs>
-                  </a:gsLst>
-                  <a:lin ang="5400000"/>
-                </a:gradFill>
-                <a:effectLst>
-                  <a:innerShdw blurRad="69850" dist="43180" dir="5400000">
-                    <a:srgbClr val="000000">
-                      <a:alpha val="65000"/>
-                    </a:srgbClr>
-                  </a:innerShdw>
-                </a:effectLst>
-              </a:rPr>
-              <a:t>', '23' ) ') </a:t>
-            </a:r>
-            <a:r>
-              <a:rPr lang="en-US" sz="1800" b="1" dirty="0" smtClean="0">
-                <a:ln w="1905"/>
-                <a:gradFill>
-                  <a:gsLst>
-                    <a:gs pos="0">
-                      <a:schemeClr val="accent6">
-                        <a:shade val="20000"/>
-                        <a:satMod val="200000"/>
-                      </a:schemeClr>
-                    </a:gs>
-                    <a:gs pos="78000">
-                      <a:schemeClr val="accent6">
-                        <a:tint val="90000"/>
-                        <a:shade val="89000"/>
-                        <a:satMod val="220000"/>
-                      </a:schemeClr>
-                    </a:gs>
-                    <a:gs pos="100000">
-                      <a:schemeClr val="accent6">
-                        <a:tint val="12000"/>
-                        <a:satMod val="255000"/>
-                      </a:schemeClr>
-                    </a:gs>
-                  </a:gsLst>
-                  <a:lin ang="5400000"/>
-                </a:gradFill>
-                <a:effectLst>
-                  <a:innerShdw blurRad="69850" dist="43180" dir="5400000">
-                    <a:srgbClr val="000000">
-                      <a:alpha val="65000"/>
-                    </a:srgbClr>
-                  </a:innerShdw>
-                </a:effectLst>
-              </a:rPr>
-              <a:t>or </a:t>
-            </a:r>
-            <a:r>
-              <a:rPr lang="en-US" sz="1800" b="1" dirty="0">
-                <a:ln w="1905"/>
-                <a:gradFill>
-                  <a:gsLst>
-                    <a:gs pos="0">
-                      <a:schemeClr val="accent6">
-                        <a:shade val="20000"/>
-                        <a:satMod val="200000"/>
-                      </a:schemeClr>
-                    </a:gs>
-                    <a:gs pos="78000">
-                      <a:schemeClr val="accent6">
-                        <a:tint val="90000"/>
-                        <a:shade val="89000"/>
-                        <a:satMod val="220000"/>
-                      </a:schemeClr>
-                    </a:gs>
-                    <a:gs pos="100000">
-                      <a:schemeClr val="accent6">
-                        <a:tint val="12000"/>
-                        <a:satMod val="255000"/>
-                      </a:schemeClr>
-                    </a:gs>
-                  </a:gsLst>
-                  <a:lin ang="5400000"/>
-                </a:gradFill>
-                <a:effectLst>
-                  <a:innerShdw blurRad="69850" dist="43180" dir="5400000">
-                    <a:srgbClr val="000000">
-                      <a:alpha val="65000"/>
-                    </a:srgbClr>
-                  </a:innerShdw>
-                </a:effectLst>
-              </a:rPr>
-              <a:t>die(</a:t>
-            </a:r>
-            <a:r>
-              <a:rPr lang="en-US" sz="1800" b="1" dirty="0" err="1">
-                <a:ln w="1905"/>
-                <a:gradFill>
-                  <a:gsLst>
-                    <a:gs pos="0">
-                      <a:schemeClr val="accent6">
-                        <a:shade val="20000"/>
-                        <a:satMod val="200000"/>
-                      </a:schemeClr>
-                    </a:gs>
-                    <a:gs pos="78000">
-                      <a:schemeClr val="accent6">
-                        <a:tint val="90000"/>
-                        <a:shade val="89000"/>
-                        <a:satMod val="220000"/>
-                      </a:schemeClr>
-                    </a:gs>
-                    <a:gs pos="100000">
-                      <a:schemeClr val="accent6">
-                        <a:tint val="12000"/>
-                        <a:satMod val="255000"/>
-                      </a:schemeClr>
-                    </a:gs>
-                  </a:gsLst>
-                  <a:lin ang="5400000"/>
-                </a:gradFill>
-                <a:effectLst>
-                  <a:innerShdw blurRad="69850" dist="43180" dir="5400000">
-                    <a:srgbClr val="000000">
-                      <a:alpha val="65000"/>
-                    </a:srgbClr>
-                  </a:innerShdw>
-                </a:effectLst>
-              </a:rPr>
-              <a:t>mysql_error</a:t>
-            </a:r>
-            <a:r>
-              <a:rPr lang="en-US" sz="1800" b="1" dirty="0">
-                <a:ln w="1905"/>
-                <a:gradFill>
-                  <a:gsLst>
-                    <a:gs pos="0">
-                      <a:schemeClr val="accent6">
-                        <a:shade val="20000"/>
-                        <a:satMod val="200000"/>
-                      </a:schemeClr>
-                    </a:gs>
-                    <a:gs pos="78000">
-                      <a:schemeClr val="accent6">
-                        <a:tint val="90000"/>
-                        <a:shade val="89000"/>
-                        <a:satMod val="220000"/>
-                      </a:schemeClr>
-                    </a:gs>
-                    <a:gs pos="100000">
-                      <a:schemeClr val="accent6">
-                        <a:tint val="12000"/>
-                        <a:satMod val="255000"/>
-                      </a:schemeClr>
-                    </a:gs>
-                  </a:gsLst>
-                  <a:lin ang="5400000"/>
-                </a:gradFill>
-                <a:effectLst>
-                  <a:innerShdw blurRad="69850" dist="43180" dir="5400000">
-                    <a:srgbClr val="000000">
-                      <a:alpha val="65000"/>
-                    </a:srgbClr>
-                  </a:innerShdw>
-                </a:effectLst>
-              </a:rPr>
-              <a:t>()); </a:t>
-            </a:r>
-          </a:p>
-          <a:p>
-            <a:pPr marL="0" indent="0">
-              <a:lnSpc>
-                <a:spcPct val="90000"/>
-              </a:lnSpc>
-              <a:buNone/>
-            </a:pPr>
-            <a:r>
-              <a:rPr lang="en-US" sz="1800" b="1" dirty="0" err="1">
-                <a:ln w="1905"/>
-                <a:gradFill>
-                  <a:gsLst>
-                    <a:gs pos="0">
-                      <a:schemeClr val="accent6">
-                        <a:shade val="20000"/>
-                        <a:satMod val="200000"/>
-                      </a:schemeClr>
-                    </a:gs>
-                    <a:gs pos="78000">
-                      <a:schemeClr val="accent6">
-                        <a:tint val="90000"/>
-                        <a:shade val="89000"/>
-                        <a:satMod val="220000"/>
-                      </a:schemeClr>
-                    </a:gs>
-                    <a:gs pos="100000">
-                      <a:schemeClr val="accent6">
-                        <a:tint val="12000"/>
-                        <a:satMod val="255000"/>
-                      </a:schemeClr>
-                    </a:gs>
-                  </a:gsLst>
-                  <a:lin ang="5400000"/>
-                </a:gradFill>
-                <a:effectLst>
-                  <a:innerShdw blurRad="69850" dist="43180" dir="5400000">
-                    <a:srgbClr val="000000">
-                      <a:alpha val="65000"/>
-                    </a:srgbClr>
-                  </a:innerShdw>
-                </a:effectLst>
-              </a:rPr>
-              <a:t>mysql_query</a:t>
-            </a:r>
-            <a:r>
-              <a:rPr lang="en-US" sz="1800" b="1" dirty="0">
-                <a:ln w="1905"/>
-                <a:gradFill>
-                  <a:gsLst>
-                    <a:gs pos="0">
-                      <a:schemeClr val="accent6">
-                        <a:shade val="20000"/>
-                        <a:satMod val="200000"/>
-                      </a:schemeClr>
-                    </a:gs>
-                    <a:gs pos="78000">
-                      <a:schemeClr val="accent6">
-                        <a:tint val="90000"/>
-                        <a:shade val="89000"/>
-                        <a:satMod val="220000"/>
-                      </a:schemeClr>
-                    </a:gs>
-                    <a:gs pos="100000">
-                      <a:schemeClr val="accent6">
-                        <a:tint val="12000"/>
-                        <a:satMod val="255000"/>
-                      </a:schemeClr>
-                    </a:gs>
-                  </a:gsLst>
-                  <a:lin ang="5400000"/>
-                </a:gradFill>
-                <a:effectLst>
-                  <a:innerShdw blurRad="69850" dist="43180" dir="5400000">
-                    <a:srgbClr val="000000">
-                      <a:alpha val="65000"/>
-                    </a:srgbClr>
-                  </a:innerShdw>
-                </a:effectLst>
-              </a:rPr>
-              <a:t>('INSERT INTO example </a:t>
-            </a:r>
-            <a:r>
-              <a:rPr lang="en-US" sz="1800" b="1" dirty="0" smtClean="0">
-                <a:ln w="1905"/>
-                <a:gradFill>
-                  <a:gsLst>
-                    <a:gs pos="0">
-                      <a:schemeClr val="accent6">
-                        <a:shade val="20000"/>
-                        <a:satMod val="200000"/>
-                      </a:schemeClr>
-                    </a:gs>
-                    <a:gs pos="78000">
-                      <a:schemeClr val="accent6">
-                        <a:tint val="90000"/>
-                        <a:shade val="89000"/>
-                        <a:satMod val="220000"/>
-                      </a:schemeClr>
-                    </a:gs>
-                    <a:gs pos="100000">
-                      <a:schemeClr val="accent6">
-                        <a:tint val="12000"/>
-                        <a:satMod val="255000"/>
-                      </a:schemeClr>
-                    </a:gs>
-                  </a:gsLst>
-                  <a:lin ang="5400000"/>
-                </a:gradFill>
-                <a:effectLst>
-                  <a:innerShdw blurRad="69850" dist="43180" dir="5400000">
-                    <a:srgbClr val="000000">
-                      <a:alpha val="65000"/>
-                    </a:srgbClr>
-                  </a:innerShdw>
-                </a:effectLst>
-              </a:rPr>
-              <a:t>(</a:t>
-            </a:r>
-            <a:r>
-              <a:rPr lang="en-US" sz="1800" b="1" dirty="0">
-                <a:ln w="1905"/>
-                <a:gradFill>
-                  <a:gsLst>
-                    <a:gs pos="0">
-                      <a:schemeClr val="accent6">
-                        <a:shade val="20000"/>
-                        <a:satMod val="200000"/>
-                      </a:schemeClr>
-                    </a:gs>
-                    <a:gs pos="78000">
-                      <a:schemeClr val="accent6">
-                        <a:tint val="90000"/>
-                        <a:shade val="89000"/>
-                        <a:satMod val="220000"/>
-                      </a:schemeClr>
-                    </a:gs>
-                    <a:gs pos="100000">
-                      <a:schemeClr val="accent6">
-                        <a:tint val="12000"/>
-                        <a:satMod val="255000"/>
-                      </a:schemeClr>
-                    </a:gs>
-                  </a:gsLst>
-                  <a:lin ang="5400000"/>
-                </a:gradFill>
-                <a:effectLst>
-                  <a:innerShdw blurRad="69850" dist="43180" dir="5400000">
-                    <a:srgbClr val="000000">
-                      <a:alpha val="65000"/>
-                    </a:srgbClr>
-                  </a:innerShdw>
-                </a:effectLst>
-              </a:rPr>
-              <a:t>name, age) VALUES('Sandy Smith', '21' ) ') </a:t>
-            </a:r>
-            <a:r>
-              <a:rPr lang="en-US" sz="1800" b="1" dirty="0" smtClean="0">
-                <a:ln w="1905"/>
-                <a:gradFill>
-                  <a:gsLst>
-                    <a:gs pos="0">
-                      <a:schemeClr val="accent6">
-                        <a:shade val="20000"/>
-                        <a:satMod val="200000"/>
-                      </a:schemeClr>
-                    </a:gs>
-                    <a:gs pos="78000">
-                      <a:schemeClr val="accent6">
-                        <a:tint val="90000"/>
-                        <a:shade val="89000"/>
-                        <a:satMod val="220000"/>
-                      </a:schemeClr>
-                    </a:gs>
-                    <a:gs pos="100000">
-                      <a:schemeClr val="accent6">
-                        <a:tint val="12000"/>
-                        <a:satMod val="255000"/>
-                      </a:schemeClr>
-                    </a:gs>
-                  </a:gsLst>
-                  <a:lin ang="5400000"/>
-                </a:gradFill>
-                <a:effectLst>
-                  <a:innerShdw blurRad="69850" dist="43180" dir="5400000">
-                    <a:srgbClr val="000000">
-                      <a:alpha val="65000"/>
-                    </a:srgbClr>
-                  </a:innerShdw>
-                </a:effectLst>
-              </a:rPr>
-              <a:t>or </a:t>
-            </a:r>
-            <a:r>
-              <a:rPr lang="en-US" sz="1800" b="1" dirty="0">
-                <a:ln w="1905"/>
-                <a:gradFill>
-                  <a:gsLst>
-                    <a:gs pos="0">
-                      <a:schemeClr val="accent6">
-                        <a:shade val="20000"/>
-                        <a:satMod val="200000"/>
-                      </a:schemeClr>
-                    </a:gs>
-                    <a:gs pos="78000">
-                      <a:schemeClr val="accent6">
-                        <a:tint val="90000"/>
-                        <a:shade val="89000"/>
-                        <a:satMod val="220000"/>
-                      </a:schemeClr>
-                    </a:gs>
-                    <a:gs pos="100000">
-                      <a:schemeClr val="accent6">
-                        <a:tint val="12000"/>
-                        <a:satMod val="255000"/>
-                      </a:schemeClr>
-                    </a:gs>
-                  </a:gsLst>
-                  <a:lin ang="5400000"/>
-                </a:gradFill>
-                <a:effectLst>
-                  <a:innerShdw blurRad="69850" dist="43180" dir="5400000">
-                    <a:srgbClr val="000000">
-                      <a:alpha val="65000"/>
-                    </a:srgbClr>
-                  </a:innerShdw>
-                </a:effectLst>
-              </a:rPr>
-              <a:t>die(</a:t>
-            </a:r>
-            <a:r>
-              <a:rPr lang="en-US" sz="1800" b="1" dirty="0" err="1">
-                <a:ln w="1905"/>
-                <a:gradFill>
-                  <a:gsLst>
-                    <a:gs pos="0">
-                      <a:schemeClr val="accent6">
-                        <a:shade val="20000"/>
-                        <a:satMod val="200000"/>
-                      </a:schemeClr>
-                    </a:gs>
-                    <a:gs pos="78000">
-                      <a:schemeClr val="accent6">
-                        <a:tint val="90000"/>
-                        <a:shade val="89000"/>
-                        <a:satMod val="220000"/>
-                      </a:schemeClr>
-                    </a:gs>
-                    <a:gs pos="100000">
-                      <a:schemeClr val="accent6">
-                        <a:tint val="12000"/>
-                        <a:satMod val="255000"/>
-                      </a:schemeClr>
-                    </a:gs>
-                  </a:gsLst>
-                  <a:lin ang="5400000"/>
-                </a:gradFill>
-                <a:effectLst>
-                  <a:innerShdw blurRad="69850" dist="43180" dir="5400000">
-                    <a:srgbClr val="000000">
-                      <a:alpha val="65000"/>
-                    </a:srgbClr>
-                  </a:innerShdw>
-                </a:effectLst>
-              </a:rPr>
-              <a:t>mysql_error</a:t>
-            </a:r>
-            <a:r>
-              <a:rPr lang="en-US" sz="1800" b="1" dirty="0">
-                <a:ln w="1905"/>
-                <a:gradFill>
-                  <a:gsLst>
-                    <a:gs pos="0">
-                      <a:schemeClr val="accent6">
-                        <a:shade val="20000"/>
-                        <a:satMod val="200000"/>
-                      </a:schemeClr>
-                    </a:gs>
-                    <a:gs pos="78000">
-                      <a:schemeClr val="accent6">
-                        <a:tint val="90000"/>
-                        <a:shade val="89000"/>
-                        <a:satMod val="220000"/>
-                      </a:schemeClr>
-                    </a:gs>
-                    <a:gs pos="100000">
-                      <a:schemeClr val="accent6">
-                        <a:tint val="12000"/>
-                        <a:satMod val="255000"/>
-                      </a:schemeClr>
-                    </a:gs>
-                  </a:gsLst>
-                  <a:lin ang="5400000"/>
-                </a:gradFill>
-                <a:effectLst>
-                  <a:innerShdw blurRad="69850" dist="43180" dir="5400000">
-                    <a:srgbClr val="000000">
-                      <a:alpha val="65000"/>
-                    </a:srgbClr>
-                  </a:innerShdw>
-                </a:effectLst>
-              </a:rPr>
-              <a:t>()); </a:t>
-            </a:r>
-          </a:p>
-          <a:p>
-            <a:pPr marL="0" indent="0">
-              <a:lnSpc>
-                <a:spcPct val="90000"/>
-              </a:lnSpc>
-              <a:buNone/>
-            </a:pPr>
-            <a:r>
-              <a:rPr lang="en-US" sz="1800" b="1" dirty="0" err="1">
-                <a:ln w="1905"/>
-                <a:gradFill>
-                  <a:gsLst>
-                    <a:gs pos="0">
-                      <a:schemeClr val="accent6">
-                        <a:shade val="20000"/>
-                        <a:satMod val="200000"/>
-                      </a:schemeClr>
-                    </a:gs>
-                    <a:gs pos="78000">
-                      <a:schemeClr val="accent6">
-                        <a:tint val="90000"/>
-                        <a:shade val="89000"/>
-                        <a:satMod val="220000"/>
-                      </a:schemeClr>
-                    </a:gs>
-                    <a:gs pos="100000">
-                      <a:schemeClr val="accent6">
-                        <a:tint val="12000"/>
-                        <a:satMod val="255000"/>
-                      </a:schemeClr>
-                    </a:gs>
-                  </a:gsLst>
-                  <a:lin ang="5400000"/>
-                </a:gradFill>
-                <a:effectLst>
-                  <a:innerShdw blurRad="69850" dist="43180" dir="5400000">
-                    <a:srgbClr val="000000">
-                      <a:alpha val="65000"/>
-                    </a:srgbClr>
-                  </a:innerShdw>
-                </a:effectLst>
-              </a:rPr>
-              <a:t>mysql_query</a:t>
-            </a:r>
-            <a:r>
-              <a:rPr lang="en-US" sz="1800" b="1" dirty="0">
-                <a:ln w="1905"/>
-                <a:gradFill>
-                  <a:gsLst>
-                    <a:gs pos="0">
-                      <a:schemeClr val="accent6">
-                        <a:shade val="20000"/>
-                        <a:satMod val="200000"/>
-                      </a:schemeClr>
-                    </a:gs>
-                    <a:gs pos="78000">
-                      <a:schemeClr val="accent6">
-                        <a:tint val="90000"/>
-                        <a:shade val="89000"/>
-                        <a:satMod val="220000"/>
-                      </a:schemeClr>
-                    </a:gs>
-                    <a:gs pos="100000">
-                      <a:schemeClr val="accent6">
-                        <a:tint val="12000"/>
-                        <a:satMod val="255000"/>
-                      </a:schemeClr>
-                    </a:gs>
-                  </a:gsLst>
-                  <a:lin ang="5400000"/>
-                </a:gradFill>
-                <a:effectLst>
-                  <a:innerShdw blurRad="69850" dist="43180" dir="5400000">
-                    <a:srgbClr val="000000">
-                      <a:alpha val="65000"/>
-                    </a:srgbClr>
-                  </a:innerShdw>
-                </a:effectLst>
-              </a:rPr>
-              <a:t>('INSERT INTO example </a:t>
-            </a:r>
-            <a:r>
-              <a:rPr lang="en-US" sz="1800" b="1" dirty="0" smtClean="0">
-                <a:ln w="1905"/>
-                <a:gradFill>
-                  <a:gsLst>
-                    <a:gs pos="0">
-                      <a:schemeClr val="accent6">
-                        <a:shade val="20000"/>
-                        <a:satMod val="200000"/>
-                      </a:schemeClr>
-                    </a:gs>
-                    <a:gs pos="78000">
-                      <a:schemeClr val="accent6">
-                        <a:tint val="90000"/>
-                        <a:shade val="89000"/>
-                        <a:satMod val="220000"/>
-                      </a:schemeClr>
-                    </a:gs>
-                    <a:gs pos="100000">
-                      <a:schemeClr val="accent6">
-                        <a:tint val="12000"/>
-                        <a:satMod val="255000"/>
-                      </a:schemeClr>
-                    </a:gs>
-                  </a:gsLst>
-                  <a:lin ang="5400000"/>
-                </a:gradFill>
-                <a:effectLst>
-                  <a:innerShdw blurRad="69850" dist="43180" dir="5400000">
-                    <a:srgbClr val="000000">
-                      <a:alpha val="65000"/>
-                    </a:srgbClr>
-                  </a:innerShdw>
-                </a:effectLst>
-              </a:rPr>
-              <a:t>(</a:t>
-            </a:r>
-            <a:r>
-              <a:rPr lang="en-US" sz="1800" b="1" dirty="0">
-                <a:ln w="1905"/>
-                <a:gradFill>
-                  <a:gsLst>
-                    <a:gs pos="0">
-                      <a:schemeClr val="accent6">
-                        <a:shade val="20000"/>
-                        <a:satMod val="200000"/>
-                      </a:schemeClr>
-                    </a:gs>
-                    <a:gs pos="78000">
-                      <a:schemeClr val="accent6">
-                        <a:tint val="90000"/>
-                        <a:shade val="89000"/>
-                        <a:satMod val="220000"/>
-                      </a:schemeClr>
-                    </a:gs>
-                    <a:gs pos="100000">
-                      <a:schemeClr val="accent6">
-                        <a:tint val="12000"/>
-                        <a:satMod val="255000"/>
-                      </a:schemeClr>
-                    </a:gs>
-                  </a:gsLst>
-                  <a:lin ang="5400000"/>
-                </a:gradFill>
-                <a:effectLst>
-                  <a:innerShdw blurRad="69850" dist="43180" dir="5400000">
-                    <a:srgbClr val="000000">
-                      <a:alpha val="65000"/>
-                    </a:srgbClr>
-                  </a:innerShdw>
-                </a:effectLst>
-              </a:rPr>
-              <a:t>name, age) VALUES('Bobby Wallace', '15' ) ') </a:t>
-            </a:r>
-            <a:r>
-              <a:rPr lang="en-US" sz="1800" b="1" dirty="0" smtClean="0">
-                <a:ln w="1905"/>
-                <a:gradFill>
-                  <a:gsLst>
-                    <a:gs pos="0">
-                      <a:schemeClr val="accent6">
-                        <a:shade val="20000"/>
-                        <a:satMod val="200000"/>
-                      </a:schemeClr>
-                    </a:gs>
-                    <a:gs pos="78000">
-                      <a:schemeClr val="accent6">
-                        <a:tint val="90000"/>
-                        <a:shade val="89000"/>
-                        <a:satMod val="220000"/>
-                      </a:schemeClr>
-                    </a:gs>
-                    <a:gs pos="100000">
-                      <a:schemeClr val="accent6">
-                        <a:tint val="12000"/>
-                        <a:satMod val="255000"/>
-                      </a:schemeClr>
-                    </a:gs>
-                  </a:gsLst>
-                  <a:lin ang="5400000"/>
-                </a:gradFill>
-                <a:effectLst>
-                  <a:innerShdw blurRad="69850" dist="43180" dir="5400000">
-                    <a:srgbClr val="000000">
-                      <a:alpha val="65000"/>
-                    </a:srgbClr>
-                  </a:innerShdw>
-                </a:effectLst>
-              </a:rPr>
-              <a:t> or </a:t>
-            </a:r>
-            <a:r>
-              <a:rPr lang="en-US" sz="1800" b="1" dirty="0">
-                <a:ln w="1905"/>
-                <a:gradFill>
-                  <a:gsLst>
-                    <a:gs pos="0">
-                      <a:schemeClr val="accent6">
-                        <a:shade val="20000"/>
-                        <a:satMod val="200000"/>
-                      </a:schemeClr>
-                    </a:gs>
-                    <a:gs pos="78000">
-                      <a:schemeClr val="accent6">
-                        <a:tint val="90000"/>
-                        <a:shade val="89000"/>
-                        <a:satMod val="220000"/>
-                      </a:schemeClr>
-                    </a:gs>
-                    <a:gs pos="100000">
-                      <a:schemeClr val="accent6">
-                        <a:tint val="12000"/>
-                        <a:satMod val="255000"/>
-                      </a:schemeClr>
-                    </a:gs>
-                  </a:gsLst>
-                  <a:lin ang="5400000"/>
-                </a:gradFill>
-                <a:effectLst>
-                  <a:innerShdw blurRad="69850" dist="43180" dir="5400000">
-                    <a:srgbClr val="000000">
-                      <a:alpha val="65000"/>
-                    </a:srgbClr>
-                  </a:innerShdw>
-                </a:effectLst>
-              </a:rPr>
-              <a:t>die(</a:t>
-            </a:r>
-            <a:r>
-              <a:rPr lang="en-US" sz="1800" b="1" dirty="0" err="1">
-                <a:ln w="1905"/>
-                <a:gradFill>
-                  <a:gsLst>
-                    <a:gs pos="0">
-                      <a:schemeClr val="accent6">
-                        <a:shade val="20000"/>
-                        <a:satMod val="200000"/>
-                      </a:schemeClr>
-                    </a:gs>
-                    <a:gs pos="78000">
-                      <a:schemeClr val="accent6">
-                        <a:tint val="90000"/>
-                        <a:shade val="89000"/>
-                        <a:satMod val="220000"/>
-                      </a:schemeClr>
-                    </a:gs>
-                    <a:gs pos="100000">
-                      <a:schemeClr val="accent6">
-                        <a:tint val="12000"/>
-                        <a:satMod val="255000"/>
-                      </a:schemeClr>
-                    </a:gs>
-                  </a:gsLst>
-                  <a:lin ang="5400000"/>
-                </a:gradFill>
-                <a:effectLst>
-                  <a:innerShdw blurRad="69850" dist="43180" dir="5400000">
-                    <a:srgbClr val="000000">
-                      <a:alpha val="65000"/>
-                    </a:srgbClr>
-                  </a:innerShdw>
-                </a:effectLst>
-              </a:rPr>
-              <a:t>mysql_error</a:t>
-            </a:r>
-            <a:r>
-              <a:rPr lang="en-US" sz="1800" b="1" dirty="0">
-                <a:ln w="1905"/>
-                <a:gradFill>
-                  <a:gsLst>
-                    <a:gs pos="0">
-                      <a:schemeClr val="accent6">
-                        <a:shade val="20000"/>
-                        <a:satMod val="200000"/>
-                      </a:schemeClr>
-                    </a:gs>
-                    <a:gs pos="78000">
-                      <a:schemeClr val="accent6">
-                        <a:tint val="90000"/>
-                        <a:shade val="89000"/>
-                        <a:satMod val="220000"/>
-                      </a:schemeClr>
-                    </a:gs>
-                    <a:gs pos="100000">
-                      <a:schemeClr val="accent6">
-                        <a:tint val="12000"/>
-                        <a:satMod val="255000"/>
-                      </a:schemeClr>
-                    </a:gs>
-                  </a:gsLst>
-                  <a:lin ang="5400000"/>
-                </a:gradFill>
-                <a:effectLst>
-                  <a:innerShdw blurRad="69850" dist="43180" dir="5400000">
-                    <a:srgbClr val="000000">
-                      <a:alpha val="65000"/>
-                    </a:srgbClr>
-                  </a:innerShdw>
-                </a:effectLst>
-              </a:rPr>
-              <a:t>()); </a:t>
-            </a:r>
-          </a:p>
-          <a:p>
-            <a:pPr marL="0" indent="0">
-              <a:lnSpc>
-                <a:spcPct val="90000"/>
-              </a:lnSpc>
-              <a:buNone/>
-            </a:pPr>
-            <a:r>
-              <a:rPr lang="en-US" sz="1800" b="1" dirty="0">
-                <a:ln w="1905"/>
-                <a:gradFill>
-                  <a:gsLst>
-                    <a:gs pos="0">
-                      <a:schemeClr val="accent6">
-                        <a:shade val="20000"/>
-                        <a:satMod val="200000"/>
-                      </a:schemeClr>
-                    </a:gs>
-                    <a:gs pos="78000">
-                      <a:schemeClr val="accent6">
-                        <a:tint val="90000"/>
-                        <a:shade val="89000"/>
-                        <a:satMod val="220000"/>
-                      </a:schemeClr>
-                    </a:gs>
-                    <a:gs pos="100000">
-                      <a:schemeClr val="accent6">
-                        <a:tint val="12000"/>
-                        <a:satMod val="255000"/>
-                      </a:schemeClr>
-                    </a:gs>
-                  </a:gsLst>
-                  <a:lin ang="5400000"/>
-                </a:gradFill>
-                <a:effectLst>
-                  <a:innerShdw blurRad="69850" dist="43180" dir="5400000">
-                    <a:srgbClr val="000000">
-                      <a:alpha val="65000"/>
-                    </a:srgbClr>
-                  </a:innerShdw>
-                </a:effectLst>
-              </a:rPr>
-              <a:t>echo 'Data Inserted!';</a:t>
-            </a:r>
-          </a:p>
-          <a:p>
-            <a:pPr marL="0" indent="0">
-              <a:lnSpc>
-                <a:spcPct val="90000"/>
-              </a:lnSpc>
-              <a:buNone/>
-            </a:pPr>
-            <a:r>
-              <a:rPr lang="en-US" sz="1800" b="1" dirty="0">
-                <a:ln w="1905"/>
-                <a:gradFill>
-                  <a:gsLst>
-                    <a:gs pos="0">
-                      <a:schemeClr val="accent6">
-                        <a:shade val="20000"/>
-                        <a:satMod val="200000"/>
-                      </a:schemeClr>
-                    </a:gs>
-                    <a:gs pos="78000">
-                      <a:schemeClr val="accent6">
-                        <a:tint val="90000"/>
-                        <a:shade val="89000"/>
-                        <a:satMod val="220000"/>
-                      </a:schemeClr>
-                    </a:gs>
-                    <a:gs pos="100000">
-                      <a:schemeClr val="accent6">
-                        <a:tint val="12000"/>
-                        <a:satMod val="255000"/>
-                      </a:schemeClr>
-                    </a:gs>
-                  </a:gsLst>
-                  <a:lin ang="5400000"/>
-                </a:gradFill>
-                <a:effectLst>
-                  <a:innerShdw blurRad="69850" dist="43180" dir="5400000">
-                    <a:srgbClr val="000000">
-                      <a:alpha val="65000"/>
-                    </a:srgbClr>
-                  </a:innerShdw>
-                </a:effectLst>
-              </a:rPr>
-              <a:t>?&gt;</a:t>
-            </a:r>
-          </a:p>
-        </p:txBody>
-      </p:sp>
-      <p:sp>
-        <p:nvSpPr>
-          <p:cNvPr id="4" name="TextBox 3"/>
-          <p:cNvSpPr txBox="1"/>
-          <p:nvPr/>
-        </p:nvSpPr>
-        <p:spPr>
-          <a:xfrm>
-            <a:off x="5023556" y="1933222"/>
-            <a:ext cx="184666" cy="369332"/>
-          </a:xfrm>
-          <a:prstGeom prst="rect">
-            <a:avLst/>
-          </a:prstGeom>
-          <a:noFill/>
-        </p:spPr>
-        <p:txBody>
-          <a:bodyPr wrap="none" rtlCol="0">
-            <a:spAutoFit/>
-          </a:bodyPr>
-          <a:lstStyle/>
-          <a:p>
-            <a:endParaRPr lang="en-US" dirty="0"/>
-          </a:p>
-        </p:txBody>
-      </p:sp>
-    </p:spTree>
-    <p:extLst>
-      <p:ext uri="{BB962C8B-B14F-4D97-AF65-F5344CB8AC3E}">
-        <p14:creationId xmlns:p14="http://schemas.microsoft.com/office/powerpoint/2010/main" val="1793563331"/>
-      </p:ext>
-    </p:extLst>
-  </p:cSld>
-  <p:clrMapOvr>
-    <a:masterClrMapping/>
-  </p:clrMapOvr>
-</p:sld>
-</file>
-
-<file path=ppt/slides/slide51.xml><?xml version="1.0" encoding="utf-8"?>
-<p:sld xmlns:a="http://schemas.openxmlformats.org/drawingml/2006/main" xmlns:r="http://schemas.openxmlformats.org/officeDocument/2006/relationships" xmlns:p="http://schemas.openxmlformats.org/presentationml/2006/main">
-  <p:cSld>
-    <p:spTree>
-      <p:nvGrpSpPr>
-        <p:cNvPr id="1" name=""/>
-        <p:cNvGrpSpPr/>
-        <p:nvPr/>
-      </p:nvGrpSpPr>
-      <p:grpSpPr>
-        <a:xfrm>
-          <a:off x="0" y="0"/>
-          <a:ext cx="0" cy="0"/>
-          <a:chOff x="0" y="0"/>
-          <a:chExt cx="0" cy="0"/>
-        </a:xfrm>
-      </p:grpSpPr>
-      <p:sp>
-        <p:nvSpPr>
-          <p:cNvPr id="2" name="Title 1"/>
-          <p:cNvSpPr>
-            <a:spLocks noGrp="1"/>
-          </p:cNvSpPr>
-          <p:nvPr>
-            <p:ph type="title"/>
-          </p:nvPr>
-        </p:nvSpPr>
-        <p:spPr>
-          <a:xfrm>
-            <a:off x="457200" y="62973"/>
-            <a:ext cx="8229600" cy="1143000"/>
-          </a:xfrm>
-        </p:spPr>
-        <p:txBody>
-          <a:bodyPr/>
-          <a:lstStyle/>
-          <a:p>
-            <a:r>
-              <a:rPr lang="en-US" dirty="0" smtClean="0"/>
-              <a:t>MySQL insert</a:t>
-            </a:r>
-            <a:endParaRPr lang="en-US" dirty="0"/>
-          </a:p>
-        </p:txBody>
-      </p:sp>
-      <p:sp>
-        <p:nvSpPr>
-          <p:cNvPr id="3" name="Content Placeholder 2"/>
-          <p:cNvSpPr>
-            <a:spLocks noGrp="1"/>
-          </p:cNvSpPr>
-          <p:nvPr>
-            <p:ph idx="1"/>
-          </p:nvPr>
-        </p:nvSpPr>
-        <p:spPr>
-          <a:xfrm>
-            <a:off x="457200" y="1430867"/>
-            <a:ext cx="8229600" cy="4525963"/>
-          </a:xfrm>
-        </p:spPr>
-        <p:txBody>
-          <a:bodyPr/>
-          <a:lstStyle/>
-          <a:p>
-            <a:pPr marL="0" indent="0">
-              <a:lnSpc>
-                <a:spcPct val="90000"/>
-              </a:lnSpc>
-              <a:buNone/>
-            </a:pPr>
-            <a:r>
-              <a:rPr lang="en-US" sz="2800" dirty="0"/>
-              <a:t>So far we have seen a couple different uses of PHP's </a:t>
-            </a:r>
-            <a:r>
-              <a:rPr lang="en-US" sz="2800" b="1" dirty="0" err="1"/>
-              <a:t>mysql_query</a:t>
-            </a:r>
-            <a:r>
-              <a:rPr lang="en-US" sz="2800" dirty="0"/>
-              <a:t> function and we'll be seeing more of it as nearly all MySQL in PHP is done through the MySQL Query function. We have already created a new table and inserted data into that table. In this lesson we will cover the most common MySQL Query that is used to retrieve information from a database.</a:t>
-            </a:r>
-          </a:p>
-        </p:txBody>
-      </p:sp>
-      <p:sp>
-        <p:nvSpPr>
-          <p:cNvPr id="4" name="TextBox 3"/>
-          <p:cNvSpPr txBox="1"/>
-          <p:nvPr/>
-        </p:nvSpPr>
-        <p:spPr>
-          <a:xfrm>
-            <a:off x="5023556" y="1933222"/>
-            <a:ext cx="184666" cy="369332"/>
-          </a:xfrm>
-          <a:prstGeom prst="rect">
-            <a:avLst/>
-          </a:prstGeom>
-          <a:noFill/>
-        </p:spPr>
-        <p:txBody>
-          <a:bodyPr wrap="none" rtlCol="0">
-            <a:spAutoFit/>
-          </a:bodyPr>
-          <a:lstStyle/>
-          <a:p>
-            <a:endParaRPr lang="en-US" dirty="0"/>
-          </a:p>
-        </p:txBody>
-      </p:sp>
-    </p:spTree>
-    <p:extLst>
-      <p:ext uri="{BB962C8B-B14F-4D97-AF65-F5344CB8AC3E}">
-        <p14:creationId xmlns:p14="http://schemas.microsoft.com/office/powerpoint/2010/main" val="1793563331"/>
-      </p:ext>
-    </p:extLst>
-  </p:cSld>
-  <p:clrMapOvr>
-    <a:masterClrMapping/>
-  </p:clrMapOvr>
-</p:sld>
-</file>
-
-<file path=ppt/slides/slide52.xml><?xml version="1.0" encoding="utf-8"?>
-<p:sld xmlns:a="http://schemas.openxmlformats.org/drawingml/2006/main" xmlns:r="http://schemas.openxmlformats.org/officeDocument/2006/relationships" xmlns:p="http://schemas.openxmlformats.org/presentationml/2006/main">
-  <p:cSld>
-    <p:spTree>
-      <p:nvGrpSpPr>
-        <p:cNvPr id="1" name=""/>
-        <p:cNvGrpSpPr/>
-        <p:nvPr/>
-      </p:nvGrpSpPr>
-      <p:grpSpPr>
-        <a:xfrm>
-          <a:off x="0" y="0"/>
-          <a:ext cx="0" cy="0"/>
-          <a:chOff x="0" y="0"/>
-          <a:chExt cx="0" cy="0"/>
-        </a:xfrm>
-      </p:grpSpPr>
-      <p:sp>
-        <p:nvSpPr>
-          <p:cNvPr id="2" name="Title 1"/>
-          <p:cNvSpPr>
-            <a:spLocks noGrp="1"/>
-          </p:cNvSpPr>
-          <p:nvPr>
-            <p:ph type="title"/>
-          </p:nvPr>
-        </p:nvSpPr>
-        <p:spPr>
-          <a:xfrm>
-            <a:off x="457200" y="62973"/>
-            <a:ext cx="8229600" cy="1143000"/>
-          </a:xfrm>
-        </p:spPr>
-        <p:txBody>
-          <a:bodyPr/>
-          <a:lstStyle/>
-          <a:p>
-            <a:r>
-              <a:rPr lang="en-US" sz="4000" dirty="0" smtClean="0"/>
-              <a:t>Retrieving </a:t>
-            </a:r>
-            <a:r>
-              <a:rPr lang="en-US" sz="4000" dirty="0"/>
-              <a:t>data with </a:t>
-            </a:r>
-            <a:r>
-              <a:rPr lang="en-US" sz="4000" dirty="0" smtClean="0"/>
-              <a:t>PHP </a:t>
-            </a:r>
-            <a:r>
-              <a:rPr lang="en-US" sz="4000" dirty="0"/>
-              <a:t>&amp; </a:t>
-            </a:r>
-            <a:r>
-              <a:rPr lang="en-US" sz="4000" dirty="0" smtClean="0"/>
-              <a:t>MySQL</a:t>
-            </a:r>
-            <a:endParaRPr lang="en-US" sz="4000" dirty="0"/>
-          </a:p>
-        </p:txBody>
-      </p:sp>
-      <p:sp>
-        <p:nvSpPr>
-          <p:cNvPr id="3" name="Content Placeholder 2"/>
-          <p:cNvSpPr>
-            <a:spLocks noGrp="1"/>
-          </p:cNvSpPr>
-          <p:nvPr>
-            <p:ph idx="1"/>
-          </p:nvPr>
-        </p:nvSpPr>
-        <p:spPr>
-          <a:xfrm>
-            <a:off x="457200" y="1430867"/>
-            <a:ext cx="8229600" cy="4525963"/>
-          </a:xfrm>
-        </p:spPr>
-        <p:txBody>
-          <a:bodyPr/>
-          <a:lstStyle/>
-          <a:p>
-            <a:pPr marL="0" indent="0">
-              <a:lnSpc>
-                <a:spcPct val="90000"/>
-              </a:lnSpc>
-              <a:buNone/>
-            </a:pPr>
-            <a:r>
-              <a:rPr lang="en-US" sz="2200" b="1" dirty="0">
-                <a:ln w="1905"/>
-                <a:gradFill>
-                  <a:gsLst>
-                    <a:gs pos="0">
-                      <a:schemeClr val="accent6">
-                        <a:shade val="20000"/>
-                        <a:satMod val="200000"/>
-                      </a:schemeClr>
-                    </a:gs>
-                    <a:gs pos="78000">
-                      <a:schemeClr val="accent6">
-                        <a:tint val="90000"/>
-                        <a:shade val="89000"/>
-                        <a:satMod val="220000"/>
-                      </a:schemeClr>
-                    </a:gs>
-                    <a:gs pos="100000">
-                      <a:schemeClr val="accent6">
-                        <a:tint val="12000"/>
-                        <a:satMod val="255000"/>
-                      </a:schemeClr>
-                    </a:gs>
-                  </a:gsLst>
-                  <a:lin ang="5400000"/>
-                </a:gradFill>
-                <a:effectLst>
-                  <a:innerShdw blurRad="69850" dist="43180" dir="5400000">
-                    <a:srgbClr val="000000">
-                      <a:alpha val="65000"/>
-                    </a:srgbClr>
-                  </a:innerShdw>
-                </a:effectLst>
-              </a:rPr>
-              <a:t>&lt;?</a:t>
-            </a:r>
-            <a:r>
-              <a:rPr lang="en-US" sz="2200" b="1" dirty="0" err="1">
-                <a:ln w="1905"/>
-                <a:gradFill>
-                  <a:gsLst>
-                    <a:gs pos="0">
-                      <a:schemeClr val="accent6">
-                        <a:shade val="20000"/>
-                        <a:satMod val="200000"/>
-                      </a:schemeClr>
-                    </a:gs>
-                    <a:gs pos="78000">
-                      <a:schemeClr val="accent6">
-                        <a:tint val="90000"/>
-                        <a:shade val="89000"/>
-                        <a:satMod val="220000"/>
-                      </a:schemeClr>
-                    </a:gs>
-                    <a:gs pos="100000">
-                      <a:schemeClr val="accent6">
-                        <a:tint val="12000"/>
-                        <a:satMod val="255000"/>
-                      </a:schemeClr>
-                    </a:gs>
-                  </a:gsLst>
-                  <a:lin ang="5400000"/>
-                </a:gradFill>
-                <a:effectLst>
-                  <a:innerShdw blurRad="69850" dist="43180" dir="5400000">
-                    <a:srgbClr val="000000">
-                      <a:alpha val="65000"/>
-                    </a:srgbClr>
-                  </a:innerShdw>
-                </a:effectLst>
-              </a:rPr>
-              <a:t>php</a:t>
-            </a:r>
-            <a:endParaRPr lang="en-US" sz="2200" b="1" dirty="0">
-              <a:ln w="1905"/>
-              <a:gradFill>
-                <a:gsLst>
-                  <a:gs pos="0">
-                    <a:schemeClr val="accent6">
-                      <a:shade val="20000"/>
-                      <a:satMod val="200000"/>
-                    </a:schemeClr>
-                  </a:gs>
-                  <a:gs pos="78000">
-                    <a:schemeClr val="accent6">
-                      <a:tint val="90000"/>
-                      <a:shade val="89000"/>
-                      <a:satMod val="220000"/>
-                    </a:schemeClr>
-                  </a:gs>
-                  <a:gs pos="100000">
-                    <a:schemeClr val="accent6">
-                      <a:tint val="12000"/>
-                      <a:satMod val="255000"/>
-                    </a:schemeClr>
-                  </a:gs>
-                </a:gsLst>
-                <a:lin ang="5400000"/>
-              </a:gradFill>
-              <a:effectLst>
-                <a:innerShdw blurRad="69850" dist="43180" dir="5400000">
-                  <a:srgbClr val="000000">
-                    <a:alpha val="65000"/>
-                  </a:srgbClr>
-                </a:innerShdw>
-              </a:effectLst>
-            </a:endParaRPr>
-          </a:p>
-          <a:p>
-            <a:pPr marL="0" indent="0">
-              <a:lnSpc>
-                <a:spcPct val="90000"/>
-              </a:lnSpc>
-              <a:buNone/>
-            </a:pPr>
-            <a:r>
-              <a:rPr lang="en-US" sz="2200" b="1" dirty="0">
-                <a:ln w="1905"/>
-                <a:gradFill>
-                  <a:gsLst>
-                    <a:gs pos="0">
-                      <a:schemeClr val="accent6">
-                        <a:shade val="20000"/>
-                        <a:satMod val="200000"/>
-                      </a:schemeClr>
-                    </a:gs>
-                    <a:gs pos="78000">
-                      <a:schemeClr val="accent6">
-                        <a:tint val="90000"/>
-                        <a:shade val="89000"/>
-                        <a:satMod val="220000"/>
-                      </a:schemeClr>
-                    </a:gs>
-                    <a:gs pos="100000">
-                      <a:schemeClr val="accent6">
-                        <a:tint val="12000"/>
-                        <a:satMod val="255000"/>
-                      </a:schemeClr>
-                    </a:gs>
-                  </a:gsLst>
-                  <a:lin ang="5400000"/>
-                </a:gradFill>
-                <a:effectLst>
-                  <a:innerShdw blurRad="69850" dist="43180" dir="5400000">
-                    <a:srgbClr val="000000">
-                      <a:alpha val="65000"/>
-                    </a:srgbClr>
-                  </a:innerShdw>
-                </a:effectLst>
-              </a:rPr>
-              <a:t>// Make a MySQL Connection</a:t>
-            </a:r>
-          </a:p>
-          <a:p>
-            <a:pPr marL="0" indent="0">
-              <a:lnSpc>
-                <a:spcPct val="90000"/>
-              </a:lnSpc>
-              <a:buNone/>
-            </a:pPr>
-            <a:r>
-              <a:rPr lang="en-US" sz="2200" b="1" dirty="0" err="1">
-                <a:ln w="1905"/>
-                <a:gradFill>
-                  <a:gsLst>
-                    <a:gs pos="0">
-                      <a:schemeClr val="accent6">
-                        <a:shade val="20000"/>
-                        <a:satMod val="200000"/>
-                      </a:schemeClr>
-                    </a:gs>
-                    <a:gs pos="78000">
-                      <a:schemeClr val="accent6">
-                        <a:tint val="90000"/>
-                        <a:shade val="89000"/>
-                        <a:satMod val="220000"/>
-                      </a:schemeClr>
-                    </a:gs>
-                    <a:gs pos="100000">
-                      <a:schemeClr val="accent6">
-                        <a:tint val="12000"/>
-                        <a:satMod val="255000"/>
-                      </a:schemeClr>
-                    </a:gs>
-                  </a:gsLst>
-                  <a:lin ang="5400000"/>
-                </a:gradFill>
-                <a:effectLst>
-                  <a:innerShdw blurRad="69850" dist="43180" dir="5400000">
-                    <a:srgbClr val="000000">
-                      <a:alpha val="65000"/>
-                    </a:srgbClr>
-                  </a:innerShdw>
-                </a:effectLst>
-              </a:rPr>
-              <a:t>mysql_connect</a:t>
-            </a:r>
-            <a:r>
-              <a:rPr lang="en-US" sz="2200" b="1" dirty="0">
-                <a:ln w="1905"/>
-                <a:gradFill>
-                  <a:gsLst>
-                    <a:gs pos="0">
-                      <a:schemeClr val="accent6">
-                        <a:shade val="20000"/>
-                        <a:satMod val="200000"/>
-                      </a:schemeClr>
-                    </a:gs>
-                    <a:gs pos="78000">
-                      <a:schemeClr val="accent6">
-                        <a:tint val="90000"/>
-                        <a:shade val="89000"/>
-                        <a:satMod val="220000"/>
-                      </a:schemeClr>
-                    </a:gs>
-                    <a:gs pos="100000">
-                      <a:schemeClr val="accent6">
-                        <a:tint val="12000"/>
-                        <a:satMod val="255000"/>
-                      </a:schemeClr>
-                    </a:gs>
-                  </a:gsLst>
-                  <a:lin ang="5400000"/>
-                </a:gradFill>
-                <a:effectLst>
-                  <a:innerShdw blurRad="69850" dist="43180" dir="5400000">
-                    <a:srgbClr val="000000">
-                      <a:alpha val="65000"/>
-                    </a:srgbClr>
-                  </a:innerShdw>
-                </a:effectLst>
-              </a:rPr>
-              <a:t>('server', 'user', 'password') or die(</a:t>
-            </a:r>
-            <a:r>
-              <a:rPr lang="en-US" sz="2200" b="1" dirty="0" err="1">
-                <a:ln w="1905"/>
-                <a:gradFill>
-                  <a:gsLst>
-                    <a:gs pos="0">
-                      <a:schemeClr val="accent6">
-                        <a:shade val="20000"/>
-                        <a:satMod val="200000"/>
-                      </a:schemeClr>
-                    </a:gs>
-                    <a:gs pos="78000">
-                      <a:schemeClr val="accent6">
-                        <a:tint val="90000"/>
-                        <a:shade val="89000"/>
-                        <a:satMod val="220000"/>
-                      </a:schemeClr>
-                    </a:gs>
-                    <a:gs pos="100000">
-                      <a:schemeClr val="accent6">
-                        <a:tint val="12000"/>
-                        <a:satMod val="255000"/>
-                      </a:schemeClr>
-                    </a:gs>
-                  </a:gsLst>
-                  <a:lin ang="5400000"/>
-                </a:gradFill>
-                <a:effectLst>
-                  <a:innerShdw blurRad="69850" dist="43180" dir="5400000">
-                    <a:srgbClr val="000000">
-                      <a:alpha val="65000"/>
-                    </a:srgbClr>
-                  </a:innerShdw>
-                </a:effectLst>
-              </a:rPr>
-              <a:t>mysql_error</a:t>
-            </a:r>
-            <a:r>
-              <a:rPr lang="en-US" sz="2200" b="1" dirty="0">
-                <a:ln w="1905"/>
-                <a:gradFill>
-                  <a:gsLst>
-                    <a:gs pos="0">
-                      <a:schemeClr val="accent6">
-                        <a:shade val="20000"/>
-                        <a:satMod val="200000"/>
-                      </a:schemeClr>
-                    </a:gs>
-                    <a:gs pos="78000">
-                      <a:schemeClr val="accent6">
-                        <a:tint val="90000"/>
-                        <a:shade val="89000"/>
-                        <a:satMod val="220000"/>
-                      </a:schemeClr>
-                    </a:gs>
-                    <a:gs pos="100000">
-                      <a:schemeClr val="accent6">
-                        <a:tint val="12000"/>
-                        <a:satMod val="255000"/>
-                      </a:schemeClr>
-                    </a:gs>
-                  </a:gsLst>
-                  <a:lin ang="5400000"/>
-                </a:gradFill>
-                <a:effectLst>
-                  <a:innerShdw blurRad="69850" dist="43180" dir="5400000">
-                    <a:srgbClr val="000000">
-                      <a:alpha val="65000"/>
-                    </a:srgbClr>
-                  </a:innerShdw>
-                </a:effectLst>
-              </a:rPr>
-              <a:t>());</a:t>
-            </a:r>
-          </a:p>
-          <a:p>
-            <a:pPr marL="0" indent="0">
-              <a:lnSpc>
-                <a:spcPct val="90000"/>
-              </a:lnSpc>
-              <a:buNone/>
-            </a:pPr>
-            <a:r>
-              <a:rPr lang="en-US" sz="2200" b="1" dirty="0" err="1">
-                <a:ln w="1905"/>
-                <a:gradFill>
-                  <a:gsLst>
-                    <a:gs pos="0">
-                      <a:schemeClr val="accent6">
-                        <a:shade val="20000"/>
-                        <a:satMod val="200000"/>
-                      </a:schemeClr>
-                    </a:gs>
-                    <a:gs pos="78000">
-                      <a:schemeClr val="accent6">
-                        <a:tint val="90000"/>
-                        <a:shade val="89000"/>
-                        <a:satMod val="220000"/>
-                      </a:schemeClr>
-                    </a:gs>
-                    <a:gs pos="100000">
-                      <a:schemeClr val="accent6">
-                        <a:tint val="12000"/>
-                        <a:satMod val="255000"/>
-                      </a:schemeClr>
-                    </a:gs>
-                  </a:gsLst>
-                  <a:lin ang="5400000"/>
-                </a:gradFill>
-                <a:effectLst>
-                  <a:innerShdw blurRad="69850" dist="43180" dir="5400000">
-                    <a:srgbClr val="000000">
-                      <a:alpha val="65000"/>
-                    </a:srgbClr>
-                  </a:innerShdw>
-                </a:effectLst>
-              </a:rPr>
-              <a:t>mysql_select_db</a:t>
-            </a:r>
-            <a:r>
-              <a:rPr lang="en-US" sz="2200" b="1" dirty="0">
-                <a:ln w="1905"/>
-                <a:gradFill>
-                  <a:gsLst>
-                    <a:gs pos="0">
-                      <a:schemeClr val="accent6">
-                        <a:shade val="20000"/>
-                        <a:satMod val="200000"/>
-                      </a:schemeClr>
-                    </a:gs>
-                    <a:gs pos="78000">
-                      <a:schemeClr val="accent6">
-                        <a:tint val="90000"/>
-                        <a:shade val="89000"/>
-                        <a:satMod val="220000"/>
-                      </a:schemeClr>
-                    </a:gs>
-                    <a:gs pos="100000">
-                      <a:schemeClr val="accent6">
-                        <a:tint val="12000"/>
-                        <a:satMod val="255000"/>
-                      </a:schemeClr>
-                    </a:gs>
-                  </a:gsLst>
-                  <a:lin ang="5400000"/>
-                </a:gradFill>
-                <a:effectLst>
-                  <a:innerShdw blurRad="69850" dist="43180" dir="5400000">
-                    <a:srgbClr val="000000">
-                      <a:alpha val="65000"/>
-                    </a:srgbClr>
-                  </a:innerShdw>
-                </a:effectLst>
-              </a:rPr>
-              <a:t>('test') or die(</a:t>
-            </a:r>
-            <a:r>
-              <a:rPr lang="en-US" sz="2200" b="1" dirty="0" err="1">
-                <a:ln w="1905"/>
-                <a:gradFill>
-                  <a:gsLst>
-                    <a:gs pos="0">
-                      <a:schemeClr val="accent6">
-                        <a:shade val="20000"/>
-                        <a:satMod val="200000"/>
-                      </a:schemeClr>
-                    </a:gs>
-                    <a:gs pos="78000">
-                      <a:schemeClr val="accent6">
-                        <a:tint val="90000"/>
-                        <a:shade val="89000"/>
-                        <a:satMod val="220000"/>
-                      </a:schemeClr>
-                    </a:gs>
-                    <a:gs pos="100000">
-                      <a:schemeClr val="accent6">
-                        <a:tint val="12000"/>
-                        <a:satMod val="255000"/>
-                      </a:schemeClr>
-                    </a:gs>
-                  </a:gsLst>
-                  <a:lin ang="5400000"/>
-                </a:gradFill>
-                <a:effectLst>
-                  <a:innerShdw blurRad="69850" dist="43180" dir="5400000">
-                    <a:srgbClr val="000000">
-                      <a:alpha val="65000"/>
-                    </a:srgbClr>
-                  </a:innerShdw>
-                </a:effectLst>
-              </a:rPr>
-              <a:t>mysql_error</a:t>
-            </a:r>
-            <a:r>
-              <a:rPr lang="en-US" sz="2200" b="1" dirty="0">
-                <a:ln w="1905"/>
-                <a:gradFill>
-                  <a:gsLst>
-                    <a:gs pos="0">
-                      <a:schemeClr val="accent6">
-                        <a:shade val="20000"/>
-                        <a:satMod val="200000"/>
-                      </a:schemeClr>
-                    </a:gs>
-                    <a:gs pos="78000">
-                      <a:schemeClr val="accent6">
-                        <a:tint val="90000"/>
-                        <a:shade val="89000"/>
-                        <a:satMod val="220000"/>
-                      </a:schemeClr>
-                    </a:gs>
-                    <a:gs pos="100000">
-                      <a:schemeClr val="accent6">
-                        <a:tint val="12000"/>
-                        <a:satMod val="255000"/>
-                      </a:schemeClr>
-                    </a:gs>
-                  </a:gsLst>
-                  <a:lin ang="5400000"/>
-                </a:gradFill>
-                <a:effectLst>
-                  <a:innerShdw blurRad="69850" dist="43180" dir="5400000">
-                    <a:srgbClr val="000000">
-                      <a:alpha val="65000"/>
-                    </a:srgbClr>
-                  </a:innerShdw>
-                </a:effectLst>
-              </a:rPr>
-              <a:t>());</a:t>
-            </a:r>
-          </a:p>
-          <a:p>
-            <a:pPr marL="0" indent="0">
-              <a:lnSpc>
-                <a:spcPct val="90000"/>
-              </a:lnSpc>
-              <a:buNone/>
-            </a:pPr>
-            <a:r>
-              <a:rPr lang="en-US" sz="2200" b="1" dirty="0">
-                <a:ln w="1905"/>
-                <a:gradFill>
-                  <a:gsLst>
-                    <a:gs pos="0">
-                      <a:schemeClr val="accent6">
-                        <a:shade val="20000"/>
-                        <a:satMod val="200000"/>
-                      </a:schemeClr>
-                    </a:gs>
-                    <a:gs pos="78000">
-                      <a:schemeClr val="accent6">
-                        <a:tint val="90000"/>
-                        <a:shade val="89000"/>
-                        <a:satMod val="220000"/>
-                      </a:schemeClr>
-                    </a:gs>
-                    <a:gs pos="100000">
-                      <a:schemeClr val="accent6">
-                        <a:tint val="12000"/>
-                        <a:satMod val="255000"/>
-                      </a:schemeClr>
-                    </a:gs>
-                  </a:gsLst>
-                  <a:lin ang="5400000"/>
-                </a:gradFill>
-                <a:effectLst>
-                  <a:innerShdw blurRad="69850" dist="43180" dir="5400000">
-                    <a:srgbClr val="000000">
-                      <a:alpha val="65000"/>
-                    </a:srgbClr>
-                  </a:innerShdw>
-                </a:effectLst>
-              </a:rPr>
-              <a:t>// Retrieve all the data from the 'example' table</a:t>
-            </a:r>
-          </a:p>
-          <a:p>
-            <a:pPr marL="0" indent="0">
-              <a:lnSpc>
-                <a:spcPct val="90000"/>
-              </a:lnSpc>
-              <a:buNone/>
-            </a:pPr>
-            <a:r>
-              <a:rPr lang="en-US" sz="2200" b="1" dirty="0">
-                <a:ln w="1905"/>
-                <a:gradFill>
-                  <a:gsLst>
-                    <a:gs pos="0">
-                      <a:schemeClr val="accent6">
-                        <a:shade val="20000"/>
-                        <a:satMod val="200000"/>
-                      </a:schemeClr>
-                    </a:gs>
-                    <a:gs pos="78000">
-                      <a:schemeClr val="accent6">
-                        <a:tint val="90000"/>
-                        <a:shade val="89000"/>
-                        <a:satMod val="220000"/>
-                      </a:schemeClr>
-                    </a:gs>
-                    <a:gs pos="100000">
-                      <a:schemeClr val="accent6">
-                        <a:tint val="12000"/>
-                        <a:satMod val="255000"/>
-                      </a:schemeClr>
-                    </a:gs>
-                  </a:gsLst>
-                  <a:lin ang="5400000"/>
-                </a:gradFill>
-                <a:effectLst>
-                  <a:innerShdw blurRad="69850" dist="43180" dir="5400000">
-                    <a:srgbClr val="000000">
-                      <a:alpha val="65000"/>
-                    </a:srgbClr>
-                  </a:innerShdw>
-                </a:effectLst>
-              </a:rPr>
-              <a:t>$result = </a:t>
-            </a:r>
-            <a:r>
-              <a:rPr lang="en-US" sz="2200" b="1" dirty="0" err="1">
-                <a:ln w="1905"/>
-                <a:gradFill>
-                  <a:gsLst>
-                    <a:gs pos="0">
-                      <a:schemeClr val="accent6">
-                        <a:shade val="20000"/>
-                        <a:satMod val="200000"/>
-                      </a:schemeClr>
-                    </a:gs>
-                    <a:gs pos="78000">
-                      <a:schemeClr val="accent6">
-                        <a:tint val="90000"/>
-                        <a:shade val="89000"/>
-                        <a:satMod val="220000"/>
-                      </a:schemeClr>
-                    </a:gs>
-                    <a:gs pos="100000">
-                      <a:schemeClr val="accent6">
-                        <a:tint val="12000"/>
-                        <a:satMod val="255000"/>
-                      </a:schemeClr>
-                    </a:gs>
-                  </a:gsLst>
-                  <a:lin ang="5400000"/>
-                </a:gradFill>
-                <a:effectLst>
-                  <a:innerShdw blurRad="69850" dist="43180" dir="5400000">
-                    <a:srgbClr val="000000">
-                      <a:alpha val="65000"/>
-                    </a:srgbClr>
-                  </a:innerShdw>
-                </a:effectLst>
-              </a:rPr>
-              <a:t>mysql_query</a:t>
-            </a:r>
-            <a:r>
-              <a:rPr lang="en-US" sz="2200" b="1" dirty="0">
-                <a:ln w="1905"/>
-                <a:gradFill>
-                  <a:gsLst>
-                    <a:gs pos="0">
-                      <a:schemeClr val="accent6">
-                        <a:shade val="20000"/>
-                        <a:satMod val="200000"/>
-                      </a:schemeClr>
-                    </a:gs>
-                    <a:gs pos="78000">
-                      <a:schemeClr val="accent6">
-                        <a:tint val="90000"/>
-                        <a:shade val="89000"/>
-                        <a:satMod val="220000"/>
-                      </a:schemeClr>
-                    </a:gs>
-                    <a:gs pos="100000">
-                      <a:schemeClr val="accent6">
-                        <a:tint val="12000"/>
-                        <a:satMod val="255000"/>
-                      </a:schemeClr>
-                    </a:gs>
-                  </a:gsLst>
-                  <a:lin ang="5400000"/>
-                </a:gradFill>
-                <a:effectLst>
-                  <a:innerShdw blurRad="69850" dist="43180" dir="5400000">
-                    <a:srgbClr val="000000">
-                      <a:alpha val="65000"/>
-                    </a:srgbClr>
-                  </a:innerShdw>
-                </a:effectLst>
-              </a:rPr>
-              <a:t>('SELECT * FROM example') or die(</a:t>
-            </a:r>
-            <a:r>
-              <a:rPr lang="en-US" sz="2200" b="1" dirty="0" err="1">
-                <a:ln w="1905"/>
-                <a:gradFill>
-                  <a:gsLst>
-                    <a:gs pos="0">
-                      <a:schemeClr val="accent6">
-                        <a:shade val="20000"/>
-                        <a:satMod val="200000"/>
-                      </a:schemeClr>
-                    </a:gs>
-                    <a:gs pos="78000">
-                      <a:schemeClr val="accent6">
-                        <a:tint val="90000"/>
-                        <a:shade val="89000"/>
-                        <a:satMod val="220000"/>
-                      </a:schemeClr>
-                    </a:gs>
-                    <a:gs pos="100000">
-                      <a:schemeClr val="accent6">
-                        <a:tint val="12000"/>
-                        <a:satMod val="255000"/>
-                      </a:schemeClr>
-                    </a:gs>
-                  </a:gsLst>
-                  <a:lin ang="5400000"/>
-                </a:gradFill>
-                <a:effectLst>
-                  <a:innerShdw blurRad="69850" dist="43180" dir="5400000">
-                    <a:srgbClr val="000000">
-                      <a:alpha val="65000"/>
-                    </a:srgbClr>
-                  </a:innerShdw>
-                </a:effectLst>
-              </a:rPr>
-              <a:t>mysql_error</a:t>
-            </a:r>
-            <a:r>
-              <a:rPr lang="en-US" sz="2200" b="1" dirty="0">
-                <a:ln w="1905"/>
-                <a:gradFill>
-                  <a:gsLst>
-                    <a:gs pos="0">
-                      <a:schemeClr val="accent6">
-                        <a:shade val="20000"/>
-                        <a:satMod val="200000"/>
-                      </a:schemeClr>
-                    </a:gs>
-                    <a:gs pos="78000">
-                      <a:schemeClr val="accent6">
-                        <a:tint val="90000"/>
-                        <a:shade val="89000"/>
-                        <a:satMod val="220000"/>
-                      </a:schemeClr>
-                    </a:gs>
-                    <a:gs pos="100000">
-                      <a:schemeClr val="accent6">
-                        <a:tint val="12000"/>
-                        <a:satMod val="255000"/>
-                      </a:schemeClr>
-                    </a:gs>
-                  </a:gsLst>
-                  <a:lin ang="5400000"/>
-                </a:gradFill>
-                <a:effectLst>
-                  <a:innerShdw blurRad="69850" dist="43180" dir="5400000">
-                    <a:srgbClr val="000000">
-                      <a:alpha val="65000"/>
-                    </a:srgbClr>
-                  </a:innerShdw>
-                </a:effectLst>
-              </a:rPr>
-              <a:t>()); </a:t>
-            </a:r>
-          </a:p>
-          <a:p>
-            <a:pPr marL="0" indent="0">
-              <a:lnSpc>
-                <a:spcPct val="90000"/>
-              </a:lnSpc>
-              <a:buNone/>
-            </a:pPr>
-            <a:r>
-              <a:rPr lang="en-US" sz="2200" b="1" dirty="0">
-                <a:ln w="1905"/>
-                <a:gradFill>
-                  <a:gsLst>
-                    <a:gs pos="0">
-                      <a:schemeClr val="accent6">
-                        <a:shade val="20000"/>
-                        <a:satMod val="200000"/>
-                      </a:schemeClr>
-                    </a:gs>
-                    <a:gs pos="78000">
-                      <a:schemeClr val="accent6">
-                        <a:tint val="90000"/>
-                        <a:shade val="89000"/>
-                        <a:satMod val="220000"/>
-                      </a:schemeClr>
-                    </a:gs>
-                    <a:gs pos="100000">
-                      <a:schemeClr val="accent6">
-                        <a:tint val="12000"/>
-                        <a:satMod val="255000"/>
-                      </a:schemeClr>
-                    </a:gs>
-                  </a:gsLst>
-                  <a:lin ang="5400000"/>
-                </a:gradFill>
-                <a:effectLst>
-                  <a:innerShdw blurRad="69850" dist="43180" dir="5400000">
-                    <a:srgbClr val="000000">
-                      <a:alpha val="65000"/>
-                    </a:srgbClr>
-                  </a:innerShdw>
-                </a:effectLst>
-              </a:rPr>
-              <a:t>// store the record of the 'example' table into $row</a:t>
-            </a:r>
-          </a:p>
-          <a:p>
-            <a:pPr marL="0" indent="0">
-              <a:lnSpc>
-                <a:spcPct val="90000"/>
-              </a:lnSpc>
-              <a:buNone/>
-            </a:pPr>
-            <a:r>
-              <a:rPr lang="en-US" sz="2200" b="1" dirty="0">
-                <a:ln w="1905"/>
-                <a:gradFill>
-                  <a:gsLst>
-                    <a:gs pos="0">
-                      <a:schemeClr val="accent6">
-                        <a:shade val="20000"/>
-                        <a:satMod val="200000"/>
-                      </a:schemeClr>
-                    </a:gs>
-                    <a:gs pos="78000">
-                      <a:schemeClr val="accent6">
-                        <a:tint val="90000"/>
-                        <a:shade val="89000"/>
-                        <a:satMod val="220000"/>
-                      </a:schemeClr>
-                    </a:gs>
-                    <a:gs pos="100000">
-                      <a:schemeClr val="accent6">
-                        <a:tint val="12000"/>
-                        <a:satMod val="255000"/>
-                      </a:schemeClr>
-                    </a:gs>
-                  </a:gsLst>
-                  <a:lin ang="5400000"/>
-                </a:gradFill>
-                <a:effectLst>
-                  <a:innerShdw blurRad="69850" dist="43180" dir="5400000">
-                    <a:srgbClr val="000000">
-                      <a:alpha val="65000"/>
-                    </a:srgbClr>
-                  </a:innerShdw>
-                </a:effectLst>
-              </a:rPr>
-              <a:t>$row = </a:t>
-            </a:r>
-            <a:r>
-              <a:rPr lang="en-US" sz="2200" b="1" dirty="0" err="1">
-                <a:ln w="1905"/>
-                <a:gradFill>
-                  <a:gsLst>
-                    <a:gs pos="0">
-                      <a:schemeClr val="accent6">
-                        <a:shade val="20000"/>
-                        <a:satMod val="200000"/>
-                      </a:schemeClr>
-                    </a:gs>
-                    <a:gs pos="78000">
-                      <a:schemeClr val="accent6">
-                        <a:tint val="90000"/>
-                        <a:shade val="89000"/>
-                        <a:satMod val="220000"/>
-                      </a:schemeClr>
-                    </a:gs>
-                    <a:gs pos="100000">
-                      <a:schemeClr val="accent6">
-                        <a:tint val="12000"/>
-                        <a:satMod val="255000"/>
-                      </a:schemeClr>
-                    </a:gs>
-                  </a:gsLst>
-                  <a:lin ang="5400000"/>
-                </a:gradFill>
-                <a:effectLst>
-                  <a:innerShdw blurRad="69850" dist="43180" dir="5400000">
-                    <a:srgbClr val="000000">
-                      <a:alpha val="65000"/>
-                    </a:srgbClr>
-                  </a:innerShdw>
-                </a:effectLst>
-              </a:rPr>
-              <a:t>mysql_fetch_array</a:t>
-            </a:r>
-            <a:r>
-              <a:rPr lang="en-US" sz="2200" b="1" dirty="0">
-                <a:ln w="1905"/>
-                <a:gradFill>
-                  <a:gsLst>
-                    <a:gs pos="0">
-                      <a:schemeClr val="accent6">
-                        <a:shade val="20000"/>
-                        <a:satMod val="200000"/>
-                      </a:schemeClr>
-                    </a:gs>
-                    <a:gs pos="78000">
-                      <a:schemeClr val="accent6">
-                        <a:tint val="90000"/>
-                        <a:shade val="89000"/>
-                        <a:satMod val="220000"/>
-                      </a:schemeClr>
-                    </a:gs>
-                    <a:gs pos="100000">
-                      <a:schemeClr val="accent6">
-                        <a:tint val="12000"/>
-                        <a:satMod val="255000"/>
-                      </a:schemeClr>
-                    </a:gs>
-                  </a:gsLst>
-                  <a:lin ang="5400000"/>
-                </a:gradFill>
-                <a:effectLst>
-                  <a:innerShdw blurRad="69850" dist="43180" dir="5400000">
-                    <a:srgbClr val="000000">
-                      <a:alpha val="65000"/>
-                    </a:srgbClr>
-                  </a:innerShdw>
-                </a:effectLst>
-              </a:rPr>
-              <a:t>( $result );</a:t>
-            </a:r>
-          </a:p>
-          <a:p>
-            <a:pPr marL="0" indent="0">
-              <a:lnSpc>
-                <a:spcPct val="90000"/>
-              </a:lnSpc>
-              <a:buNone/>
-            </a:pPr>
-            <a:r>
-              <a:rPr lang="en-US" sz="2200" b="1" dirty="0">
-                <a:ln w="1905"/>
-                <a:gradFill>
-                  <a:gsLst>
-                    <a:gs pos="0">
-                      <a:schemeClr val="accent6">
-                        <a:shade val="20000"/>
-                        <a:satMod val="200000"/>
-                      </a:schemeClr>
-                    </a:gs>
-                    <a:gs pos="78000">
-                      <a:schemeClr val="accent6">
-                        <a:tint val="90000"/>
-                        <a:shade val="89000"/>
-                        <a:satMod val="220000"/>
-                      </a:schemeClr>
-                    </a:gs>
-                    <a:gs pos="100000">
-                      <a:schemeClr val="accent6">
-                        <a:tint val="12000"/>
-                        <a:satMod val="255000"/>
-                      </a:schemeClr>
-                    </a:gs>
-                  </a:gsLst>
-                  <a:lin ang="5400000"/>
-                </a:gradFill>
-                <a:effectLst>
-                  <a:innerShdw blurRad="69850" dist="43180" dir="5400000">
-                    <a:srgbClr val="000000">
-                      <a:alpha val="65000"/>
-                    </a:srgbClr>
-                  </a:innerShdw>
-                </a:effectLst>
-              </a:rPr>
-              <a:t>// Print out the contents of the entry </a:t>
-            </a:r>
-          </a:p>
-          <a:p>
-            <a:pPr marL="0" indent="0">
-              <a:lnSpc>
-                <a:spcPct val="90000"/>
-              </a:lnSpc>
-              <a:buNone/>
-            </a:pPr>
-            <a:r>
-              <a:rPr lang="en-US" sz="2200" b="1" dirty="0">
-                <a:ln w="1905"/>
-                <a:gradFill>
-                  <a:gsLst>
-                    <a:gs pos="0">
-                      <a:schemeClr val="accent6">
-                        <a:shade val="20000"/>
-                        <a:satMod val="200000"/>
-                      </a:schemeClr>
-                    </a:gs>
-                    <a:gs pos="78000">
-                      <a:schemeClr val="accent6">
-                        <a:tint val="90000"/>
-                        <a:shade val="89000"/>
-                        <a:satMod val="220000"/>
-                      </a:schemeClr>
-                    </a:gs>
-                    <a:gs pos="100000">
-                      <a:schemeClr val="accent6">
-                        <a:tint val="12000"/>
-                        <a:satMod val="255000"/>
-                      </a:schemeClr>
-                    </a:gs>
-                  </a:gsLst>
-                  <a:lin ang="5400000"/>
-                </a:gradFill>
-                <a:effectLst>
-                  <a:innerShdw blurRad="69850" dist="43180" dir="5400000">
-                    <a:srgbClr val="000000">
-                      <a:alpha val="65000"/>
-                    </a:srgbClr>
-                  </a:innerShdw>
-                </a:effectLst>
-              </a:rPr>
-              <a:t>echo 'Name: '.$row['name'];</a:t>
-            </a:r>
-          </a:p>
-          <a:p>
-            <a:pPr marL="0" indent="0">
-              <a:lnSpc>
-                <a:spcPct val="90000"/>
-              </a:lnSpc>
-              <a:buNone/>
-            </a:pPr>
-            <a:r>
-              <a:rPr lang="en-US" sz="2200" b="1" dirty="0">
-                <a:ln w="1905"/>
-                <a:gradFill>
-                  <a:gsLst>
-                    <a:gs pos="0">
-                      <a:schemeClr val="accent6">
-                        <a:shade val="20000"/>
-                        <a:satMod val="200000"/>
-                      </a:schemeClr>
-                    </a:gs>
-                    <a:gs pos="78000">
-                      <a:schemeClr val="accent6">
-                        <a:tint val="90000"/>
-                        <a:shade val="89000"/>
-                        <a:satMod val="220000"/>
-                      </a:schemeClr>
-                    </a:gs>
-                    <a:gs pos="100000">
-                      <a:schemeClr val="accent6">
-                        <a:tint val="12000"/>
-                        <a:satMod val="255000"/>
-                      </a:schemeClr>
-                    </a:gs>
-                  </a:gsLst>
-                  <a:lin ang="5400000"/>
-                </a:gradFill>
-                <a:effectLst>
-                  <a:innerShdw blurRad="69850" dist="43180" dir="5400000">
-                    <a:srgbClr val="000000">
-                      <a:alpha val="65000"/>
-                    </a:srgbClr>
-                  </a:innerShdw>
-                </a:effectLst>
-              </a:rPr>
-              <a:t>echo ' Age: '.$row['age'];</a:t>
-            </a:r>
-          </a:p>
-          <a:p>
-            <a:pPr marL="0" indent="0">
-              <a:lnSpc>
-                <a:spcPct val="90000"/>
-              </a:lnSpc>
-              <a:buNone/>
-            </a:pPr>
-            <a:r>
-              <a:rPr lang="en-US" sz="2200" b="1" dirty="0" smtClean="0">
-                <a:ln w="1905"/>
-                <a:gradFill>
-                  <a:gsLst>
-                    <a:gs pos="0">
-                      <a:schemeClr val="accent6">
-                        <a:shade val="20000"/>
-                        <a:satMod val="200000"/>
-                      </a:schemeClr>
-                    </a:gs>
-                    <a:gs pos="78000">
-                      <a:schemeClr val="accent6">
-                        <a:tint val="90000"/>
-                        <a:shade val="89000"/>
-                        <a:satMod val="220000"/>
-                      </a:schemeClr>
-                    </a:gs>
-                    <a:gs pos="100000">
-                      <a:schemeClr val="accent6">
-                        <a:tint val="12000"/>
-                        <a:satMod val="255000"/>
-                      </a:schemeClr>
-                    </a:gs>
-                  </a:gsLst>
-                  <a:lin ang="5400000"/>
-                </a:gradFill>
-                <a:effectLst>
-                  <a:innerShdw blurRad="69850" dist="43180" dir="5400000">
-                    <a:srgbClr val="000000">
-                      <a:alpha val="65000"/>
-                    </a:srgbClr>
-                  </a:innerShdw>
-                </a:effectLst>
-              </a:rPr>
-              <a:t>?&gt;</a:t>
-            </a:r>
-            <a:endParaRPr lang="en-US" sz="2200" b="1" dirty="0">
-              <a:ln w="1905"/>
-              <a:gradFill>
-                <a:gsLst>
-                  <a:gs pos="0">
-                    <a:schemeClr val="accent6">
-                      <a:shade val="20000"/>
-                      <a:satMod val="200000"/>
-                    </a:schemeClr>
-                  </a:gs>
-                  <a:gs pos="78000">
-                    <a:schemeClr val="accent6">
-                      <a:tint val="90000"/>
-                      <a:shade val="89000"/>
-                      <a:satMod val="220000"/>
-                    </a:schemeClr>
-                  </a:gs>
-                  <a:gs pos="100000">
-                    <a:schemeClr val="accent6">
-                      <a:tint val="12000"/>
-                      <a:satMod val="255000"/>
-                    </a:schemeClr>
-                  </a:gs>
-                </a:gsLst>
-                <a:lin ang="5400000"/>
-              </a:gradFill>
-              <a:effectLst>
-                <a:innerShdw blurRad="69850" dist="43180" dir="5400000">
-                  <a:srgbClr val="000000">
-                    <a:alpha val="65000"/>
-                  </a:srgbClr>
-                </a:innerShdw>
-              </a:effectLst>
-            </a:endParaRPr>
-          </a:p>
-        </p:txBody>
-      </p:sp>
-      <p:sp>
-        <p:nvSpPr>
-          <p:cNvPr id="4" name="TextBox 3"/>
-          <p:cNvSpPr txBox="1"/>
-          <p:nvPr/>
-        </p:nvSpPr>
-        <p:spPr>
-          <a:xfrm>
-            <a:off x="5023556" y="1933222"/>
-            <a:ext cx="184666" cy="369332"/>
-          </a:xfrm>
-          <a:prstGeom prst="rect">
-            <a:avLst/>
-          </a:prstGeom>
-          <a:noFill/>
-        </p:spPr>
-        <p:txBody>
-          <a:bodyPr wrap="none" rtlCol="0">
-            <a:spAutoFit/>
-          </a:bodyPr>
-          <a:lstStyle/>
-          <a:p>
-            <a:endParaRPr lang="en-US" dirty="0"/>
-          </a:p>
-        </p:txBody>
-      </p:sp>
-    </p:spTree>
-    <p:extLst>
-      <p:ext uri="{BB962C8B-B14F-4D97-AF65-F5344CB8AC3E}">
-        <p14:creationId xmlns:p14="http://schemas.microsoft.com/office/powerpoint/2010/main" val="3727003507"/>
-      </p:ext>
-    </p:extLst>
-  </p:cSld>
-  <p:clrMapOvr>
-    <a:masterClrMapping/>
-  </p:clrMapOvr>
-</p:sld>
-</file>
-
-<file path=ppt/slides/slide53.xml><?xml version="1.0" encoding="utf-8"?>
-<p:sld xmlns:a="http://schemas.openxmlformats.org/drawingml/2006/main" xmlns:r="http://schemas.openxmlformats.org/officeDocument/2006/relationships" xmlns:p="http://schemas.openxmlformats.org/presentationml/2006/main">
-  <p:cSld>
-    <p:spTree>
-      <p:nvGrpSpPr>
-        <p:cNvPr id="1" name=""/>
-        <p:cNvGrpSpPr/>
-        <p:nvPr/>
-      </p:nvGrpSpPr>
-      <p:grpSpPr>
-        <a:xfrm>
-          <a:off x="0" y="0"/>
-          <a:ext cx="0" cy="0"/>
-          <a:chOff x="0" y="0"/>
-          <a:chExt cx="0" cy="0"/>
-        </a:xfrm>
-      </p:grpSpPr>
-      <p:sp>
-        <p:nvSpPr>
-          <p:cNvPr id="2" name="Title 1"/>
-          <p:cNvSpPr>
-            <a:spLocks noGrp="1"/>
-          </p:cNvSpPr>
-          <p:nvPr>
-            <p:ph type="title"/>
-          </p:nvPr>
-        </p:nvSpPr>
-        <p:spPr>
-          <a:xfrm>
-            <a:off x="457200" y="62973"/>
-            <a:ext cx="8229600" cy="1143000"/>
-          </a:xfrm>
-        </p:spPr>
-        <p:txBody>
-          <a:bodyPr/>
-          <a:lstStyle/>
-          <a:p>
-            <a:r>
-              <a:rPr lang="en-US" sz="4000" dirty="0" smtClean="0"/>
-              <a:t>Retrieving </a:t>
-            </a:r>
-            <a:r>
-              <a:rPr lang="en-US" sz="4000" dirty="0"/>
-              <a:t>data with </a:t>
-            </a:r>
-            <a:r>
-              <a:rPr lang="en-US" sz="4000" dirty="0" smtClean="0"/>
-              <a:t>PHP </a:t>
-            </a:r>
-            <a:r>
-              <a:rPr lang="en-US" sz="4000" dirty="0"/>
-              <a:t>&amp; </a:t>
-            </a:r>
-            <a:r>
-              <a:rPr lang="en-US" sz="4000" dirty="0" smtClean="0"/>
-              <a:t>MySQL</a:t>
-            </a:r>
-            <a:endParaRPr lang="en-US" sz="4000" dirty="0"/>
-          </a:p>
-        </p:txBody>
-      </p:sp>
-      <p:sp>
-        <p:nvSpPr>
-          <p:cNvPr id="3" name="Content Placeholder 2"/>
-          <p:cNvSpPr>
-            <a:spLocks noGrp="1"/>
-          </p:cNvSpPr>
-          <p:nvPr>
-            <p:ph idx="1"/>
-          </p:nvPr>
-        </p:nvSpPr>
-        <p:spPr>
-          <a:xfrm>
-            <a:off x="457200" y="1430867"/>
-            <a:ext cx="8229600" cy="4525963"/>
-          </a:xfrm>
-        </p:spPr>
-        <p:txBody>
-          <a:bodyPr/>
-          <a:lstStyle/>
-          <a:p>
-            <a:pPr marL="0" indent="0">
-              <a:lnSpc>
-                <a:spcPct val="90000"/>
-              </a:lnSpc>
-              <a:buNone/>
-            </a:pPr>
-            <a:r>
-              <a:rPr lang="en-US" sz="2800" dirty="0"/>
-              <a:t>Usually most of the work done with MySQL involves pulling down data from a MySQL database. In MySQL, data is retrieved with the 'SELECT' keyword. Think of SELECT as working the same way as it does on your computer. If you wanted to copy some information in a document, you would first select the desired information, then copy and paste.</a:t>
-            </a:r>
-          </a:p>
-        </p:txBody>
-      </p:sp>
-      <p:sp>
-        <p:nvSpPr>
-          <p:cNvPr id="4" name="TextBox 3"/>
-          <p:cNvSpPr txBox="1"/>
-          <p:nvPr/>
-        </p:nvSpPr>
-        <p:spPr>
-          <a:xfrm>
-            <a:off x="5023556" y="1933222"/>
-            <a:ext cx="184666" cy="369332"/>
-          </a:xfrm>
-          <a:prstGeom prst="rect">
-            <a:avLst/>
-          </a:prstGeom>
-          <a:noFill/>
-        </p:spPr>
-        <p:txBody>
-          <a:bodyPr wrap="none" rtlCol="0">
-            <a:spAutoFit/>
-          </a:bodyPr>
-          <a:lstStyle/>
-          <a:p>
-            <a:endParaRPr lang="en-US" dirty="0"/>
-          </a:p>
-        </p:txBody>
-      </p:sp>
-    </p:spTree>
-    <p:extLst>
-      <p:ext uri="{BB962C8B-B14F-4D97-AF65-F5344CB8AC3E}">
-        <p14:creationId xmlns:p14="http://schemas.microsoft.com/office/powerpoint/2010/main" val="4040140693"/>
-      </p:ext>
-    </p:extLst>
-  </p:cSld>
-  <p:clrMapOvr>
-    <a:masterClrMapping/>
-  </p:clrMapOvr>
-</p:sld>
-</file>
-
-<file path=ppt/slides/slide54.xml><?xml version="1.0" encoding="utf-8"?>
-<p:sld xmlns:a="http://schemas.openxmlformats.org/drawingml/2006/main" xmlns:r="http://schemas.openxmlformats.org/officeDocument/2006/relationships" xmlns:p="http://schemas.openxmlformats.org/presentationml/2006/main">
-  <p:cSld>
-    <p:spTree>
-      <p:nvGrpSpPr>
-        <p:cNvPr id="1" name=""/>
-        <p:cNvGrpSpPr/>
-        <p:nvPr/>
-      </p:nvGrpSpPr>
-      <p:grpSpPr>
-        <a:xfrm>
-          <a:off x="0" y="0"/>
-          <a:ext cx="0" cy="0"/>
-          <a:chOff x="0" y="0"/>
-          <a:chExt cx="0" cy="0"/>
-        </a:xfrm>
-      </p:grpSpPr>
-      <p:sp>
-        <p:nvSpPr>
-          <p:cNvPr id="2" name="Title 1"/>
-          <p:cNvSpPr>
-            <a:spLocks noGrp="1"/>
-          </p:cNvSpPr>
-          <p:nvPr>
-            <p:ph type="title"/>
-          </p:nvPr>
-        </p:nvSpPr>
-        <p:spPr>
-          <a:xfrm>
             <a:off x="1013792" y="152400"/>
             <a:ext cx="7086600" cy="838200"/>
           </a:xfrm>
@@ -25435,8 +23452,17 @@
               <a:rPr lang="en-US" sz="2600" dirty="0">
                 <a:latin typeface="Times New Roman" charset="0"/>
               </a:rPr>
-              <a:t>Data base management system (DBMS) was born</a:t>
-            </a:r>
+              <a:t>Data base management system (DBMS) was </a:t>
+            </a:r>
+            <a:r>
+              <a:rPr lang="en-US" sz="2600" dirty="0" smtClean="0">
+                <a:latin typeface="Times New Roman" charset="0"/>
+              </a:rPr>
+              <a:t>born</a:t>
+            </a:r>
+            <a:endParaRPr lang="en-US" sz="2600" dirty="0">
+              <a:latin typeface="Times New Roman" charset="0"/>
+            </a:endParaRPr>
           </a:p>
         </p:txBody>
       </p:sp>
